--- a/Figures and Paper/Class Figure.pptx
+++ b/Figures and Paper/Class Figure.pptx
@@ -104,6 +104,11 @@
       </a:defRPr>
     </a:lvl9pPr>
   </p:defaultTextStyle>
+  <p:extLst>
+    <p:ext uri="{EFAFB233-063F-42B5-8137-9DF3F51BA10A}">
+      <p15:sldGuideLst xmlns:p15="http://schemas.microsoft.com/office/powerpoint/2012/main"/>
+    </p:ext>
+  </p:extLst>
 </p:presentation>
 </file>
 
@@ -238,7 +243,7 @@
           <a:p>
             <a:fld id="{FB2CE3CC-2201-47B7-9E17-B5AFA0C49CFE}" type="datetimeFigureOut">
               <a:rPr lang="en-US" smtClean="0"/>
-              <a:t>7/24/2022</a:t>
+              <a:t>8/5/2022</a:t>
             </a:fld>
             <a:endParaRPr lang="en-US"/>
           </a:p>
@@ -408,7 +413,7 @@
           <a:p>
             <a:fld id="{FB2CE3CC-2201-47B7-9E17-B5AFA0C49CFE}" type="datetimeFigureOut">
               <a:rPr lang="en-US" smtClean="0"/>
-              <a:t>7/24/2022</a:t>
+              <a:t>8/5/2022</a:t>
             </a:fld>
             <a:endParaRPr lang="en-US"/>
           </a:p>
@@ -588,7 +593,7 @@
           <a:p>
             <a:fld id="{FB2CE3CC-2201-47B7-9E17-B5AFA0C49CFE}" type="datetimeFigureOut">
               <a:rPr lang="en-US" smtClean="0"/>
-              <a:t>7/24/2022</a:t>
+              <a:t>8/5/2022</a:t>
             </a:fld>
             <a:endParaRPr lang="en-US"/>
           </a:p>
@@ -758,7 +763,7 @@
           <a:p>
             <a:fld id="{FB2CE3CC-2201-47B7-9E17-B5AFA0C49CFE}" type="datetimeFigureOut">
               <a:rPr lang="en-US" smtClean="0"/>
-              <a:t>7/24/2022</a:t>
+              <a:t>8/5/2022</a:t>
             </a:fld>
             <a:endParaRPr lang="en-US"/>
           </a:p>
@@ -1002,7 +1007,7 @@
           <a:p>
             <a:fld id="{FB2CE3CC-2201-47B7-9E17-B5AFA0C49CFE}" type="datetimeFigureOut">
               <a:rPr lang="en-US" smtClean="0"/>
-              <a:t>7/24/2022</a:t>
+              <a:t>8/5/2022</a:t>
             </a:fld>
             <a:endParaRPr lang="en-US"/>
           </a:p>
@@ -1234,7 +1239,7 @@
           <a:p>
             <a:fld id="{FB2CE3CC-2201-47B7-9E17-B5AFA0C49CFE}" type="datetimeFigureOut">
               <a:rPr lang="en-US" smtClean="0"/>
-              <a:t>7/24/2022</a:t>
+              <a:t>8/5/2022</a:t>
             </a:fld>
             <a:endParaRPr lang="en-US"/>
           </a:p>
@@ -1601,7 +1606,7 @@
           <a:p>
             <a:fld id="{FB2CE3CC-2201-47B7-9E17-B5AFA0C49CFE}" type="datetimeFigureOut">
               <a:rPr lang="en-US" smtClean="0"/>
-              <a:t>7/24/2022</a:t>
+              <a:t>8/5/2022</a:t>
             </a:fld>
             <a:endParaRPr lang="en-US"/>
           </a:p>
@@ -1719,7 +1724,7 @@
           <a:p>
             <a:fld id="{FB2CE3CC-2201-47B7-9E17-B5AFA0C49CFE}" type="datetimeFigureOut">
               <a:rPr lang="en-US" smtClean="0"/>
-              <a:t>7/24/2022</a:t>
+              <a:t>8/5/2022</a:t>
             </a:fld>
             <a:endParaRPr lang="en-US"/>
           </a:p>
@@ -1814,7 +1819,7 @@
           <a:p>
             <a:fld id="{FB2CE3CC-2201-47B7-9E17-B5AFA0C49CFE}" type="datetimeFigureOut">
               <a:rPr lang="en-US" smtClean="0"/>
-              <a:t>7/24/2022</a:t>
+              <a:t>8/5/2022</a:t>
             </a:fld>
             <a:endParaRPr lang="en-US"/>
           </a:p>
@@ -2091,7 +2096,7 @@
           <a:p>
             <a:fld id="{FB2CE3CC-2201-47B7-9E17-B5AFA0C49CFE}" type="datetimeFigureOut">
               <a:rPr lang="en-US" smtClean="0"/>
-              <a:t>7/24/2022</a:t>
+              <a:t>8/5/2022</a:t>
             </a:fld>
             <a:endParaRPr lang="en-US"/>
           </a:p>
@@ -2348,7 +2353,7 @@
           <a:p>
             <a:fld id="{FB2CE3CC-2201-47B7-9E17-B5AFA0C49CFE}" type="datetimeFigureOut">
               <a:rPr lang="en-US" smtClean="0"/>
-              <a:t>7/24/2022</a:t>
+              <a:t>8/5/2022</a:t>
             </a:fld>
             <a:endParaRPr lang="en-US"/>
           </a:p>
@@ -2561,7 +2566,7 @@
           <a:p>
             <a:fld id="{FB2CE3CC-2201-47B7-9E17-B5AFA0C49CFE}" type="datetimeFigureOut">
               <a:rPr lang="en-US" smtClean="0"/>
-              <a:t>7/24/2022</a:t>
+              <a:t>8/5/2022</a:t>
             </a:fld>
             <a:endParaRPr lang="en-US"/>
           </a:p>
@@ -2968,10 +2973,10 @@
       </p:grpSpPr>
       <p:grpSp>
         <p:nvGrpSpPr>
-          <p:cNvPr id="117" name="Group 116">
+          <p:cNvPr id="12" name="Group 11">
             <a:extLst>
               <a:ext uri="{FF2B5EF4-FFF2-40B4-BE49-F238E27FC236}">
-                <a16:creationId xmlns:a16="http://schemas.microsoft.com/office/drawing/2014/main" id="{C5857D0E-80A4-4B03-B58A-8C78C3B5867C}"/>
+                <a16:creationId xmlns:a16="http://schemas.microsoft.com/office/drawing/2014/main" id="{94514B42-9EA4-4DA0-AC60-C91655167CE3}"/>
               </a:ext>
             </a:extLst>
           </p:cNvPr>
@@ -2981,143 +2986,11 @@
         <p:grpSpPr>
           <a:xfrm>
             <a:off x="900440" y="1198589"/>
-            <a:ext cx="6242139" cy="6187881"/>
+            <a:ext cx="3292350" cy="12119363"/>
             <a:chOff x="900440" y="1198589"/>
-            <a:chExt cx="6242139" cy="6187881"/>
+            <a:chExt cx="3292350" cy="12119363"/>
           </a:xfrm>
         </p:grpSpPr>
-        <p:cxnSp>
-          <p:nvCxnSpPr>
-            <p:cNvPr id="98" name="Straight Arrow Connector 97">
-              <a:extLst>
-                <a:ext uri="{FF2B5EF4-FFF2-40B4-BE49-F238E27FC236}">
-                  <a16:creationId xmlns:a16="http://schemas.microsoft.com/office/drawing/2014/main" id="{CD394B3B-3EBF-4ED8-9F21-BBA6C1C0E1D0}"/>
-                </a:ext>
-              </a:extLst>
-            </p:cNvPr>
-            <p:cNvCxnSpPr>
-              <a:cxnSpLocks/>
-            </p:cNvCxnSpPr>
-            <p:nvPr/>
-          </p:nvCxnSpPr>
-          <p:spPr>
-            <a:xfrm flipH="1" flipV="1">
-              <a:off x="4779373" y="6344007"/>
-              <a:ext cx="1203718" cy="106994"/>
-            </a:xfrm>
-            <a:prstGeom prst="straightConnector1">
-              <a:avLst/>
-            </a:prstGeom>
-            <a:ln w="38100">
-              <a:solidFill>
-                <a:schemeClr val="accent1"/>
-              </a:solidFill>
-              <a:tailEnd type="triangle"/>
-            </a:ln>
-          </p:spPr>
-          <p:style>
-            <a:lnRef idx="1">
-              <a:schemeClr val="accent1"/>
-            </a:lnRef>
-            <a:fillRef idx="0">
-              <a:schemeClr val="accent1"/>
-            </a:fillRef>
-            <a:effectRef idx="0">
-              <a:schemeClr val="accent1"/>
-            </a:effectRef>
-            <a:fontRef idx="minor">
-              <a:schemeClr val="tx1"/>
-            </a:fontRef>
-          </p:style>
-        </p:cxnSp>
-        <p:cxnSp>
-          <p:nvCxnSpPr>
-            <p:cNvPr id="75" name="Straight Arrow Connector 74">
-              <a:extLst>
-                <a:ext uri="{FF2B5EF4-FFF2-40B4-BE49-F238E27FC236}">
-                  <a16:creationId xmlns:a16="http://schemas.microsoft.com/office/drawing/2014/main" id="{815420AA-B7AF-48CA-BBB2-BD6EE276660D}"/>
-                </a:ext>
-              </a:extLst>
-            </p:cNvPr>
-            <p:cNvCxnSpPr>
-              <a:cxnSpLocks/>
-            </p:cNvCxnSpPr>
-            <p:nvPr/>
-          </p:nvCxnSpPr>
-          <p:spPr>
-            <a:xfrm flipH="1" flipV="1">
-              <a:off x="4889597" y="3146546"/>
-              <a:ext cx="1093376" cy="96575"/>
-            </a:xfrm>
-            <a:prstGeom prst="straightConnector1">
-              <a:avLst/>
-            </a:prstGeom>
-            <a:ln w="38100">
-              <a:solidFill>
-                <a:schemeClr val="accent2"/>
-              </a:solidFill>
-              <a:tailEnd type="triangle"/>
-            </a:ln>
-          </p:spPr>
-          <p:style>
-            <a:lnRef idx="1">
-              <a:schemeClr val="accent1"/>
-            </a:lnRef>
-            <a:fillRef idx="0">
-              <a:schemeClr val="accent1"/>
-            </a:fillRef>
-            <a:effectRef idx="0">
-              <a:schemeClr val="accent1"/>
-            </a:effectRef>
-            <a:fontRef idx="minor">
-              <a:schemeClr val="tx1"/>
-            </a:fontRef>
-          </p:style>
-        </p:cxnSp>
-        <p:cxnSp>
-          <p:nvCxnSpPr>
-            <p:cNvPr id="64" name="Straight Arrow Connector 63">
-              <a:extLst>
-                <a:ext uri="{FF2B5EF4-FFF2-40B4-BE49-F238E27FC236}">
-                  <a16:creationId xmlns:a16="http://schemas.microsoft.com/office/drawing/2014/main" id="{68BD4270-1EDA-462F-AD18-D822BC61B6C4}"/>
-                </a:ext>
-              </a:extLst>
-            </p:cNvPr>
-            <p:cNvCxnSpPr>
-              <a:cxnSpLocks/>
-            </p:cNvCxnSpPr>
-            <p:nvPr/>
-          </p:nvCxnSpPr>
-          <p:spPr>
-            <a:xfrm flipH="1" flipV="1">
-              <a:off x="900440" y="6373248"/>
-              <a:ext cx="1749525" cy="77059"/>
-            </a:xfrm>
-            <a:prstGeom prst="straightConnector1">
-              <a:avLst/>
-            </a:prstGeom>
-            <a:ln w="38100">
-              <a:solidFill>
-                <a:schemeClr val="accent1"/>
-              </a:solidFill>
-              <a:tailEnd type="triangle"/>
-            </a:ln>
-          </p:spPr>
-          <p:style>
-            <a:lnRef idx="1">
-              <a:schemeClr val="accent1"/>
-            </a:lnRef>
-            <a:fillRef idx="0">
-              <a:schemeClr val="accent1"/>
-            </a:fillRef>
-            <a:effectRef idx="0">
-              <a:schemeClr val="accent1"/>
-            </a:effectRef>
-            <a:fontRef idx="minor">
-              <a:schemeClr val="tx1"/>
-            </a:fontRef>
-          </p:style>
-        </p:cxnSp>
         <p:grpSp>
           <p:nvGrpSpPr>
             <p:cNvPr id="36" name="Group 35">
@@ -3671,1535 +3544,8 @@
             </a:p>
           </p:txBody>
         </p:sp>
-        <p:grpSp>
-          <p:nvGrpSpPr>
-            <p:cNvPr id="59" name="Group 58">
-              <a:extLst>
-                <a:ext uri="{FF2B5EF4-FFF2-40B4-BE49-F238E27FC236}">
-                  <a16:creationId xmlns:a16="http://schemas.microsoft.com/office/drawing/2014/main" id="{1EB1C305-8A50-4F04-A9CE-A80CD9641D4A}"/>
-                </a:ext>
-              </a:extLst>
-            </p:cNvPr>
-            <p:cNvGrpSpPr/>
-            <p:nvPr/>
-          </p:nvGrpSpPr>
-          <p:grpSpPr>
-            <a:xfrm>
-              <a:off x="1126589" y="5187556"/>
-              <a:ext cx="2628900" cy="2198914"/>
-              <a:chOff x="1126589" y="1982563"/>
-              <a:chExt cx="2628900" cy="2198914"/>
-            </a:xfrm>
-          </p:grpSpPr>
-          <p:sp>
-            <p:nvSpPr>
-              <p:cNvPr id="60" name="Oval 4">
-                <a:extLst>
-                  <a:ext uri="{FF2B5EF4-FFF2-40B4-BE49-F238E27FC236}">
-                    <a16:creationId xmlns:a16="http://schemas.microsoft.com/office/drawing/2014/main" id="{0E4CFBF7-BD7E-4D26-A7D0-3678D9FDC0E0}"/>
-                  </a:ext>
-                </a:extLst>
-              </p:cNvPr>
-              <p:cNvSpPr/>
-              <p:nvPr/>
-            </p:nvSpPr>
-            <p:spPr>
-              <a:xfrm>
-                <a:off x="1126589" y="3169809"/>
-                <a:ext cx="2628900" cy="76200"/>
-              </a:xfrm>
-              <a:custGeom>
-                <a:avLst/>
-                <a:gdLst>
-                  <a:gd name="connsiteX0" fmla="*/ 0 w 2628900"/>
-                  <a:gd name="connsiteY0" fmla="*/ 122465 h 244929"/>
-                  <a:gd name="connsiteX1" fmla="*/ 1314450 w 2628900"/>
-                  <a:gd name="connsiteY1" fmla="*/ 0 h 244929"/>
-                  <a:gd name="connsiteX2" fmla="*/ 2628900 w 2628900"/>
-                  <a:gd name="connsiteY2" fmla="*/ 122465 h 244929"/>
-                  <a:gd name="connsiteX3" fmla="*/ 1314450 w 2628900"/>
-                  <a:gd name="connsiteY3" fmla="*/ 244930 h 244929"/>
-                  <a:gd name="connsiteX4" fmla="*/ 0 w 2628900"/>
-                  <a:gd name="connsiteY4" fmla="*/ 122465 h 244929"/>
-                  <a:gd name="connsiteX0" fmla="*/ 1314450 w 2628900"/>
-                  <a:gd name="connsiteY0" fmla="*/ 0 h 244930"/>
-                  <a:gd name="connsiteX1" fmla="*/ 2628900 w 2628900"/>
-                  <a:gd name="connsiteY1" fmla="*/ 122465 h 244930"/>
-                  <a:gd name="connsiteX2" fmla="*/ 1314450 w 2628900"/>
-                  <a:gd name="connsiteY2" fmla="*/ 244930 h 244930"/>
-                  <a:gd name="connsiteX3" fmla="*/ 0 w 2628900"/>
-                  <a:gd name="connsiteY3" fmla="*/ 122465 h 244930"/>
-                  <a:gd name="connsiteX4" fmla="*/ 1405890 w 2628900"/>
-                  <a:gd name="connsiteY4" fmla="*/ 91440 h 244930"/>
-                  <a:gd name="connsiteX0" fmla="*/ 1314450 w 2628900"/>
-                  <a:gd name="connsiteY0" fmla="*/ 0 h 244930"/>
-                  <a:gd name="connsiteX1" fmla="*/ 2628900 w 2628900"/>
-                  <a:gd name="connsiteY1" fmla="*/ 122465 h 244930"/>
-                  <a:gd name="connsiteX2" fmla="*/ 1314450 w 2628900"/>
-                  <a:gd name="connsiteY2" fmla="*/ 244930 h 244930"/>
-                  <a:gd name="connsiteX3" fmla="*/ 0 w 2628900"/>
-                  <a:gd name="connsiteY3" fmla="*/ 122465 h 244930"/>
-                  <a:gd name="connsiteX0" fmla="*/ 2628900 w 2628900"/>
-                  <a:gd name="connsiteY0" fmla="*/ 0 h 122465"/>
-                  <a:gd name="connsiteX1" fmla="*/ 1314450 w 2628900"/>
-                  <a:gd name="connsiteY1" fmla="*/ 122465 h 122465"/>
-                  <a:gd name="connsiteX2" fmla="*/ 0 w 2628900"/>
-                  <a:gd name="connsiteY2" fmla="*/ 0 h 122465"/>
-                </a:gdLst>
-                <a:ahLst/>
-                <a:cxnLst>
-                  <a:cxn ang="0">
-                    <a:pos x="connsiteX0" y="connsiteY0"/>
-                  </a:cxn>
-                  <a:cxn ang="0">
-                    <a:pos x="connsiteX1" y="connsiteY1"/>
-                  </a:cxn>
-                  <a:cxn ang="0">
-                    <a:pos x="connsiteX2" y="connsiteY2"/>
-                  </a:cxn>
-                </a:cxnLst>
-                <a:rect l="l" t="t" r="r" b="b"/>
-                <a:pathLst>
-                  <a:path w="2628900" h="122465">
-                    <a:moveTo>
-                      <a:pt x="2628900" y="0"/>
-                    </a:moveTo>
-                    <a:cubicBezTo>
-                      <a:pt x="2628900" y="67636"/>
-                      <a:pt x="2040401" y="122465"/>
-                      <a:pt x="1314450" y="122465"/>
-                    </a:cubicBezTo>
-                    <a:cubicBezTo>
-                      <a:pt x="588499" y="122465"/>
-                      <a:pt x="0" y="67636"/>
-                      <a:pt x="0" y="0"/>
-                    </a:cubicBezTo>
-                  </a:path>
-                </a:pathLst>
-              </a:custGeom>
-              <a:noFill/>
-              <a:ln w="28575">
-                <a:solidFill>
-                  <a:schemeClr val="bg2">
-                    <a:lumMod val="50000"/>
-                  </a:schemeClr>
-                </a:solidFill>
-                <a:prstDash val="sysDash"/>
-              </a:ln>
-            </p:spPr>
-            <p:style>
-              <a:lnRef idx="2">
-                <a:schemeClr val="accent1">
-                  <a:shade val="50000"/>
-                </a:schemeClr>
-              </a:lnRef>
-              <a:fillRef idx="1">
-                <a:schemeClr val="accent1"/>
-              </a:fillRef>
-              <a:effectRef idx="0">
-                <a:schemeClr val="accent1"/>
-              </a:effectRef>
-              <a:fontRef idx="minor">
-                <a:schemeClr val="lt1"/>
-              </a:fontRef>
-            </p:style>
-            <p:txBody>
-              <a:bodyPr rtlCol="0" anchor="ctr"/>
-              <a:lstStyle/>
-              <a:p>
-                <a:pPr algn="ctr"/>
-                <a:endParaRPr lang="en-US"/>
-              </a:p>
-            </p:txBody>
-          </p:sp>
-          <p:sp>
-            <p:nvSpPr>
-              <p:cNvPr id="61" name="Oval 5">
-                <a:extLst>
-                  <a:ext uri="{FF2B5EF4-FFF2-40B4-BE49-F238E27FC236}">
-                    <a16:creationId xmlns:a16="http://schemas.microsoft.com/office/drawing/2014/main" id="{4DD65135-F972-402C-9896-45BEA3859E30}"/>
-                  </a:ext>
-                </a:extLst>
-              </p:cNvPr>
-              <p:cNvSpPr/>
-              <p:nvPr/>
-            </p:nvSpPr>
-            <p:spPr>
-              <a:xfrm>
-                <a:off x="2513214" y="1982563"/>
-                <a:ext cx="136750" cy="2198914"/>
-              </a:xfrm>
-              <a:custGeom>
-                <a:avLst/>
-                <a:gdLst>
-                  <a:gd name="connsiteX0" fmla="*/ 0 w 344261"/>
-                  <a:gd name="connsiteY0" fmla="*/ 1032782 h 2065563"/>
-                  <a:gd name="connsiteX1" fmla="*/ 172131 w 344261"/>
-                  <a:gd name="connsiteY1" fmla="*/ 0 h 2065563"/>
-                  <a:gd name="connsiteX2" fmla="*/ 344262 w 344261"/>
-                  <a:gd name="connsiteY2" fmla="*/ 1032782 h 2065563"/>
-                  <a:gd name="connsiteX3" fmla="*/ 172131 w 344261"/>
-                  <a:gd name="connsiteY3" fmla="*/ 2065564 h 2065563"/>
-                  <a:gd name="connsiteX4" fmla="*/ 0 w 344261"/>
-                  <a:gd name="connsiteY4" fmla="*/ 1032782 h 2065563"/>
-                  <a:gd name="connsiteX0" fmla="*/ 0 w 344262"/>
-                  <a:gd name="connsiteY0" fmla="*/ 1032782 h 2065564"/>
-                  <a:gd name="connsiteX1" fmla="*/ 172131 w 344262"/>
-                  <a:gd name="connsiteY1" fmla="*/ 0 h 2065564"/>
-                  <a:gd name="connsiteX2" fmla="*/ 344262 w 344262"/>
-                  <a:gd name="connsiteY2" fmla="*/ 1032782 h 2065564"/>
-                  <a:gd name="connsiteX3" fmla="*/ 172131 w 344262"/>
-                  <a:gd name="connsiteY3" fmla="*/ 2065564 h 2065564"/>
-                  <a:gd name="connsiteX4" fmla="*/ 91440 w 344262"/>
-                  <a:gd name="connsiteY4" fmla="*/ 1124222 h 2065564"/>
-                  <a:gd name="connsiteX0" fmla="*/ 0 w 344262"/>
-                  <a:gd name="connsiteY0" fmla="*/ 1032782 h 2065564"/>
-                  <a:gd name="connsiteX1" fmla="*/ 172131 w 344262"/>
-                  <a:gd name="connsiteY1" fmla="*/ 0 h 2065564"/>
-                  <a:gd name="connsiteX2" fmla="*/ 344262 w 344262"/>
-                  <a:gd name="connsiteY2" fmla="*/ 1032782 h 2065564"/>
-                  <a:gd name="connsiteX3" fmla="*/ 172131 w 344262"/>
-                  <a:gd name="connsiteY3" fmla="*/ 2065564 h 2065564"/>
-                  <a:gd name="connsiteX0" fmla="*/ 0 w 172131"/>
-                  <a:gd name="connsiteY0" fmla="*/ 0 h 2065564"/>
-                  <a:gd name="connsiteX1" fmla="*/ 172131 w 172131"/>
-                  <a:gd name="connsiteY1" fmla="*/ 1032782 h 2065564"/>
-                  <a:gd name="connsiteX2" fmla="*/ 0 w 172131"/>
-                  <a:gd name="connsiteY2" fmla="*/ 2065564 h 2065564"/>
-                </a:gdLst>
-                <a:ahLst/>
-                <a:cxnLst>
-                  <a:cxn ang="0">
-                    <a:pos x="connsiteX0" y="connsiteY0"/>
-                  </a:cxn>
-                  <a:cxn ang="0">
-                    <a:pos x="connsiteX1" y="connsiteY1"/>
-                  </a:cxn>
-                  <a:cxn ang="0">
-                    <a:pos x="connsiteX2" y="connsiteY2"/>
-                  </a:cxn>
-                </a:cxnLst>
-                <a:rect l="l" t="t" r="r" b="b"/>
-                <a:pathLst>
-                  <a:path w="172131" h="2065564">
-                    <a:moveTo>
-                      <a:pt x="0" y="0"/>
-                    </a:moveTo>
-                    <a:cubicBezTo>
-                      <a:pt x="95065" y="0"/>
-                      <a:pt x="172131" y="462392"/>
-                      <a:pt x="172131" y="1032782"/>
-                    </a:cubicBezTo>
-                    <a:cubicBezTo>
-                      <a:pt x="172131" y="1603172"/>
-                      <a:pt x="95065" y="2065564"/>
-                      <a:pt x="0" y="2065564"/>
-                    </a:cubicBezTo>
-                  </a:path>
-                </a:pathLst>
-              </a:custGeom>
-              <a:noFill/>
-              <a:ln w="28575">
-                <a:solidFill>
-                  <a:schemeClr val="bg2">
-                    <a:lumMod val="50000"/>
-                  </a:schemeClr>
-                </a:solidFill>
-                <a:prstDash val="sysDash"/>
-              </a:ln>
-            </p:spPr>
-            <p:style>
-              <a:lnRef idx="2">
-                <a:schemeClr val="accent1">
-                  <a:shade val="50000"/>
-                </a:schemeClr>
-              </a:lnRef>
-              <a:fillRef idx="1">
-                <a:schemeClr val="accent1"/>
-              </a:fillRef>
-              <a:effectRef idx="0">
-                <a:schemeClr val="accent1"/>
-              </a:effectRef>
-              <a:fontRef idx="minor">
-                <a:schemeClr val="lt1"/>
-              </a:fontRef>
-            </p:style>
-            <p:txBody>
-              <a:bodyPr rtlCol="0" anchor="ctr"/>
-              <a:lstStyle/>
-              <a:p>
-                <a:pPr algn="ctr"/>
-                <a:endParaRPr lang="en-US"/>
-              </a:p>
-            </p:txBody>
-          </p:sp>
-          <p:sp>
-            <p:nvSpPr>
-              <p:cNvPr id="62" name="Oval 61">
-                <a:extLst>
-                  <a:ext uri="{FF2B5EF4-FFF2-40B4-BE49-F238E27FC236}">
-                    <a16:creationId xmlns:a16="http://schemas.microsoft.com/office/drawing/2014/main" id="{08021AD5-374D-4072-A298-E4B7AA41147D}"/>
-                  </a:ext>
-                </a:extLst>
-              </p:cNvPr>
-              <p:cNvSpPr/>
-              <p:nvPr/>
-            </p:nvSpPr>
-            <p:spPr>
-              <a:xfrm>
-                <a:off x="1126589" y="1982563"/>
-                <a:ext cx="2628900" cy="2198914"/>
-              </a:xfrm>
-              <a:prstGeom prst="ellipse">
-                <a:avLst/>
-              </a:prstGeom>
-              <a:noFill/>
-              <a:ln w="28575">
-                <a:solidFill>
-                  <a:schemeClr val="tx1"/>
-                </a:solidFill>
-              </a:ln>
-            </p:spPr>
-            <p:style>
-              <a:lnRef idx="2">
-                <a:schemeClr val="accent1">
-                  <a:shade val="50000"/>
-                </a:schemeClr>
-              </a:lnRef>
-              <a:fillRef idx="1">
-                <a:schemeClr val="accent1"/>
-              </a:fillRef>
-              <a:effectRef idx="0">
-                <a:schemeClr val="accent1"/>
-              </a:effectRef>
-              <a:fontRef idx="minor">
-                <a:schemeClr val="lt1"/>
-              </a:fontRef>
-            </p:style>
-            <p:txBody>
-              <a:bodyPr rtlCol="0" anchor="ctr"/>
-              <a:lstStyle/>
-              <a:p>
-                <a:pPr algn="ctr"/>
-                <a:endParaRPr lang="en-US"/>
-              </a:p>
-            </p:txBody>
-          </p:sp>
-        </p:grpSp>
-        <p:cxnSp>
-          <p:nvCxnSpPr>
-            <p:cNvPr id="63" name="Straight Arrow Connector 62">
-              <a:extLst>
-                <a:ext uri="{FF2B5EF4-FFF2-40B4-BE49-F238E27FC236}">
-                  <a16:creationId xmlns:a16="http://schemas.microsoft.com/office/drawing/2014/main" id="{7D6D1E0C-CB66-4115-B129-C9EABC1081B5}"/>
-                </a:ext>
-              </a:extLst>
-            </p:cNvPr>
-            <p:cNvCxnSpPr>
-              <a:cxnSpLocks/>
-            </p:cNvCxnSpPr>
-            <p:nvPr/>
-          </p:nvCxnSpPr>
-          <p:spPr>
-            <a:xfrm>
-              <a:off x="2649964" y="6450308"/>
-              <a:ext cx="592574" cy="189973"/>
-            </a:xfrm>
-            <a:prstGeom prst="straightConnector1">
-              <a:avLst/>
-            </a:prstGeom>
-            <a:ln w="38100">
-              <a:solidFill>
-                <a:schemeClr val="tx1"/>
-              </a:solidFill>
-              <a:tailEnd type="triangle"/>
-            </a:ln>
-          </p:spPr>
-          <p:style>
-            <a:lnRef idx="1">
-              <a:schemeClr val="accent1"/>
-            </a:lnRef>
-            <a:fillRef idx="0">
-              <a:schemeClr val="accent1"/>
-            </a:fillRef>
-            <a:effectRef idx="0">
-              <a:schemeClr val="accent1"/>
-            </a:effectRef>
-            <a:fontRef idx="minor">
-              <a:schemeClr val="tx1"/>
-            </a:fontRef>
-          </p:style>
-        </p:cxnSp>
-        <p:cxnSp>
-          <p:nvCxnSpPr>
-            <p:cNvPr id="65" name="Straight Arrow Connector 64">
-              <a:extLst>
-                <a:ext uri="{FF2B5EF4-FFF2-40B4-BE49-F238E27FC236}">
-                  <a16:creationId xmlns:a16="http://schemas.microsoft.com/office/drawing/2014/main" id="{5E3F66D1-B0DA-4474-BAF8-ADC0DB082C84}"/>
-                </a:ext>
-              </a:extLst>
-            </p:cNvPr>
-            <p:cNvCxnSpPr>
-              <a:cxnSpLocks/>
-            </p:cNvCxnSpPr>
-            <p:nvPr/>
-          </p:nvCxnSpPr>
-          <p:spPr>
-            <a:xfrm>
-              <a:off x="2649845" y="6449614"/>
-              <a:ext cx="375255" cy="121117"/>
-            </a:xfrm>
-            <a:prstGeom prst="straightConnector1">
-              <a:avLst/>
-            </a:prstGeom>
-            <a:ln w="38100">
-              <a:solidFill>
-                <a:schemeClr val="accent2"/>
-              </a:solidFill>
-              <a:tailEnd type="triangle"/>
-            </a:ln>
-          </p:spPr>
-          <p:style>
-            <a:lnRef idx="1">
-              <a:schemeClr val="accent1"/>
-            </a:lnRef>
-            <a:fillRef idx="0">
-              <a:schemeClr val="accent1"/>
-            </a:fillRef>
-            <a:effectRef idx="0">
-              <a:schemeClr val="accent1"/>
-            </a:effectRef>
-            <a:fontRef idx="minor">
-              <a:schemeClr val="tx1"/>
-            </a:fontRef>
-          </p:style>
-        </p:cxnSp>
-        <p:sp>
-          <p:nvSpPr>
-            <p:cNvPr id="66" name="Oval 65">
-              <a:extLst>
-                <a:ext uri="{FF2B5EF4-FFF2-40B4-BE49-F238E27FC236}">
-                  <a16:creationId xmlns:a16="http://schemas.microsoft.com/office/drawing/2014/main" id="{DF6C2A60-9D5B-4325-B832-012E3B9F9C84}"/>
-                </a:ext>
-              </a:extLst>
-            </p:cNvPr>
-            <p:cNvSpPr/>
-            <p:nvPr/>
-          </p:nvSpPr>
-          <p:spPr>
-            <a:xfrm>
-              <a:off x="2593471" y="6393815"/>
-              <a:ext cx="112986" cy="112986"/>
-            </a:xfrm>
-            <a:prstGeom prst="ellipse">
-              <a:avLst/>
-            </a:prstGeom>
-            <a:solidFill>
-              <a:schemeClr val="tx1"/>
-            </a:solidFill>
-            <a:ln>
-              <a:solidFill>
-                <a:schemeClr val="tx1"/>
-              </a:solidFill>
-            </a:ln>
-          </p:spPr>
-          <p:style>
-            <a:lnRef idx="2">
-              <a:schemeClr val="accent1">
-                <a:shade val="50000"/>
-              </a:schemeClr>
-            </a:lnRef>
-            <a:fillRef idx="1">
-              <a:schemeClr val="accent1"/>
-            </a:fillRef>
-            <a:effectRef idx="0">
-              <a:schemeClr val="accent1"/>
-            </a:effectRef>
-            <a:fontRef idx="minor">
-              <a:schemeClr val="lt1"/>
-            </a:fontRef>
-          </p:style>
-          <p:txBody>
-            <a:bodyPr rtlCol="0" anchor="ctr"/>
-            <a:lstStyle/>
-            <a:p>
-              <a:pPr algn="ctr"/>
-              <a:endParaRPr lang="en-US"/>
-            </a:p>
-          </p:txBody>
-        </p:sp>
-        <p:sp>
-          <p:nvSpPr>
-            <p:cNvPr id="67" name="Sun 66">
-              <a:extLst>
-                <a:ext uri="{FF2B5EF4-FFF2-40B4-BE49-F238E27FC236}">
-                  <a16:creationId xmlns:a16="http://schemas.microsoft.com/office/drawing/2014/main" id="{224D5FAE-883C-4F7F-98E2-4D60F72AD3E8}"/>
-                </a:ext>
-              </a:extLst>
-            </p:cNvPr>
-            <p:cNvSpPr/>
-            <p:nvPr/>
-          </p:nvSpPr>
-          <p:spPr>
-            <a:xfrm>
-              <a:off x="3639965" y="6659195"/>
-              <a:ext cx="552825" cy="547943"/>
-            </a:xfrm>
-            <a:prstGeom prst="sun">
-              <a:avLst/>
-            </a:prstGeom>
-            <a:noFill/>
-            <a:ln w="28575">
-              <a:solidFill>
-                <a:schemeClr val="tx1"/>
-              </a:solidFill>
-            </a:ln>
-          </p:spPr>
-          <p:style>
-            <a:lnRef idx="2">
-              <a:schemeClr val="accent1">
-                <a:shade val="50000"/>
-              </a:schemeClr>
-            </a:lnRef>
-            <a:fillRef idx="1">
-              <a:schemeClr val="accent1"/>
-            </a:fillRef>
-            <a:effectRef idx="0">
-              <a:schemeClr val="accent1"/>
-            </a:effectRef>
-            <a:fontRef idx="minor">
-              <a:schemeClr val="lt1"/>
-            </a:fontRef>
-          </p:style>
-          <p:txBody>
-            <a:bodyPr rtlCol="0" anchor="ctr"/>
-            <a:lstStyle/>
-            <a:p>
-              <a:pPr algn="ctr"/>
-              <a:endParaRPr lang="en-US" sz="1014"/>
-            </a:p>
-          </p:txBody>
-        </p:sp>
-        <p:grpSp>
-          <p:nvGrpSpPr>
-            <p:cNvPr id="69" name="Group 68">
-              <a:extLst>
-                <a:ext uri="{FF2B5EF4-FFF2-40B4-BE49-F238E27FC236}">
-                  <a16:creationId xmlns:a16="http://schemas.microsoft.com/office/drawing/2014/main" id="{526275E7-22DD-4EB1-A867-EBCD45762CB5}"/>
-                </a:ext>
-              </a:extLst>
-            </p:cNvPr>
-            <p:cNvGrpSpPr/>
-            <p:nvPr/>
-          </p:nvGrpSpPr>
-          <p:grpSpPr>
-            <a:xfrm>
-              <a:off x="5100636" y="1980368"/>
-              <a:ext cx="1204232" cy="2198914"/>
-              <a:chOff x="1126589" y="1982563"/>
-              <a:chExt cx="2628900" cy="2198914"/>
-            </a:xfrm>
-          </p:grpSpPr>
-          <p:sp>
-            <p:nvSpPr>
-              <p:cNvPr id="70" name="Oval 4">
-                <a:extLst>
-                  <a:ext uri="{FF2B5EF4-FFF2-40B4-BE49-F238E27FC236}">
-                    <a16:creationId xmlns:a16="http://schemas.microsoft.com/office/drawing/2014/main" id="{5E3016BA-9372-4709-9A34-84C59732F859}"/>
-                  </a:ext>
-                </a:extLst>
-              </p:cNvPr>
-              <p:cNvSpPr/>
-              <p:nvPr/>
-            </p:nvSpPr>
-            <p:spPr>
-              <a:xfrm>
-                <a:off x="1126589" y="3169809"/>
-                <a:ext cx="2628900" cy="76200"/>
-              </a:xfrm>
-              <a:custGeom>
-                <a:avLst/>
-                <a:gdLst>
-                  <a:gd name="connsiteX0" fmla="*/ 0 w 2628900"/>
-                  <a:gd name="connsiteY0" fmla="*/ 122465 h 244929"/>
-                  <a:gd name="connsiteX1" fmla="*/ 1314450 w 2628900"/>
-                  <a:gd name="connsiteY1" fmla="*/ 0 h 244929"/>
-                  <a:gd name="connsiteX2" fmla="*/ 2628900 w 2628900"/>
-                  <a:gd name="connsiteY2" fmla="*/ 122465 h 244929"/>
-                  <a:gd name="connsiteX3" fmla="*/ 1314450 w 2628900"/>
-                  <a:gd name="connsiteY3" fmla="*/ 244930 h 244929"/>
-                  <a:gd name="connsiteX4" fmla="*/ 0 w 2628900"/>
-                  <a:gd name="connsiteY4" fmla="*/ 122465 h 244929"/>
-                  <a:gd name="connsiteX0" fmla="*/ 1314450 w 2628900"/>
-                  <a:gd name="connsiteY0" fmla="*/ 0 h 244930"/>
-                  <a:gd name="connsiteX1" fmla="*/ 2628900 w 2628900"/>
-                  <a:gd name="connsiteY1" fmla="*/ 122465 h 244930"/>
-                  <a:gd name="connsiteX2" fmla="*/ 1314450 w 2628900"/>
-                  <a:gd name="connsiteY2" fmla="*/ 244930 h 244930"/>
-                  <a:gd name="connsiteX3" fmla="*/ 0 w 2628900"/>
-                  <a:gd name="connsiteY3" fmla="*/ 122465 h 244930"/>
-                  <a:gd name="connsiteX4" fmla="*/ 1405890 w 2628900"/>
-                  <a:gd name="connsiteY4" fmla="*/ 91440 h 244930"/>
-                  <a:gd name="connsiteX0" fmla="*/ 1314450 w 2628900"/>
-                  <a:gd name="connsiteY0" fmla="*/ 0 h 244930"/>
-                  <a:gd name="connsiteX1" fmla="*/ 2628900 w 2628900"/>
-                  <a:gd name="connsiteY1" fmla="*/ 122465 h 244930"/>
-                  <a:gd name="connsiteX2" fmla="*/ 1314450 w 2628900"/>
-                  <a:gd name="connsiteY2" fmla="*/ 244930 h 244930"/>
-                  <a:gd name="connsiteX3" fmla="*/ 0 w 2628900"/>
-                  <a:gd name="connsiteY3" fmla="*/ 122465 h 244930"/>
-                  <a:gd name="connsiteX0" fmla="*/ 2628900 w 2628900"/>
-                  <a:gd name="connsiteY0" fmla="*/ 0 h 122465"/>
-                  <a:gd name="connsiteX1" fmla="*/ 1314450 w 2628900"/>
-                  <a:gd name="connsiteY1" fmla="*/ 122465 h 122465"/>
-                  <a:gd name="connsiteX2" fmla="*/ 0 w 2628900"/>
-                  <a:gd name="connsiteY2" fmla="*/ 0 h 122465"/>
-                </a:gdLst>
-                <a:ahLst/>
-                <a:cxnLst>
-                  <a:cxn ang="0">
-                    <a:pos x="connsiteX0" y="connsiteY0"/>
-                  </a:cxn>
-                  <a:cxn ang="0">
-                    <a:pos x="connsiteX1" y="connsiteY1"/>
-                  </a:cxn>
-                  <a:cxn ang="0">
-                    <a:pos x="connsiteX2" y="connsiteY2"/>
-                  </a:cxn>
-                </a:cxnLst>
-                <a:rect l="l" t="t" r="r" b="b"/>
-                <a:pathLst>
-                  <a:path w="2628900" h="122465">
-                    <a:moveTo>
-                      <a:pt x="2628900" y="0"/>
-                    </a:moveTo>
-                    <a:cubicBezTo>
-                      <a:pt x="2628900" y="67636"/>
-                      <a:pt x="2040401" y="122465"/>
-                      <a:pt x="1314450" y="122465"/>
-                    </a:cubicBezTo>
-                    <a:cubicBezTo>
-                      <a:pt x="588499" y="122465"/>
-                      <a:pt x="0" y="67636"/>
-                      <a:pt x="0" y="0"/>
-                    </a:cubicBezTo>
-                  </a:path>
-                </a:pathLst>
-              </a:custGeom>
-              <a:noFill/>
-              <a:ln w="28575">
-                <a:solidFill>
-                  <a:schemeClr val="bg2">
-                    <a:lumMod val="50000"/>
-                  </a:schemeClr>
-                </a:solidFill>
-                <a:prstDash val="sysDash"/>
-              </a:ln>
-            </p:spPr>
-            <p:style>
-              <a:lnRef idx="2">
-                <a:schemeClr val="accent1">
-                  <a:shade val="50000"/>
-                </a:schemeClr>
-              </a:lnRef>
-              <a:fillRef idx="1">
-                <a:schemeClr val="accent1"/>
-              </a:fillRef>
-              <a:effectRef idx="0">
-                <a:schemeClr val="accent1"/>
-              </a:effectRef>
-              <a:fontRef idx="minor">
-                <a:schemeClr val="lt1"/>
-              </a:fontRef>
-            </p:style>
-            <p:txBody>
-              <a:bodyPr rtlCol="0" anchor="ctr"/>
-              <a:lstStyle/>
-              <a:p>
-                <a:pPr algn="ctr"/>
-                <a:endParaRPr lang="en-US"/>
-              </a:p>
-            </p:txBody>
-          </p:sp>
-          <p:sp>
-            <p:nvSpPr>
-              <p:cNvPr id="71" name="Oval 5">
-                <a:extLst>
-                  <a:ext uri="{FF2B5EF4-FFF2-40B4-BE49-F238E27FC236}">
-                    <a16:creationId xmlns:a16="http://schemas.microsoft.com/office/drawing/2014/main" id="{D5CC747A-3379-4DB8-9D46-E4787CCDECA4}"/>
-                  </a:ext>
-                </a:extLst>
-              </p:cNvPr>
-              <p:cNvSpPr/>
-              <p:nvPr/>
-            </p:nvSpPr>
-            <p:spPr>
-              <a:xfrm>
-                <a:off x="2351933" y="1982563"/>
-                <a:ext cx="701099" cy="2198914"/>
-              </a:xfrm>
-              <a:custGeom>
-                <a:avLst/>
-                <a:gdLst>
-                  <a:gd name="connsiteX0" fmla="*/ 0 w 344261"/>
-                  <a:gd name="connsiteY0" fmla="*/ 1032782 h 2065563"/>
-                  <a:gd name="connsiteX1" fmla="*/ 172131 w 344261"/>
-                  <a:gd name="connsiteY1" fmla="*/ 0 h 2065563"/>
-                  <a:gd name="connsiteX2" fmla="*/ 344262 w 344261"/>
-                  <a:gd name="connsiteY2" fmla="*/ 1032782 h 2065563"/>
-                  <a:gd name="connsiteX3" fmla="*/ 172131 w 344261"/>
-                  <a:gd name="connsiteY3" fmla="*/ 2065564 h 2065563"/>
-                  <a:gd name="connsiteX4" fmla="*/ 0 w 344261"/>
-                  <a:gd name="connsiteY4" fmla="*/ 1032782 h 2065563"/>
-                  <a:gd name="connsiteX0" fmla="*/ 0 w 344262"/>
-                  <a:gd name="connsiteY0" fmla="*/ 1032782 h 2065564"/>
-                  <a:gd name="connsiteX1" fmla="*/ 172131 w 344262"/>
-                  <a:gd name="connsiteY1" fmla="*/ 0 h 2065564"/>
-                  <a:gd name="connsiteX2" fmla="*/ 344262 w 344262"/>
-                  <a:gd name="connsiteY2" fmla="*/ 1032782 h 2065564"/>
-                  <a:gd name="connsiteX3" fmla="*/ 172131 w 344262"/>
-                  <a:gd name="connsiteY3" fmla="*/ 2065564 h 2065564"/>
-                  <a:gd name="connsiteX4" fmla="*/ 91440 w 344262"/>
-                  <a:gd name="connsiteY4" fmla="*/ 1124222 h 2065564"/>
-                  <a:gd name="connsiteX0" fmla="*/ 0 w 344262"/>
-                  <a:gd name="connsiteY0" fmla="*/ 1032782 h 2065564"/>
-                  <a:gd name="connsiteX1" fmla="*/ 172131 w 344262"/>
-                  <a:gd name="connsiteY1" fmla="*/ 0 h 2065564"/>
-                  <a:gd name="connsiteX2" fmla="*/ 344262 w 344262"/>
-                  <a:gd name="connsiteY2" fmla="*/ 1032782 h 2065564"/>
-                  <a:gd name="connsiteX3" fmla="*/ 172131 w 344262"/>
-                  <a:gd name="connsiteY3" fmla="*/ 2065564 h 2065564"/>
-                  <a:gd name="connsiteX0" fmla="*/ 0 w 172131"/>
-                  <a:gd name="connsiteY0" fmla="*/ 0 h 2065564"/>
-                  <a:gd name="connsiteX1" fmla="*/ 172131 w 172131"/>
-                  <a:gd name="connsiteY1" fmla="*/ 1032782 h 2065564"/>
-                  <a:gd name="connsiteX2" fmla="*/ 0 w 172131"/>
-                  <a:gd name="connsiteY2" fmla="*/ 2065564 h 2065564"/>
-                </a:gdLst>
-                <a:ahLst/>
-                <a:cxnLst>
-                  <a:cxn ang="0">
-                    <a:pos x="connsiteX0" y="connsiteY0"/>
-                  </a:cxn>
-                  <a:cxn ang="0">
-                    <a:pos x="connsiteX1" y="connsiteY1"/>
-                  </a:cxn>
-                  <a:cxn ang="0">
-                    <a:pos x="connsiteX2" y="connsiteY2"/>
-                  </a:cxn>
-                </a:cxnLst>
-                <a:rect l="l" t="t" r="r" b="b"/>
-                <a:pathLst>
-                  <a:path w="172131" h="2065564">
-                    <a:moveTo>
-                      <a:pt x="0" y="0"/>
-                    </a:moveTo>
-                    <a:cubicBezTo>
-                      <a:pt x="95065" y="0"/>
-                      <a:pt x="172131" y="462392"/>
-                      <a:pt x="172131" y="1032782"/>
-                    </a:cubicBezTo>
-                    <a:cubicBezTo>
-                      <a:pt x="172131" y="1603172"/>
-                      <a:pt x="95065" y="2065564"/>
-                      <a:pt x="0" y="2065564"/>
-                    </a:cubicBezTo>
-                  </a:path>
-                </a:pathLst>
-              </a:custGeom>
-              <a:noFill/>
-              <a:ln w="28575">
-                <a:solidFill>
-                  <a:schemeClr val="bg2">
-                    <a:lumMod val="50000"/>
-                  </a:schemeClr>
-                </a:solidFill>
-                <a:prstDash val="sysDash"/>
-              </a:ln>
-            </p:spPr>
-            <p:style>
-              <a:lnRef idx="2">
-                <a:schemeClr val="accent1">
-                  <a:shade val="50000"/>
-                </a:schemeClr>
-              </a:lnRef>
-              <a:fillRef idx="1">
-                <a:schemeClr val="accent1"/>
-              </a:fillRef>
-              <a:effectRef idx="0">
-                <a:schemeClr val="accent1"/>
-              </a:effectRef>
-              <a:fontRef idx="minor">
-                <a:schemeClr val="lt1"/>
-              </a:fontRef>
-            </p:style>
-            <p:txBody>
-              <a:bodyPr rtlCol="0" anchor="ctr"/>
-              <a:lstStyle/>
-              <a:p>
-                <a:pPr algn="ctr"/>
-                <a:endParaRPr lang="en-US"/>
-              </a:p>
-            </p:txBody>
-          </p:sp>
-          <p:sp>
-            <p:nvSpPr>
-              <p:cNvPr id="72" name="Oval 71">
-                <a:extLst>
-                  <a:ext uri="{FF2B5EF4-FFF2-40B4-BE49-F238E27FC236}">
-                    <a16:creationId xmlns:a16="http://schemas.microsoft.com/office/drawing/2014/main" id="{860F1276-3BC5-4EDD-B8DA-99427033045C}"/>
-                  </a:ext>
-                </a:extLst>
-              </p:cNvPr>
-              <p:cNvSpPr/>
-              <p:nvPr/>
-            </p:nvSpPr>
-            <p:spPr>
-              <a:xfrm>
-                <a:off x="1126589" y="1982563"/>
-                <a:ext cx="2628900" cy="2198914"/>
-              </a:xfrm>
-              <a:prstGeom prst="ellipse">
-                <a:avLst/>
-              </a:prstGeom>
-              <a:noFill/>
-              <a:ln w="28575">
-                <a:solidFill>
-                  <a:schemeClr val="tx1"/>
-                </a:solidFill>
-              </a:ln>
-            </p:spPr>
-            <p:style>
-              <a:lnRef idx="2">
-                <a:schemeClr val="accent1">
-                  <a:shade val="50000"/>
-                </a:schemeClr>
-              </a:lnRef>
-              <a:fillRef idx="1">
-                <a:schemeClr val="accent1"/>
-              </a:fillRef>
-              <a:effectRef idx="0">
-                <a:schemeClr val="accent1"/>
-              </a:effectRef>
-              <a:fontRef idx="minor">
-                <a:schemeClr val="lt1"/>
-              </a:fontRef>
-            </p:style>
-            <p:txBody>
-              <a:bodyPr rtlCol="0" anchor="ctr"/>
-              <a:lstStyle/>
-              <a:p>
-                <a:pPr algn="ctr"/>
-                <a:endParaRPr lang="en-US"/>
-              </a:p>
-            </p:txBody>
-          </p:sp>
-        </p:grpSp>
-        <p:cxnSp>
-          <p:nvCxnSpPr>
-            <p:cNvPr id="73" name="Straight Arrow Connector 72">
-              <a:extLst>
-                <a:ext uri="{FF2B5EF4-FFF2-40B4-BE49-F238E27FC236}">
-                  <a16:creationId xmlns:a16="http://schemas.microsoft.com/office/drawing/2014/main" id="{92076A66-B0CF-4CEF-A55C-9F277F46AF7D}"/>
-                </a:ext>
-              </a:extLst>
-            </p:cNvPr>
-            <p:cNvCxnSpPr>
-              <a:cxnSpLocks/>
-            </p:cNvCxnSpPr>
-            <p:nvPr/>
-          </p:nvCxnSpPr>
-          <p:spPr>
-            <a:xfrm>
-              <a:off x="5983091" y="3243814"/>
-              <a:ext cx="592574" cy="189973"/>
-            </a:xfrm>
-            <a:prstGeom prst="straightConnector1">
-              <a:avLst/>
-            </a:prstGeom>
-            <a:ln w="38100">
-              <a:solidFill>
-                <a:schemeClr val="tx1"/>
-              </a:solidFill>
-              <a:tailEnd type="triangle"/>
-            </a:ln>
-          </p:spPr>
-          <p:style>
-            <a:lnRef idx="1">
-              <a:schemeClr val="accent1"/>
-            </a:lnRef>
-            <a:fillRef idx="0">
-              <a:schemeClr val="accent1"/>
-            </a:fillRef>
-            <a:effectRef idx="0">
-              <a:schemeClr val="accent1"/>
-            </a:effectRef>
-            <a:fontRef idx="minor">
-              <a:schemeClr val="tx1"/>
-            </a:fontRef>
-          </p:style>
-        </p:cxnSp>
-        <p:cxnSp>
-          <p:nvCxnSpPr>
-            <p:cNvPr id="74" name="Straight Arrow Connector 73">
-              <a:extLst>
-                <a:ext uri="{FF2B5EF4-FFF2-40B4-BE49-F238E27FC236}">
-                  <a16:creationId xmlns:a16="http://schemas.microsoft.com/office/drawing/2014/main" id="{CB52A16F-4AFD-4091-8A53-7C6B9026B6CD}"/>
-                </a:ext>
-              </a:extLst>
-            </p:cNvPr>
-            <p:cNvCxnSpPr>
-              <a:cxnSpLocks/>
-            </p:cNvCxnSpPr>
-            <p:nvPr/>
-          </p:nvCxnSpPr>
-          <p:spPr>
-            <a:xfrm>
-              <a:off x="5983091" y="3243813"/>
-              <a:ext cx="481380" cy="153761"/>
-            </a:xfrm>
-            <a:prstGeom prst="straightConnector1">
-              <a:avLst/>
-            </a:prstGeom>
-            <a:ln w="38100">
-              <a:solidFill>
-                <a:schemeClr val="accent1"/>
-              </a:solidFill>
-              <a:tailEnd type="triangle"/>
-            </a:ln>
-          </p:spPr>
-          <p:style>
-            <a:lnRef idx="1">
-              <a:schemeClr val="accent1"/>
-            </a:lnRef>
-            <a:fillRef idx="0">
-              <a:schemeClr val="accent1"/>
-            </a:fillRef>
-            <a:effectRef idx="0">
-              <a:schemeClr val="accent1"/>
-            </a:effectRef>
-            <a:fontRef idx="minor">
-              <a:schemeClr val="tx1"/>
-            </a:fontRef>
-          </p:style>
-        </p:cxnSp>
-        <p:sp>
-          <p:nvSpPr>
-            <p:cNvPr id="76" name="Oval 75">
-              <a:extLst>
-                <a:ext uri="{FF2B5EF4-FFF2-40B4-BE49-F238E27FC236}">
-                  <a16:creationId xmlns:a16="http://schemas.microsoft.com/office/drawing/2014/main" id="{B76C2FE8-EA9D-4E95-B148-33B4A39FDFFB}"/>
-                </a:ext>
-              </a:extLst>
-            </p:cNvPr>
-            <p:cNvSpPr/>
-            <p:nvPr/>
-          </p:nvSpPr>
-          <p:spPr>
-            <a:xfrm>
-              <a:off x="5926598" y="3187321"/>
-              <a:ext cx="112986" cy="112986"/>
-            </a:xfrm>
-            <a:prstGeom prst="ellipse">
-              <a:avLst/>
-            </a:prstGeom>
-            <a:solidFill>
-              <a:schemeClr val="tx1"/>
-            </a:solidFill>
-            <a:ln>
-              <a:solidFill>
-                <a:schemeClr val="tx1"/>
-              </a:solidFill>
-            </a:ln>
-          </p:spPr>
-          <p:style>
-            <a:lnRef idx="2">
-              <a:schemeClr val="accent1">
-                <a:shade val="50000"/>
-              </a:schemeClr>
-            </a:lnRef>
-            <a:fillRef idx="1">
-              <a:schemeClr val="accent1"/>
-            </a:fillRef>
-            <a:effectRef idx="0">
-              <a:schemeClr val="accent1"/>
-            </a:effectRef>
-            <a:fontRef idx="minor">
-              <a:schemeClr val="lt1"/>
-            </a:fontRef>
-          </p:style>
-          <p:txBody>
-            <a:bodyPr rtlCol="0" anchor="ctr"/>
-            <a:lstStyle/>
-            <a:p>
-              <a:pPr algn="ctr"/>
-              <a:endParaRPr lang="en-US"/>
-            </a:p>
-          </p:txBody>
-        </p:sp>
-        <p:sp>
-          <p:nvSpPr>
-            <p:cNvPr id="77" name="Sun 76">
-              <a:extLst>
-                <a:ext uri="{FF2B5EF4-FFF2-40B4-BE49-F238E27FC236}">
-                  <a16:creationId xmlns:a16="http://schemas.microsoft.com/office/drawing/2014/main" id="{6C99AB73-0601-4748-9CF3-EDB6A5B7E468}"/>
-                </a:ext>
-              </a:extLst>
-            </p:cNvPr>
-            <p:cNvSpPr/>
-            <p:nvPr/>
-          </p:nvSpPr>
-          <p:spPr>
-            <a:xfrm>
-              <a:off x="6589754" y="3300307"/>
-              <a:ext cx="552825" cy="547943"/>
-            </a:xfrm>
-            <a:prstGeom prst="sun">
-              <a:avLst/>
-            </a:prstGeom>
-            <a:noFill/>
-            <a:ln w="28575">
-              <a:solidFill>
-                <a:schemeClr val="tx1"/>
-              </a:solidFill>
-            </a:ln>
-          </p:spPr>
-          <p:style>
-            <a:lnRef idx="2">
-              <a:schemeClr val="accent1">
-                <a:shade val="50000"/>
-              </a:schemeClr>
-            </a:lnRef>
-            <a:fillRef idx="1">
-              <a:schemeClr val="accent1"/>
-            </a:fillRef>
-            <a:effectRef idx="0">
-              <a:schemeClr val="accent1"/>
-            </a:effectRef>
-            <a:fontRef idx="minor">
-              <a:schemeClr val="lt1"/>
-            </a:fontRef>
-          </p:style>
-          <p:txBody>
-            <a:bodyPr rtlCol="0" anchor="ctr"/>
-            <a:lstStyle/>
-            <a:p>
-              <a:pPr algn="ctr"/>
-              <a:endParaRPr lang="en-US" sz="1014"/>
-            </a:p>
-          </p:txBody>
-        </p:sp>
-        <p:cxnSp>
-          <p:nvCxnSpPr>
-            <p:cNvPr id="92" name="Straight Arrow Connector 91">
-              <a:extLst>
-                <a:ext uri="{FF2B5EF4-FFF2-40B4-BE49-F238E27FC236}">
-                  <a16:creationId xmlns:a16="http://schemas.microsoft.com/office/drawing/2014/main" id="{27D493C6-C113-4DE8-8E8C-43E26E3A0A76}"/>
-                </a:ext>
-              </a:extLst>
-            </p:cNvPr>
-            <p:cNvCxnSpPr>
-              <a:cxnSpLocks/>
-            </p:cNvCxnSpPr>
-            <p:nvPr/>
-          </p:nvCxnSpPr>
-          <p:spPr>
-            <a:xfrm flipH="1" flipV="1">
-              <a:off x="4889597" y="6353734"/>
-              <a:ext cx="1093376" cy="96575"/>
-            </a:xfrm>
-            <a:prstGeom prst="straightConnector1">
-              <a:avLst/>
-            </a:prstGeom>
-            <a:ln w="38100">
-              <a:solidFill>
-                <a:schemeClr val="accent2"/>
-              </a:solidFill>
-              <a:tailEnd type="triangle"/>
-            </a:ln>
-          </p:spPr>
-          <p:style>
-            <a:lnRef idx="1">
-              <a:schemeClr val="accent1"/>
-            </a:lnRef>
-            <a:fillRef idx="0">
-              <a:schemeClr val="accent1"/>
-            </a:fillRef>
-            <a:effectRef idx="0">
-              <a:schemeClr val="accent1"/>
-            </a:effectRef>
-            <a:fontRef idx="minor">
-              <a:schemeClr val="tx1"/>
-            </a:fontRef>
-          </p:style>
-        </p:cxnSp>
-        <p:grpSp>
-          <p:nvGrpSpPr>
-            <p:cNvPr id="93" name="Group 92">
-              <a:extLst>
-                <a:ext uri="{FF2B5EF4-FFF2-40B4-BE49-F238E27FC236}">
-                  <a16:creationId xmlns:a16="http://schemas.microsoft.com/office/drawing/2014/main" id="{90E1444D-DD1C-466D-B4D9-D12C618D7AC6}"/>
-                </a:ext>
-              </a:extLst>
-            </p:cNvPr>
-            <p:cNvGrpSpPr/>
-            <p:nvPr/>
-          </p:nvGrpSpPr>
-          <p:grpSpPr>
-            <a:xfrm>
-              <a:off x="5100636" y="5187556"/>
-              <a:ext cx="1204232" cy="2198914"/>
-              <a:chOff x="1126589" y="1982563"/>
-              <a:chExt cx="2628900" cy="2198914"/>
-            </a:xfrm>
-          </p:grpSpPr>
-          <p:sp>
-            <p:nvSpPr>
-              <p:cNvPr id="94" name="Oval 4">
-                <a:extLst>
-                  <a:ext uri="{FF2B5EF4-FFF2-40B4-BE49-F238E27FC236}">
-                    <a16:creationId xmlns:a16="http://schemas.microsoft.com/office/drawing/2014/main" id="{A7CDCCAF-3276-44D5-9A2B-35C8A59D1413}"/>
-                  </a:ext>
-                </a:extLst>
-              </p:cNvPr>
-              <p:cNvSpPr/>
-              <p:nvPr/>
-            </p:nvSpPr>
-            <p:spPr>
-              <a:xfrm>
-                <a:off x="1126589" y="3169809"/>
-                <a:ext cx="2628900" cy="76200"/>
-              </a:xfrm>
-              <a:custGeom>
-                <a:avLst/>
-                <a:gdLst>
-                  <a:gd name="connsiteX0" fmla="*/ 0 w 2628900"/>
-                  <a:gd name="connsiteY0" fmla="*/ 122465 h 244929"/>
-                  <a:gd name="connsiteX1" fmla="*/ 1314450 w 2628900"/>
-                  <a:gd name="connsiteY1" fmla="*/ 0 h 244929"/>
-                  <a:gd name="connsiteX2" fmla="*/ 2628900 w 2628900"/>
-                  <a:gd name="connsiteY2" fmla="*/ 122465 h 244929"/>
-                  <a:gd name="connsiteX3" fmla="*/ 1314450 w 2628900"/>
-                  <a:gd name="connsiteY3" fmla="*/ 244930 h 244929"/>
-                  <a:gd name="connsiteX4" fmla="*/ 0 w 2628900"/>
-                  <a:gd name="connsiteY4" fmla="*/ 122465 h 244929"/>
-                  <a:gd name="connsiteX0" fmla="*/ 1314450 w 2628900"/>
-                  <a:gd name="connsiteY0" fmla="*/ 0 h 244930"/>
-                  <a:gd name="connsiteX1" fmla="*/ 2628900 w 2628900"/>
-                  <a:gd name="connsiteY1" fmla="*/ 122465 h 244930"/>
-                  <a:gd name="connsiteX2" fmla="*/ 1314450 w 2628900"/>
-                  <a:gd name="connsiteY2" fmla="*/ 244930 h 244930"/>
-                  <a:gd name="connsiteX3" fmla="*/ 0 w 2628900"/>
-                  <a:gd name="connsiteY3" fmla="*/ 122465 h 244930"/>
-                  <a:gd name="connsiteX4" fmla="*/ 1405890 w 2628900"/>
-                  <a:gd name="connsiteY4" fmla="*/ 91440 h 244930"/>
-                  <a:gd name="connsiteX0" fmla="*/ 1314450 w 2628900"/>
-                  <a:gd name="connsiteY0" fmla="*/ 0 h 244930"/>
-                  <a:gd name="connsiteX1" fmla="*/ 2628900 w 2628900"/>
-                  <a:gd name="connsiteY1" fmla="*/ 122465 h 244930"/>
-                  <a:gd name="connsiteX2" fmla="*/ 1314450 w 2628900"/>
-                  <a:gd name="connsiteY2" fmla="*/ 244930 h 244930"/>
-                  <a:gd name="connsiteX3" fmla="*/ 0 w 2628900"/>
-                  <a:gd name="connsiteY3" fmla="*/ 122465 h 244930"/>
-                  <a:gd name="connsiteX0" fmla="*/ 2628900 w 2628900"/>
-                  <a:gd name="connsiteY0" fmla="*/ 0 h 122465"/>
-                  <a:gd name="connsiteX1" fmla="*/ 1314450 w 2628900"/>
-                  <a:gd name="connsiteY1" fmla="*/ 122465 h 122465"/>
-                  <a:gd name="connsiteX2" fmla="*/ 0 w 2628900"/>
-                  <a:gd name="connsiteY2" fmla="*/ 0 h 122465"/>
-                </a:gdLst>
-                <a:ahLst/>
-                <a:cxnLst>
-                  <a:cxn ang="0">
-                    <a:pos x="connsiteX0" y="connsiteY0"/>
-                  </a:cxn>
-                  <a:cxn ang="0">
-                    <a:pos x="connsiteX1" y="connsiteY1"/>
-                  </a:cxn>
-                  <a:cxn ang="0">
-                    <a:pos x="connsiteX2" y="connsiteY2"/>
-                  </a:cxn>
-                </a:cxnLst>
-                <a:rect l="l" t="t" r="r" b="b"/>
-                <a:pathLst>
-                  <a:path w="2628900" h="122465">
-                    <a:moveTo>
-                      <a:pt x="2628900" y="0"/>
-                    </a:moveTo>
-                    <a:cubicBezTo>
-                      <a:pt x="2628900" y="67636"/>
-                      <a:pt x="2040401" y="122465"/>
-                      <a:pt x="1314450" y="122465"/>
-                    </a:cubicBezTo>
-                    <a:cubicBezTo>
-                      <a:pt x="588499" y="122465"/>
-                      <a:pt x="0" y="67636"/>
-                      <a:pt x="0" y="0"/>
-                    </a:cubicBezTo>
-                  </a:path>
-                </a:pathLst>
-              </a:custGeom>
-              <a:noFill/>
-              <a:ln w="28575">
-                <a:solidFill>
-                  <a:schemeClr val="bg2">
-                    <a:lumMod val="50000"/>
-                  </a:schemeClr>
-                </a:solidFill>
-                <a:prstDash val="sysDash"/>
-              </a:ln>
-            </p:spPr>
-            <p:style>
-              <a:lnRef idx="2">
-                <a:schemeClr val="accent1">
-                  <a:shade val="50000"/>
-                </a:schemeClr>
-              </a:lnRef>
-              <a:fillRef idx="1">
-                <a:schemeClr val="accent1"/>
-              </a:fillRef>
-              <a:effectRef idx="0">
-                <a:schemeClr val="accent1"/>
-              </a:effectRef>
-              <a:fontRef idx="minor">
-                <a:schemeClr val="lt1"/>
-              </a:fontRef>
-            </p:style>
-            <p:txBody>
-              <a:bodyPr rtlCol="0" anchor="ctr"/>
-              <a:lstStyle/>
-              <a:p>
-                <a:pPr algn="ctr"/>
-                <a:endParaRPr lang="en-US"/>
-              </a:p>
-            </p:txBody>
-          </p:sp>
-          <p:sp>
-            <p:nvSpPr>
-              <p:cNvPr id="95" name="Oval 5">
-                <a:extLst>
-                  <a:ext uri="{FF2B5EF4-FFF2-40B4-BE49-F238E27FC236}">
-                    <a16:creationId xmlns:a16="http://schemas.microsoft.com/office/drawing/2014/main" id="{CD4E80B3-4468-4FEF-A0E9-6E7F7A4B5E42}"/>
-                  </a:ext>
-                </a:extLst>
-              </p:cNvPr>
-              <p:cNvSpPr/>
-              <p:nvPr/>
-            </p:nvSpPr>
-            <p:spPr>
-              <a:xfrm>
-                <a:off x="2351933" y="1982563"/>
-                <a:ext cx="701099" cy="2198914"/>
-              </a:xfrm>
-              <a:custGeom>
-                <a:avLst/>
-                <a:gdLst>
-                  <a:gd name="connsiteX0" fmla="*/ 0 w 344261"/>
-                  <a:gd name="connsiteY0" fmla="*/ 1032782 h 2065563"/>
-                  <a:gd name="connsiteX1" fmla="*/ 172131 w 344261"/>
-                  <a:gd name="connsiteY1" fmla="*/ 0 h 2065563"/>
-                  <a:gd name="connsiteX2" fmla="*/ 344262 w 344261"/>
-                  <a:gd name="connsiteY2" fmla="*/ 1032782 h 2065563"/>
-                  <a:gd name="connsiteX3" fmla="*/ 172131 w 344261"/>
-                  <a:gd name="connsiteY3" fmla="*/ 2065564 h 2065563"/>
-                  <a:gd name="connsiteX4" fmla="*/ 0 w 344261"/>
-                  <a:gd name="connsiteY4" fmla="*/ 1032782 h 2065563"/>
-                  <a:gd name="connsiteX0" fmla="*/ 0 w 344262"/>
-                  <a:gd name="connsiteY0" fmla="*/ 1032782 h 2065564"/>
-                  <a:gd name="connsiteX1" fmla="*/ 172131 w 344262"/>
-                  <a:gd name="connsiteY1" fmla="*/ 0 h 2065564"/>
-                  <a:gd name="connsiteX2" fmla="*/ 344262 w 344262"/>
-                  <a:gd name="connsiteY2" fmla="*/ 1032782 h 2065564"/>
-                  <a:gd name="connsiteX3" fmla="*/ 172131 w 344262"/>
-                  <a:gd name="connsiteY3" fmla="*/ 2065564 h 2065564"/>
-                  <a:gd name="connsiteX4" fmla="*/ 91440 w 344262"/>
-                  <a:gd name="connsiteY4" fmla="*/ 1124222 h 2065564"/>
-                  <a:gd name="connsiteX0" fmla="*/ 0 w 344262"/>
-                  <a:gd name="connsiteY0" fmla="*/ 1032782 h 2065564"/>
-                  <a:gd name="connsiteX1" fmla="*/ 172131 w 344262"/>
-                  <a:gd name="connsiteY1" fmla="*/ 0 h 2065564"/>
-                  <a:gd name="connsiteX2" fmla="*/ 344262 w 344262"/>
-                  <a:gd name="connsiteY2" fmla="*/ 1032782 h 2065564"/>
-                  <a:gd name="connsiteX3" fmla="*/ 172131 w 344262"/>
-                  <a:gd name="connsiteY3" fmla="*/ 2065564 h 2065564"/>
-                  <a:gd name="connsiteX0" fmla="*/ 0 w 172131"/>
-                  <a:gd name="connsiteY0" fmla="*/ 0 h 2065564"/>
-                  <a:gd name="connsiteX1" fmla="*/ 172131 w 172131"/>
-                  <a:gd name="connsiteY1" fmla="*/ 1032782 h 2065564"/>
-                  <a:gd name="connsiteX2" fmla="*/ 0 w 172131"/>
-                  <a:gd name="connsiteY2" fmla="*/ 2065564 h 2065564"/>
-                </a:gdLst>
-                <a:ahLst/>
-                <a:cxnLst>
-                  <a:cxn ang="0">
-                    <a:pos x="connsiteX0" y="connsiteY0"/>
-                  </a:cxn>
-                  <a:cxn ang="0">
-                    <a:pos x="connsiteX1" y="connsiteY1"/>
-                  </a:cxn>
-                  <a:cxn ang="0">
-                    <a:pos x="connsiteX2" y="connsiteY2"/>
-                  </a:cxn>
-                </a:cxnLst>
-                <a:rect l="l" t="t" r="r" b="b"/>
-                <a:pathLst>
-                  <a:path w="172131" h="2065564">
-                    <a:moveTo>
-                      <a:pt x="0" y="0"/>
-                    </a:moveTo>
-                    <a:cubicBezTo>
-                      <a:pt x="95065" y="0"/>
-                      <a:pt x="172131" y="462392"/>
-                      <a:pt x="172131" y="1032782"/>
-                    </a:cubicBezTo>
-                    <a:cubicBezTo>
-                      <a:pt x="172131" y="1603172"/>
-                      <a:pt x="95065" y="2065564"/>
-                      <a:pt x="0" y="2065564"/>
-                    </a:cubicBezTo>
-                  </a:path>
-                </a:pathLst>
-              </a:custGeom>
-              <a:noFill/>
-              <a:ln w="28575">
-                <a:solidFill>
-                  <a:schemeClr val="bg2">
-                    <a:lumMod val="50000"/>
-                  </a:schemeClr>
-                </a:solidFill>
-                <a:prstDash val="sysDash"/>
-              </a:ln>
-            </p:spPr>
-            <p:style>
-              <a:lnRef idx="2">
-                <a:schemeClr val="accent1">
-                  <a:shade val="50000"/>
-                </a:schemeClr>
-              </a:lnRef>
-              <a:fillRef idx="1">
-                <a:schemeClr val="accent1"/>
-              </a:fillRef>
-              <a:effectRef idx="0">
-                <a:schemeClr val="accent1"/>
-              </a:effectRef>
-              <a:fontRef idx="minor">
-                <a:schemeClr val="lt1"/>
-              </a:fontRef>
-            </p:style>
-            <p:txBody>
-              <a:bodyPr rtlCol="0" anchor="ctr"/>
-              <a:lstStyle/>
-              <a:p>
-                <a:pPr algn="ctr"/>
-                <a:endParaRPr lang="en-US"/>
-              </a:p>
-            </p:txBody>
-          </p:sp>
-          <p:sp>
-            <p:nvSpPr>
-              <p:cNvPr id="96" name="Oval 95">
-                <a:extLst>
-                  <a:ext uri="{FF2B5EF4-FFF2-40B4-BE49-F238E27FC236}">
-                    <a16:creationId xmlns:a16="http://schemas.microsoft.com/office/drawing/2014/main" id="{94B8EDC7-5479-4B45-9D3C-8BCE37217C4C}"/>
-                  </a:ext>
-                </a:extLst>
-              </p:cNvPr>
-              <p:cNvSpPr/>
-              <p:nvPr/>
-            </p:nvSpPr>
-            <p:spPr>
-              <a:xfrm>
-                <a:off x="1126589" y="1982563"/>
-                <a:ext cx="2628900" cy="2198914"/>
-              </a:xfrm>
-              <a:prstGeom prst="ellipse">
-                <a:avLst/>
-              </a:prstGeom>
-              <a:noFill/>
-              <a:ln w="28575">
-                <a:solidFill>
-                  <a:schemeClr val="tx1"/>
-                </a:solidFill>
-              </a:ln>
-            </p:spPr>
-            <p:style>
-              <a:lnRef idx="2">
-                <a:schemeClr val="accent1">
-                  <a:shade val="50000"/>
-                </a:schemeClr>
-              </a:lnRef>
-              <a:fillRef idx="1">
-                <a:schemeClr val="accent1"/>
-              </a:fillRef>
-              <a:effectRef idx="0">
-                <a:schemeClr val="accent1"/>
-              </a:effectRef>
-              <a:fontRef idx="minor">
-                <a:schemeClr val="lt1"/>
-              </a:fontRef>
-            </p:style>
-            <p:txBody>
-              <a:bodyPr rtlCol="0" anchor="ctr"/>
-              <a:lstStyle/>
-              <a:p>
-                <a:pPr algn="ctr"/>
-                <a:endParaRPr lang="en-US"/>
-              </a:p>
-            </p:txBody>
-          </p:sp>
-        </p:grpSp>
-        <p:cxnSp>
-          <p:nvCxnSpPr>
-            <p:cNvPr id="97" name="Straight Arrow Connector 96">
-              <a:extLst>
-                <a:ext uri="{FF2B5EF4-FFF2-40B4-BE49-F238E27FC236}">
-                  <a16:creationId xmlns:a16="http://schemas.microsoft.com/office/drawing/2014/main" id="{DC80562E-E47C-4CB9-BC4A-F9527A31B930}"/>
-                </a:ext>
-              </a:extLst>
-            </p:cNvPr>
-            <p:cNvCxnSpPr>
-              <a:cxnSpLocks/>
-            </p:cNvCxnSpPr>
-            <p:nvPr/>
-          </p:nvCxnSpPr>
-          <p:spPr>
-            <a:xfrm>
-              <a:off x="5983091" y="6451002"/>
-              <a:ext cx="592574" cy="189973"/>
-            </a:xfrm>
-            <a:prstGeom prst="straightConnector1">
-              <a:avLst/>
-            </a:prstGeom>
-            <a:ln w="38100">
-              <a:solidFill>
-                <a:schemeClr val="tx1"/>
-              </a:solidFill>
-              <a:tailEnd type="triangle"/>
-            </a:ln>
-          </p:spPr>
-          <p:style>
-            <a:lnRef idx="1">
-              <a:schemeClr val="accent1"/>
-            </a:lnRef>
-            <a:fillRef idx="0">
-              <a:schemeClr val="accent1"/>
-            </a:fillRef>
-            <a:effectRef idx="0">
-              <a:schemeClr val="accent1"/>
-            </a:effectRef>
-            <a:fontRef idx="minor">
-              <a:schemeClr val="tx1"/>
-            </a:fontRef>
-          </p:style>
-        </p:cxnSp>
-        <p:sp>
-          <p:nvSpPr>
-            <p:cNvPr id="99" name="Oval 98">
-              <a:extLst>
-                <a:ext uri="{FF2B5EF4-FFF2-40B4-BE49-F238E27FC236}">
-                  <a16:creationId xmlns:a16="http://schemas.microsoft.com/office/drawing/2014/main" id="{CC666492-C7CB-4450-AEB1-955FAB4E4F6B}"/>
-                </a:ext>
-              </a:extLst>
-            </p:cNvPr>
-            <p:cNvSpPr/>
-            <p:nvPr/>
-          </p:nvSpPr>
-          <p:spPr>
-            <a:xfrm>
-              <a:off x="5926598" y="6394509"/>
-              <a:ext cx="112986" cy="112986"/>
-            </a:xfrm>
-            <a:prstGeom prst="ellipse">
-              <a:avLst/>
-            </a:prstGeom>
-            <a:solidFill>
-              <a:schemeClr val="tx1"/>
-            </a:solidFill>
-            <a:ln>
-              <a:solidFill>
-                <a:schemeClr val="tx1"/>
-              </a:solidFill>
-            </a:ln>
-          </p:spPr>
-          <p:style>
-            <a:lnRef idx="2">
-              <a:schemeClr val="accent1">
-                <a:shade val="50000"/>
-              </a:schemeClr>
-            </a:lnRef>
-            <a:fillRef idx="1">
-              <a:schemeClr val="accent1"/>
-            </a:fillRef>
-            <a:effectRef idx="0">
-              <a:schemeClr val="accent1"/>
-            </a:effectRef>
-            <a:fontRef idx="minor">
-              <a:schemeClr val="lt1"/>
-            </a:fontRef>
-          </p:style>
-          <p:txBody>
-            <a:bodyPr rtlCol="0" anchor="ctr"/>
-            <a:lstStyle/>
-            <a:p>
-              <a:pPr algn="ctr"/>
-              <a:endParaRPr lang="en-US"/>
-            </a:p>
-          </p:txBody>
-        </p:sp>
-        <p:sp>
-          <p:nvSpPr>
-            <p:cNvPr id="100" name="Sun 99">
-              <a:extLst>
-                <a:ext uri="{FF2B5EF4-FFF2-40B4-BE49-F238E27FC236}">
-                  <a16:creationId xmlns:a16="http://schemas.microsoft.com/office/drawing/2014/main" id="{6F73DC5E-B23C-4FCB-BDF6-CA29BEE35CA8}"/>
-                </a:ext>
-              </a:extLst>
-            </p:cNvPr>
-            <p:cNvSpPr/>
-            <p:nvPr/>
-          </p:nvSpPr>
-          <p:spPr>
-            <a:xfrm>
-              <a:off x="6589753" y="6506801"/>
-              <a:ext cx="552825" cy="547943"/>
-            </a:xfrm>
-            <a:prstGeom prst="sun">
-              <a:avLst/>
-            </a:prstGeom>
-            <a:noFill/>
-            <a:ln w="28575">
-              <a:solidFill>
-                <a:schemeClr val="tx1"/>
-              </a:solidFill>
-            </a:ln>
-          </p:spPr>
-          <p:style>
-            <a:lnRef idx="2">
-              <a:schemeClr val="accent1">
-                <a:shade val="50000"/>
-              </a:schemeClr>
-            </a:lnRef>
-            <a:fillRef idx="1">
-              <a:schemeClr val="accent1"/>
-            </a:fillRef>
-            <a:effectRef idx="0">
-              <a:schemeClr val="accent1"/>
-            </a:effectRef>
-            <a:fontRef idx="minor">
-              <a:schemeClr val="lt1"/>
-            </a:fontRef>
-          </p:style>
-          <p:txBody>
-            <a:bodyPr rtlCol="0" anchor="ctr"/>
-            <a:lstStyle/>
-            <a:p>
-              <a:pPr algn="ctr"/>
-              <a:endParaRPr lang="en-US" sz="1014"/>
-            </a:p>
-          </p:txBody>
-        </p:sp>
-        <mc:AlternateContent xmlns:mc="http://schemas.openxmlformats.org/markup-compatibility/2006">
-          <mc:Choice xmlns:a14="http://schemas.microsoft.com/office/drawing/2010/main" Requires="a14">
+        <mc:AlternateContent xmlns:mc="http://schemas.openxmlformats.org/markup-compatibility/2006" xmlns:a14="http://schemas.microsoft.com/office/drawing/2010/main">
+          <mc:Choice Requires="a14">
             <p:sp>
               <p:nvSpPr>
                 <p:cNvPr id="103" name="TextBox 102">
@@ -5326,7 +3672,7 @@
                         <m:accPr>
                           <m:chr m:val="̂"/>
                           <m:ctrlPr>
-                            <a:rPr lang="en-US" b="1" smtClean="0">
+                            <a:rPr lang="en-US" b="1" i="1" smtClean="0">
                               <a:solidFill>
                                 <a:schemeClr val="accent2"/>
                               </a:solidFill>
@@ -5403,7 +3749,7 @@
               </p:txBody>
             </p:sp>
           </mc:Choice>
-          <mc:Fallback>
+          <mc:Fallback xmlns="">
             <p:sp>
               <p:nvSpPr>
                 <p:cNvPr id="103" name="TextBox 102">
@@ -5489,148 +3835,1622 @@
                   <a:latin typeface="Times New Roman" panose="02020603050405020304" pitchFamily="18" charset="0"/>
                   <a:cs typeface="Times New Roman" panose="02020603050405020304" pitchFamily="18" charset="0"/>
                 </a:rPr>
-                <a:t>Class 1</a:t>
+                <a:t>Class 1: Top-like </a:t>
               </a:r>
             </a:p>
           </p:txBody>
         </p:sp>
-        <mc:AlternateContent xmlns:mc="http://schemas.openxmlformats.org/markup-compatibility/2006">
-          <mc:Choice xmlns:a14="http://schemas.microsoft.com/office/drawing/2010/main" Requires="a14">
+        <p:grpSp>
+          <p:nvGrpSpPr>
+            <p:cNvPr id="11" name="Group 10">
+              <a:extLst>
+                <a:ext uri="{FF2B5EF4-FFF2-40B4-BE49-F238E27FC236}">
+                  <a16:creationId xmlns:a16="http://schemas.microsoft.com/office/drawing/2014/main" id="{7FA67115-6BD3-4535-B42E-163F7C785CE1}"/>
+                </a:ext>
+              </a:extLst>
+            </p:cNvPr>
+            <p:cNvGrpSpPr/>
+            <p:nvPr/>
+          </p:nvGrpSpPr>
+          <p:grpSpPr>
+            <a:xfrm>
+              <a:off x="1503237" y="4246596"/>
+              <a:ext cx="2384841" cy="2979739"/>
+              <a:chOff x="4757738" y="1199543"/>
+              <a:chExt cx="2384841" cy="2979739"/>
+            </a:xfrm>
+          </p:grpSpPr>
+          <p:cxnSp>
+            <p:nvCxnSpPr>
+              <p:cNvPr id="75" name="Straight Arrow Connector 74">
+                <a:extLst>
+                  <a:ext uri="{FF2B5EF4-FFF2-40B4-BE49-F238E27FC236}">
+                    <a16:creationId xmlns:a16="http://schemas.microsoft.com/office/drawing/2014/main" id="{815420AA-B7AF-48CA-BBB2-BD6EE276660D}"/>
+                  </a:ext>
+                </a:extLst>
+              </p:cNvPr>
+              <p:cNvCxnSpPr>
+                <a:cxnSpLocks/>
+              </p:cNvCxnSpPr>
+              <p:nvPr/>
+            </p:nvCxnSpPr>
+            <p:spPr>
+              <a:xfrm flipH="1" flipV="1">
+                <a:off x="4889597" y="3146546"/>
+                <a:ext cx="1093376" cy="96575"/>
+              </a:xfrm>
+              <a:prstGeom prst="straightConnector1">
+                <a:avLst/>
+              </a:prstGeom>
+              <a:ln w="38100">
+                <a:solidFill>
+                  <a:schemeClr val="accent2"/>
+                </a:solidFill>
+                <a:tailEnd type="triangle"/>
+              </a:ln>
+            </p:spPr>
+            <p:style>
+              <a:lnRef idx="1">
+                <a:schemeClr val="accent1"/>
+              </a:lnRef>
+              <a:fillRef idx="0">
+                <a:schemeClr val="accent1"/>
+              </a:fillRef>
+              <a:effectRef idx="0">
+                <a:schemeClr val="accent1"/>
+              </a:effectRef>
+              <a:fontRef idx="minor">
+                <a:schemeClr val="tx1"/>
+              </a:fontRef>
+            </p:style>
+          </p:cxnSp>
+          <p:grpSp>
+            <p:nvGrpSpPr>
+              <p:cNvPr id="69" name="Group 68">
+                <a:extLst>
+                  <a:ext uri="{FF2B5EF4-FFF2-40B4-BE49-F238E27FC236}">
+                    <a16:creationId xmlns:a16="http://schemas.microsoft.com/office/drawing/2014/main" id="{526275E7-22DD-4EB1-A867-EBCD45762CB5}"/>
+                  </a:ext>
+                </a:extLst>
+              </p:cNvPr>
+              <p:cNvGrpSpPr/>
+              <p:nvPr/>
+            </p:nvGrpSpPr>
+            <p:grpSpPr>
+              <a:xfrm>
+                <a:off x="5100636" y="1980368"/>
+                <a:ext cx="1204232" cy="2198914"/>
+                <a:chOff x="1126589" y="1982563"/>
+                <a:chExt cx="2628900" cy="2198914"/>
+              </a:xfrm>
+            </p:grpSpPr>
             <p:sp>
               <p:nvSpPr>
-                <p:cNvPr id="111" name="TextBox 110">
+                <p:cNvPr id="70" name="Oval 4">
                   <a:extLst>
                     <a:ext uri="{FF2B5EF4-FFF2-40B4-BE49-F238E27FC236}">
-                      <a16:creationId xmlns:a16="http://schemas.microsoft.com/office/drawing/2014/main" id="{6F14B73A-1024-4CCF-A935-C23DFDBCBF52}"/>
+                      <a16:creationId xmlns:a16="http://schemas.microsoft.com/office/drawing/2014/main" id="{5E3016BA-9372-4709-9A34-84C59732F859}"/>
                     </a:ext>
                   </a:extLst>
                 </p:cNvPr>
-                <p:cNvSpPr txBox="1"/>
+                <p:cNvSpPr/>
                 <p:nvPr/>
               </p:nvSpPr>
               <p:spPr>
                 <a:xfrm>
-                  <a:off x="4757739" y="1527571"/>
-                  <a:ext cx="2156701" cy="378693"/>
+                  <a:off x="1126589" y="3169809"/>
+                  <a:ext cx="2628900" cy="76200"/>
                 </a:xfrm>
-                <a:prstGeom prst="rect">
+                <a:custGeom>
+                  <a:avLst/>
+                  <a:gdLst>
+                    <a:gd name="connsiteX0" fmla="*/ 0 w 2628900"/>
+                    <a:gd name="connsiteY0" fmla="*/ 122465 h 244929"/>
+                    <a:gd name="connsiteX1" fmla="*/ 1314450 w 2628900"/>
+                    <a:gd name="connsiteY1" fmla="*/ 0 h 244929"/>
+                    <a:gd name="connsiteX2" fmla="*/ 2628900 w 2628900"/>
+                    <a:gd name="connsiteY2" fmla="*/ 122465 h 244929"/>
+                    <a:gd name="connsiteX3" fmla="*/ 1314450 w 2628900"/>
+                    <a:gd name="connsiteY3" fmla="*/ 244930 h 244929"/>
+                    <a:gd name="connsiteX4" fmla="*/ 0 w 2628900"/>
+                    <a:gd name="connsiteY4" fmla="*/ 122465 h 244929"/>
+                    <a:gd name="connsiteX0" fmla="*/ 1314450 w 2628900"/>
+                    <a:gd name="connsiteY0" fmla="*/ 0 h 244930"/>
+                    <a:gd name="connsiteX1" fmla="*/ 2628900 w 2628900"/>
+                    <a:gd name="connsiteY1" fmla="*/ 122465 h 244930"/>
+                    <a:gd name="connsiteX2" fmla="*/ 1314450 w 2628900"/>
+                    <a:gd name="connsiteY2" fmla="*/ 244930 h 244930"/>
+                    <a:gd name="connsiteX3" fmla="*/ 0 w 2628900"/>
+                    <a:gd name="connsiteY3" fmla="*/ 122465 h 244930"/>
+                    <a:gd name="connsiteX4" fmla="*/ 1405890 w 2628900"/>
+                    <a:gd name="connsiteY4" fmla="*/ 91440 h 244930"/>
+                    <a:gd name="connsiteX0" fmla="*/ 1314450 w 2628900"/>
+                    <a:gd name="connsiteY0" fmla="*/ 0 h 244930"/>
+                    <a:gd name="connsiteX1" fmla="*/ 2628900 w 2628900"/>
+                    <a:gd name="connsiteY1" fmla="*/ 122465 h 244930"/>
+                    <a:gd name="connsiteX2" fmla="*/ 1314450 w 2628900"/>
+                    <a:gd name="connsiteY2" fmla="*/ 244930 h 244930"/>
+                    <a:gd name="connsiteX3" fmla="*/ 0 w 2628900"/>
+                    <a:gd name="connsiteY3" fmla="*/ 122465 h 244930"/>
+                    <a:gd name="connsiteX0" fmla="*/ 2628900 w 2628900"/>
+                    <a:gd name="connsiteY0" fmla="*/ 0 h 122465"/>
+                    <a:gd name="connsiteX1" fmla="*/ 1314450 w 2628900"/>
+                    <a:gd name="connsiteY1" fmla="*/ 122465 h 122465"/>
+                    <a:gd name="connsiteX2" fmla="*/ 0 w 2628900"/>
+                    <a:gd name="connsiteY2" fmla="*/ 0 h 122465"/>
+                  </a:gdLst>
+                  <a:ahLst/>
+                  <a:cxnLst>
+                    <a:cxn ang="0">
+                      <a:pos x="connsiteX0" y="connsiteY0"/>
+                    </a:cxn>
+                    <a:cxn ang="0">
+                      <a:pos x="connsiteX1" y="connsiteY1"/>
+                    </a:cxn>
+                    <a:cxn ang="0">
+                      <a:pos x="connsiteX2" y="connsiteY2"/>
+                    </a:cxn>
+                  </a:cxnLst>
+                  <a:rect l="l" t="t" r="r" b="b"/>
+                  <a:pathLst>
+                    <a:path w="2628900" h="122465">
+                      <a:moveTo>
+                        <a:pt x="2628900" y="0"/>
+                      </a:moveTo>
+                      <a:cubicBezTo>
+                        <a:pt x="2628900" y="67636"/>
+                        <a:pt x="2040401" y="122465"/>
+                        <a:pt x="1314450" y="122465"/>
+                      </a:cubicBezTo>
+                      <a:cubicBezTo>
+                        <a:pt x="588499" y="122465"/>
+                        <a:pt x="0" y="67636"/>
+                        <a:pt x="0" y="0"/>
+                      </a:cubicBezTo>
+                    </a:path>
+                  </a:pathLst>
+                </a:custGeom>
+                <a:noFill/>
+                <a:ln w="28575">
+                  <a:solidFill>
+                    <a:schemeClr val="bg2">
+                      <a:lumMod val="50000"/>
+                    </a:schemeClr>
+                  </a:solidFill>
+                  <a:prstDash val="sysDash"/>
+                </a:ln>
+              </p:spPr>
+              <p:style>
+                <a:lnRef idx="2">
+                  <a:schemeClr val="accent1">
+                    <a:shade val="50000"/>
+                  </a:schemeClr>
+                </a:lnRef>
+                <a:fillRef idx="1">
+                  <a:schemeClr val="accent1"/>
+                </a:fillRef>
+                <a:effectRef idx="0">
+                  <a:schemeClr val="accent1"/>
+                </a:effectRef>
+                <a:fontRef idx="minor">
+                  <a:schemeClr val="lt1"/>
+                </a:fontRef>
+              </p:style>
+              <p:txBody>
+                <a:bodyPr rtlCol="0" anchor="ctr"/>
+                <a:lstStyle/>
+                <a:p>
+                  <a:pPr algn="ctr"/>
+                  <a:endParaRPr lang="en-US"/>
+                </a:p>
+              </p:txBody>
+            </p:sp>
+            <p:sp>
+              <p:nvSpPr>
+                <p:cNvPr id="71" name="Oval 5">
+                  <a:extLst>
+                    <a:ext uri="{FF2B5EF4-FFF2-40B4-BE49-F238E27FC236}">
+                      <a16:creationId xmlns:a16="http://schemas.microsoft.com/office/drawing/2014/main" id="{D5CC747A-3379-4DB8-9D46-E4787CCDECA4}"/>
+                    </a:ext>
+                  </a:extLst>
+                </p:cNvPr>
+                <p:cNvSpPr/>
+                <p:nvPr/>
+              </p:nvSpPr>
+              <p:spPr>
+                <a:xfrm>
+                  <a:off x="2351933" y="1982563"/>
+                  <a:ext cx="701099" cy="2198914"/>
+                </a:xfrm>
+                <a:custGeom>
+                  <a:avLst/>
+                  <a:gdLst>
+                    <a:gd name="connsiteX0" fmla="*/ 0 w 344261"/>
+                    <a:gd name="connsiteY0" fmla="*/ 1032782 h 2065563"/>
+                    <a:gd name="connsiteX1" fmla="*/ 172131 w 344261"/>
+                    <a:gd name="connsiteY1" fmla="*/ 0 h 2065563"/>
+                    <a:gd name="connsiteX2" fmla="*/ 344262 w 344261"/>
+                    <a:gd name="connsiteY2" fmla="*/ 1032782 h 2065563"/>
+                    <a:gd name="connsiteX3" fmla="*/ 172131 w 344261"/>
+                    <a:gd name="connsiteY3" fmla="*/ 2065564 h 2065563"/>
+                    <a:gd name="connsiteX4" fmla="*/ 0 w 344261"/>
+                    <a:gd name="connsiteY4" fmla="*/ 1032782 h 2065563"/>
+                    <a:gd name="connsiteX0" fmla="*/ 0 w 344262"/>
+                    <a:gd name="connsiteY0" fmla="*/ 1032782 h 2065564"/>
+                    <a:gd name="connsiteX1" fmla="*/ 172131 w 344262"/>
+                    <a:gd name="connsiteY1" fmla="*/ 0 h 2065564"/>
+                    <a:gd name="connsiteX2" fmla="*/ 344262 w 344262"/>
+                    <a:gd name="connsiteY2" fmla="*/ 1032782 h 2065564"/>
+                    <a:gd name="connsiteX3" fmla="*/ 172131 w 344262"/>
+                    <a:gd name="connsiteY3" fmla="*/ 2065564 h 2065564"/>
+                    <a:gd name="connsiteX4" fmla="*/ 91440 w 344262"/>
+                    <a:gd name="connsiteY4" fmla="*/ 1124222 h 2065564"/>
+                    <a:gd name="connsiteX0" fmla="*/ 0 w 344262"/>
+                    <a:gd name="connsiteY0" fmla="*/ 1032782 h 2065564"/>
+                    <a:gd name="connsiteX1" fmla="*/ 172131 w 344262"/>
+                    <a:gd name="connsiteY1" fmla="*/ 0 h 2065564"/>
+                    <a:gd name="connsiteX2" fmla="*/ 344262 w 344262"/>
+                    <a:gd name="connsiteY2" fmla="*/ 1032782 h 2065564"/>
+                    <a:gd name="connsiteX3" fmla="*/ 172131 w 344262"/>
+                    <a:gd name="connsiteY3" fmla="*/ 2065564 h 2065564"/>
+                    <a:gd name="connsiteX0" fmla="*/ 0 w 172131"/>
+                    <a:gd name="connsiteY0" fmla="*/ 0 h 2065564"/>
+                    <a:gd name="connsiteX1" fmla="*/ 172131 w 172131"/>
+                    <a:gd name="connsiteY1" fmla="*/ 1032782 h 2065564"/>
+                    <a:gd name="connsiteX2" fmla="*/ 0 w 172131"/>
+                    <a:gd name="connsiteY2" fmla="*/ 2065564 h 2065564"/>
+                  </a:gdLst>
+                  <a:ahLst/>
+                  <a:cxnLst>
+                    <a:cxn ang="0">
+                      <a:pos x="connsiteX0" y="connsiteY0"/>
+                    </a:cxn>
+                    <a:cxn ang="0">
+                      <a:pos x="connsiteX1" y="connsiteY1"/>
+                    </a:cxn>
+                    <a:cxn ang="0">
+                      <a:pos x="connsiteX2" y="connsiteY2"/>
+                    </a:cxn>
+                  </a:cxnLst>
+                  <a:rect l="l" t="t" r="r" b="b"/>
+                  <a:pathLst>
+                    <a:path w="172131" h="2065564">
+                      <a:moveTo>
+                        <a:pt x="0" y="0"/>
+                      </a:moveTo>
+                      <a:cubicBezTo>
+                        <a:pt x="95065" y="0"/>
+                        <a:pt x="172131" y="462392"/>
+                        <a:pt x="172131" y="1032782"/>
+                      </a:cubicBezTo>
+                      <a:cubicBezTo>
+                        <a:pt x="172131" y="1603172"/>
+                        <a:pt x="95065" y="2065564"/>
+                        <a:pt x="0" y="2065564"/>
+                      </a:cubicBezTo>
+                    </a:path>
+                  </a:pathLst>
+                </a:custGeom>
+                <a:noFill/>
+                <a:ln w="28575">
+                  <a:solidFill>
+                    <a:schemeClr val="bg2">
+                      <a:lumMod val="50000"/>
+                    </a:schemeClr>
+                  </a:solidFill>
+                  <a:prstDash val="sysDash"/>
+                </a:ln>
+              </p:spPr>
+              <p:style>
+                <a:lnRef idx="2">
+                  <a:schemeClr val="accent1">
+                    <a:shade val="50000"/>
+                  </a:schemeClr>
+                </a:lnRef>
+                <a:fillRef idx="1">
+                  <a:schemeClr val="accent1"/>
+                </a:fillRef>
+                <a:effectRef idx="0">
+                  <a:schemeClr val="accent1"/>
+                </a:effectRef>
+                <a:fontRef idx="minor">
+                  <a:schemeClr val="lt1"/>
+                </a:fontRef>
+              </p:style>
+              <p:txBody>
+                <a:bodyPr rtlCol="0" anchor="ctr"/>
+                <a:lstStyle/>
+                <a:p>
+                  <a:pPr algn="ctr"/>
+                  <a:endParaRPr lang="en-US"/>
+                </a:p>
+              </p:txBody>
+            </p:sp>
+            <p:sp>
+              <p:nvSpPr>
+                <p:cNvPr id="72" name="Oval 71">
+                  <a:extLst>
+                    <a:ext uri="{FF2B5EF4-FFF2-40B4-BE49-F238E27FC236}">
+                      <a16:creationId xmlns:a16="http://schemas.microsoft.com/office/drawing/2014/main" id="{860F1276-3BC5-4EDD-B8DA-99427033045C}"/>
+                    </a:ext>
+                  </a:extLst>
+                </p:cNvPr>
+                <p:cNvSpPr/>
+                <p:nvPr/>
+              </p:nvSpPr>
+              <p:spPr>
+                <a:xfrm>
+                  <a:off x="1126589" y="1982563"/>
+                  <a:ext cx="2628900" cy="2198914"/>
+                </a:xfrm>
+                <a:prstGeom prst="ellipse">
                   <a:avLst/>
                 </a:prstGeom>
                 <a:noFill/>
-                <a:ln w="19050">
+                <a:ln w="28575">
                   <a:solidFill>
                     <a:schemeClr val="tx1"/>
                   </a:solidFill>
                 </a:ln>
               </p:spPr>
+              <p:style>
+                <a:lnRef idx="2">
+                  <a:schemeClr val="accent1">
+                    <a:shade val="50000"/>
+                  </a:schemeClr>
+                </a:lnRef>
+                <a:fillRef idx="1">
+                  <a:schemeClr val="accent1"/>
+                </a:fillRef>
+                <a:effectRef idx="0">
+                  <a:schemeClr val="accent1"/>
+                </a:effectRef>
+                <a:fontRef idx="minor">
+                  <a:schemeClr val="lt1"/>
+                </a:fontRef>
+              </p:style>
               <p:txBody>
-                <a:bodyPr wrap="square" rtlCol="0">
-                  <a:spAutoFit/>
-                </a:bodyPr>
+                <a:bodyPr rtlCol="0" anchor="ctr"/>
                 <a:lstStyle/>
                 <a:p>
-                  <a14:m>
-                    <m:oMath xmlns:m="http://schemas.openxmlformats.org/officeDocument/2006/math">
-                      <m:acc>
-                        <m:accPr>
-                          <m:chr m:val="̂"/>
-                          <m:ctrlPr>
-                            <a:rPr lang="en-US" b="1" i="1" smtClean="0">
+                  <a:pPr algn="ctr"/>
+                  <a:endParaRPr lang="en-US"/>
+                </a:p>
+              </p:txBody>
+            </p:sp>
+          </p:grpSp>
+          <p:cxnSp>
+            <p:nvCxnSpPr>
+              <p:cNvPr id="73" name="Straight Arrow Connector 72">
+                <a:extLst>
+                  <a:ext uri="{FF2B5EF4-FFF2-40B4-BE49-F238E27FC236}">
+                    <a16:creationId xmlns:a16="http://schemas.microsoft.com/office/drawing/2014/main" id="{92076A66-B0CF-4CEF-A55C-9F277F46AF7D}"/>
+                  </a:ext>
+                </a:extLst>
+              </p:cNvPr>
+              <p:cNvCxnSpPr>
+                <a:cxnSpLocks/>
+              </p:cNvCxnSpPr>
+              <p:nvPr/>
+            </p:nvCxnSpPr>
+            <p:spPr>
+              <a:xfrm>
+                <a:off x="5983091" y="3243814"/>
+                <a:ext cx="592574" cy="189973"/>
+              </a:xfrm>
+              <a:prstGeom prst="straightConnector1">
+                <a:avLst/>
+              </a:prstGeom>
+              <a:ln w="38100">
+                <a:solidFill>
+                  <a:schemeClr val="tx1"/>
+                </a:solidFill>
+                <a:tailEnd type="triangle"/>
+              </a:ln>
+            </p:spPr>
+            <p:style>
+              <a:lnRef idx="1">
+                <a:schemeClr val="accent1"/>
+              </a:lnRef>
+              <a:fillRef idx="0">
+                <a:schemeClr val="accent1"/>
+              </a:fillRef>
+              <a:effectRef idx="0">
+                <a:schemeClr val="accent1"/>
+              </a:effectRef>
+              <a:fontRef idx="minor">
+                <a:schemeClr val="tx1"/>
+              </a:fontRef>
+            </p:style>
+          </p:cxnSp>
+          <p:cxnSp>
+            <p:nvCxnSpPr>
+              <p:cNvPr id="74" name="Straight Arrow Connector 73">
+                <a:extLst>
+                  <a:ext uri="{FF2B5EF4-FFF2-40B4-BE49-F238E27FC236}">
+                    <a16:creationId xmlns:a16="http://schemas.microsoft.com/office/drawing/2014/main" id="{CB52A16F-4AFD-4091-8A53-7C6B9026B6CD}"/>
+                  </a:ext>
+                </a:extLst>
+              </p:cNvPr>
+              <p:cNvCxnSpPr>
+                <a:cxnSpLocks/>
+              </p:cNvCxnSpPr>
+              <p:nvPr/>
+            </p:nvCxnSpPr>
+            <p:spPr>
+              <a:xfrm>
+                <a:off x="5983091" y="3243813"/>
+                <a:ext cx="481380" cy="153761"/>
+              </a:xfrm>
+              <a:prstGeom prst="straightConnector1">
+                <a:avLst/>
+              </a:prstGeom>
+              <a:ln w="38100">
+                <a:solidFill>
+                  <a:schemeClr val="accent1"/>
+                </a:solidFill>
+                <a:tailEnd type="triangle"/>
+              </a:ln>
+            </p:spPr>
+            <p:style>
+              <a:lnRef idx="1">
+                <a:schemeClr val="accent1"/>
+              </a:lnRef>
+              <a:fillRef idx="0">
+                <a:schemeClr val="accent1"/>
+              </a:fillRef>
+              <a:effectRef idx="0">
+                <a:schemeClr val="accent1"/>
+              </a:effectRef>
+              <a:fontRef idx="minor">
+                <a:schemeClr val="tx1"/>
+              </a:fontRef>
+            </p:style>
+          </p:cxnSp>
+          <p:sp>
+            <p:nvSpPr>
+              <p:cNvPr id="76" name="Oval 75">
+                <a:extLst>
+                  <a:ext uri="{FF2B5EF4-FFF2-40B4-BE49-F238E27FC236}">
+                    <a16:creationId xmlns:a16="http://schemas.microsoft.com/office/drawing/2014/main" id="{B76C2FE8-EA9D-4E95-B148-33B4A39FDFFB}"/>
+                  </a:ext>
+                </a:extLst>
+              </p:cNvPr>
+              <p:cNvSpPr/>
+              <p:nvPr/>
+            </p:nvSpPr>
+            <p:spPr>
+              <a:xfrm>
+                <a:off x="5926598" y="3187321"/>
+                <a:ext cx="112986" cy="112986"/>
+              </a:xfrm>
+              <a:prstGeom prst="ellipse">
+                <a:avLst/>
+              </a:prstGeom>
+              <a:solidFill>
+                <a:schemeClr val="tx1"/>
+              </a:solidFill>
+              <a:ln>
+                <a:solidFill>
+                  <a:schemeClr val="tx1"/>
+                </a:solidFill>
+              </a:ln>
+            </p:spPr>
+            <p:style>
+              <a:lnRef idx="2">
+                <a:schemeClr val="accent1">
+                  <a:shade val="50000"/>
+                </a:schemeClr>
+              </a:lnRef>
+              <a:fillRef idx="1">
+                <a:schemeClr val="accent1"/>
+              </a:fillRef>
+              <a:effectRef idx="0">
+                <a:schemeClr val="accent1"/>
+              </a:effectRef>
+              <a:fontRef idx="minor">
+                <a:schemeClr val="lt1"/>
+              </a:fontRef>
+            </p:style>
+            <p:txBody>
+              <a:bodyPr rtlCol="0" anchor="ctr"/>
+              <a:lstStyle/>
+              <a:p>
+                <a:pPr algn="ctr"/>
+                <a:endParaRPr lang="en-US"/>
+              </a:p>
+            </p:txBody>
+          </p:sp>
+          <p:sp>
+            <p:nvSpPr>
+              <p:cNvPr id="77" name="Sun 76">
+                <a:extLst>
+                  <a:ext uri="{FF2B5EF4-FFF2-40B4-BE49-F238E27FC236}">
+                    <a16:creationId xmlns:a16="http://schemas.microsoft.com/office/drawing/2014/main" id="{6C99AB73-0601-4748-9CF3-EDB6A5B7E468}"/>
+                  </a:ext>
+                </a:extLst>
+              </p:cNvPr>
+              <p:cNvSpPr/>
+              <p:nvPr/>
+            </p:nvSpPr>
+            <p:spPr>
+              <a:xfrm>
+                <a:off x="6589754" y="3300307"/>
+                <a:ext cx="552825" cy="547943"/>
+              </a:xfrm>
+              <a:prstGeom prst="sun">
+                <a:avLst/>
+              </a:prstGeom>
+              <a:noFill/>
+              <a:ln w="28575">
+                <a:solidFill>
+                  <a:schemeClr val="tx1"/>
+                </a:solidFill>
+              </a:ln>
+            </p:spPr>
+            <p:style>
+              <a:lnRef idx="2">
+                <a:schemeClr val="accent1">
+                  <a:shade val="50000"/>
+                </a:schemeClr>
+              </a:lnRef>
+              <a:fillRef idx="1">
+                <a:schemeClr val="accent1"/>
+              </a:fillRef>
+              <a:effectRef idx="0">
+                <a:schemeClr val="accent1"/>
+              </a:effectRef>
+              <a:fontRef idx="minor">
+                <a:schemeClr val="lt1"/>
+              </a:fontRef>
+            </p:style>
+            <p:txBody>
+              <a:bodyPr rtlCol="0" anchor="ctr"/>
+              <a:lstStyle/>
+              <a:p>
+                <a:pPr algn="ctr"/>
+                <a:endParaRPr lang="en-US" sz="1014"/>
+              </a:p>
+            </p:txBody>
+          </p:sp>
+          <mc:AlternateContent xmlns:mc="http://schemas.openxmlformats.org/markup-compatibility/2006" xmlns:a14="http://schemas.microsoft.com/office/drawing/2010/main">
+            <mc:Choice Requires="a14">
+              <p:sp>
+                <p:nvSpPr>
+                  <p:cNvPr id="111" name="TextBox 110">
+                    <a:extLst>
+                      <a:ext uri="{FF2B5EF4-FFF2-40B4-BE49-F238E27FC236}">
+                        <a16:creationId xmlns:a16="http://schemas.microsoft.com/office/drawing/2014/main" id="{6F14B73A-1024-4CCF-A935-C23DFDBCBF52}"/>
+                      </a:ext>
+                    </a:extLst>
+                  </p:cNvPr>
+                  <p:cNvSpPr txBox="1"/>
+                  <p:nvPr/>
+                </p:nvSpPr>
+                <p:spPr>
+                  <a:xfrm>
+                    <a:off x="4757739" y="1527571"/>
+                    <a:ext cx="2156701" cy="378693"/>
+                  </a:xfrm>
+                  <a:prstGeom prst="rect">
+                    <a:avLst/>
+                  </a:prstGeom>
+                  <a:noFill/>
+                  <a:ln w="19050">
+                    <a:solidFill>
+                      <a:schemeClr val="tx1"/>
+                    </a:solidFill>
+                  </a:ln>
+                </p:spPr>
+                <p:txBody>
+                  <a:bodyPr wrap="square" rtlCol="0">
+                    <a:spAutoFit/>
+                  </a:bodyPr>
+                  <a:lstStyle/>
+                  <a:p>
+                    <a14:m>
+                      <m:oMath xmlns:m="http://schemas.openxmlformats.org/officeDocument/2006/math">
+                        <m:acc>
+                          <m:accPr>
+                            <m:chr m:val="̂"/>
+                            <m:ctrlPr>
+                              <a:rPr lang="en-US" b="1" i="1" smtClean="0">
+                                <a:latin typeface="Cambria Math" panose="02040503050406030204" pitchFamily="18" charset="0"/>
+                              </a:rPr>
+                            </m:ctrlPr>
+                          </m:accPr>
+                          <m:e>
+                            <m:r>
+                              <a:rPr lang="en-US" b="1" i="1" smtClean="0">
+                                <a:latin typeface="Cambria Math" panose="02040503050406030204" pitchFamily="18" charset="0"/>
+                              </a:rPr>
+                              <m:t>𝒙</m:t>
+                            </m:r>
+                          </m:e>
+                        </m:acc>
+                        <m:r>
+                          <a:rPr lang="en-US" b="0" i="1" smtClean="0">
+                            <a:latin typeface="Cambria Math" panose="02040503050406030204" pitchFamily="18" charset="0"/>
+                          </a:rPr>
+                          <m:t>, </m:t>
+                        </m:r>
+                        <m:acc>
+                          <m:accPr>
+                            <m:chr m:val="̂"/>
+                            <m:ctrlPr>
+                              <a:rPr lang="en-US" b="0" i="1" smtClean="0">
+                                <a:solidFill>
+                                  <a:schemeClr val="accent1"/>
+                                </a:solidFill>
+                                <a:latin typeface="Cambria Math" panose="02040503050406030204" pitchFamily="18" charset="0"/>
+                              </a:rPr>
+                            </m:ctrlPr>
+                          </m:accPr>
+                          <m:e>
+                            <m:r>
+                              <a:rPr lang="en-US" b="1" i="0" smtClean="0">
+                                <a:solidFill>
+                                  <a:schemeClr val="accent1"/>
+                                </a:solidFill>
+                                <a:latin typeface="Cambria Math" panose="02040503050406030204" pitchFamily="18" charset="0"/>
+                              </a:rPr>
+                              <m:t>𝛀</m:t>
+                            </m:r>
+                          </m:e>
+                        </m:acc>
+                        <m:r>
+                          <a:rPr lang="en-US" b="0" i="1" smtClean="0">
+                            <a:solidFill>
+                              <a:schemeClr val="accent1"/>
+                            </a:solidFill>
+                            <a:latin typeface="Cambria Math" panose="02040503050406030204" pitchFamily="18" charset="0"/>
+                          </a:rPr>
+                          <m:t>=</m:t>
+                        </m:r>
+                        <m:acc>
+                          <m:accPr>
+                            <m:chr m:val="̂"/>
+                            <m:ctrlPr>
+                              <a:rPr lang="en-US" b="1" i="1" smtClean="0">
+                                <a:solidFill>
+                                  <a:schemeClr val="accent1"/>
+                                </a:solidFill>
+                                <a:latin typeface="Cambria Math" panose="02040503050406030204" pitchFamily="18" charset="0"/>
+                              </a:rPr>
+                            </m:ctrlPr>
+                          </m:accPr>
+                          <m:e>
+                            <m:r>
+                              <a:rPr lang="en-US" b="1" i="1" smtClean="0">
+                                <a:solidFill>
+                                  <a:schemeClr val="accent1"/>
+                                </a:solidFill>
+                                <a:latin typeface="Cambria Math" panose="02040503050406030204" pitchFamily="18" charset="0"/>
+                              </a:rPr>
+                              <m:t>𝒙</m:t>
+                            </m:r>
+                          </m:e>
+                        </m:acc>
+                        <m:r>
+                          <a:rPr lang="en-US" b="0" i="1" smtClean="0">
+                            <a:latin typeface="Cambria Math" panose="02040503050406030204" pitchFamily="18" charset="0"/>
+                          </a:rPr>
+                          <m:t>, </m:t>
+                        </m:r>
+                        <m:acc>
+                          <m:accPr>
+                            <m:chr m:val="̂"/>
+                            <m:ctrlPr>
+                              <a:rPr lang="en-US" b="1" i="1" smtClean="0">
+                                <a:solidFill>
+                                  <a:schemeClr val="accent2"/>
+                                </a:solidFill>
+                                <a:latin typeface="Cambria Math" panose="02040503050406030204" pitchFamily="18" charset="0"/>
+                              </a:rPr>
+                            </m:ctrlPr>
+                          </m:accPr>
+                          <m:e>
+                            <m:r>
+                              <a:rPr lang="en-US" b="1" i="0" smtClean="0">
+                                <a:solidFill>
+                                  <a:schemeClr val="accent2"/>
+                                </a:solidFill>
+                                <a:latin typeface="Cambria Math" panose="02040503050406030204" pitchFamily="18" charset="0"/>
+                              </a:rPr>
+                              <m:t>𝐚𝐬𝐲𝐦</m:t>
+                            </m:r>
+                          </m:e>
+                        </m:acc>
+                        <m:r>
+                          <a:rPr lang="en-US" b="1" i="0" smtClean="0">
+                            <a:solidFill>
+                              <a:schemeClr val="accent2"/>
+                            </a:solidFill>
+                            <a:latin typeface="Cambria Math" panose="02040503050406030204" pitchFamily="18" charset="0"/>
+                          </a:rPr>
+                          <m:t>=</m:t>
+                        </m:r>
+                      </m:oMath>
+                    </a14:m>
+                    <a:r>
+                      <a:rPr lang="en-US" b="1" dirty="0">
+                        <a:solidFill>
+                          <a:schemeClr val="accent1"/>
+                        </a:solidFill>
+                        <a:latin typeface="Times New Roman" panose="02020603050405020304" pitchFamily="18" charset="0"/>
+                        <a:cs typeface="Times New Roman" panose="02020603050405020304" pitchFamily="18" charset="0"/>
+                      </a:rPr>
+                      <a:t> </a:t>
+                    </a:r>
+                    <a14:m>
+                      <m:oMath xmlns:m="http://schemas.openxmlformats.org/officeDocument/2006/math">
+                        <m:acc>
+                          <m:accPr>
+                            <m:chr m:val="̂"/>
+                            <m:ctrlPr>
+                              <a:rPr lang="en-US" b="1" i="1" smtClean="0">
+                                <a:solidFill>
+                                  <a:schemeClr val="accent2"/>
+                                </a:solidFill>
+                                <a:latin typeface="Cambria Math" panose="02040503050406030204" pitchFamily="18" charset="0"/>
+                              </a:rPr>
+                            </m:ctrlPr>
+                          </m:accPr>
+                          <m:e>
+                            <m:r>
+                              <a:rPr lang="en-US" b="1" i="1" smtClean="0">
+                                <a:solidFill>
+                                  <a:schemeClr val="accent2"/>
+                                </a:solidFill>
+                                <a:latin typeface="Cambria Math" panose="02040503050406030204" pitchFamily="18" charset="0"/>
+                              </a:rPr>
+                              <m:t>𝒚</m:t>
+                            </m:r>
+                          </m:e>
+                        </m:acc>
+                      </m:oMath>
+                    </a14:m>
+                    <a:endParaRPr lang="en-US" b="1" dirty="0">
+                      <a:latin typeface="Times New Roman" panose="02020603050405020304" pitchFamily="18" charset="0"/>
+                      <a:cs typeface="Times New Roman" panose="02020603050405020304" pitchFamily="18" charset="0"/>
+                    </a:endParaRPr>
+                  </a:p>
+                </p:txBody>
+              </p:sp>
+            </mc:Choice>
+            <mc:Fallback xmlns="">
+              <p:sp>
+                <p:nvSpPr>
+                  <p:cNvPr id="111" name="TextBox 110">
+                    <a:extLst>
+                      <a:ext uri="{FF2B5EF4-FFF2-40B4-BE49-F238E27FC236}">
+                        <a16:creationId xmlns:a16="http://schemas.microsoft.com/office/drawing/2014/main" id="{6F14B73A-1024-4CCF-A935-C23DFDBCBF52}"/>
+                      </a:ext>
+                    </a:extLst>
+                  </p:cNvPr>
+                  <p:cNvSpPr txBox="1">
+                    <a:spLocks noRot="1" noChangeAspect="1" noMove="1" noResize="1" noEditPoints="1" noAdjustHandles="1" noChangeArrowheads="1" noChangeShapeType="1" noTextEdit="1"/>
+                  </p:cNvSpPr>
+                  <p:nvPr/>
+                </p:nvSpPr>
+                <p:spPr>
+                  <a:xfrm>
+                    <a:off x="4757739" y="1527571"/>
+                    <a:ext cx="2156701" cy="378693"/>
+                  </a:xfrm>
+                  <a:prstGeom prst="rect">
+                    <a:avLst/>
+                  </a:prstGeom>
+                  <a:blipFill>
+                    <a:blip r:embed="rId3"/>
+                    <a:stretch>
+                      <a:fillRect t="-1515" r="-30899" b="-4545"/>
+                    </a:stretch>
+                  </a:blipFill>
+                  <a:ln w="19050">
+                    <a:solidFill>
+                      <a:schemeClr val="tx1"/>
+                    </a:solidFill>
+                  </a:ln>
+                </p:spPr>
+                <p:txBody>
+                  <a:bodyPr/>
+                  <a:lstStyle/>
+                  <a:p>
+                    <a:r>
+                      <a:rPr lang="en-US">
+                        <a:noFill/>
+                      </a:rPr>
+                      <a:t> </a:t>
+                    </a:r>
+                  </a:p>
+                </p:txBody>
+              </p:sp>
+            </mc:Fallback>
+          </mc:AlternateContent>
+          <p:sp>
+            <p:nvSpPr>
+              <p:cNvPr id="112" name="TextBox 111">
+                <a:extLst>
+                  <a:ext uri="{FF2B5EF4-FFF2-40B4-BE49-F238E27FC236}">
+                    <a16:creationId xmlns:a16="http://schemas.microsoft.com/office/drawing/2014/main" id="{F947DCA0-1894-4073-B290-5DAE309A5893}"/>
+                  </a:ext>
+                </a:extLst>
+              </p:cNvPr>
+              <p:cNvSpPr txBox="1"/>
+              <p:nvPr/>
+            </p:nvSpPr>
+            <p:spPr>
+              <a:xfrm>
+                <a:off x="4757738" y="1199543"/>
+                <a:ext cx="2156701" cy="378693"/>
+              </a:xfrm>
+              <a:prstGeom prst="rect">
+                <a:avLst/>
+              </a:prstGeom>
+              <a:noFill/>
+              <a:ln w="19050">
+                <a:noFill/>
+              </a:ln>
+            </p:spPr>
+            <p:txBody>
+              <a:bodyPr wrap="square" rtlCol="0">
+                <a:spAutoFit/>
+              </a:bodyPr>
+              <a:lstStyle/>
+              <a:p>
+                <a:r>
+                  <a:rPr lang="en-US" dirty="0">
+                    <a:latin typeface="Times New Roman" panose="02020603050405020304" pitchFamily="18" charset="0"/>
+                    <a:cs typeface="Times New Roman" panose="02020603050405020304" pitchFamily="18" charset="0"/>
+                  </a:rPr>
+                  <a:t>Class 2: Coin-like</a:t>
+                </a:r>
+              </a:p>
+            </p:txBody>
+          </p:sp>
+        </p:grpSp>
+        <p:grpSp>
+          <p:nvGrpSpPr>
+            <p:cNvPr id="3" name="Group 2">
+              <a:extLst>
+                <a:ext uri="{FF2B5EF4-FFF2-40B4-BE49-F238E27FC236}">
+                  <a16:creationId xmlns:a16="http://schemas.microsoft.com/office/drawing/2014/main" id="{BE7B1354-F5EB-4B9B-9E13-9CA317565466}"/>
+                </a:ext>
+              </a:extLst>
+            </p:cNvPr>
+            <p:cNvGrpSpPr/>
+            <p:nvPr/>
+          </p:nvGrpSpPr>
+          <p:grpSpPr>
+            <a:xfrm>
+              <a:off x="900440" y="7312208"/>
+              <a:ext cx="3292350" cy="2970754"/>
+              <a:chOff x="900440" y="4415716"/>
+              <a:chExt cx="3292350" cy="2970754"/>
+            </a:xfrm>
+          </p:grpSpPr>
+          <p:grpSp>
+            <p:nvGrpSpPr>
+              <p:cNvPr id="2" name="Group 1">
+                <a:extLst>
+                  <a:ext uri="{FF2B5EF4-FFF2-40B4-BE49-F238E27FC236}">
+                    <a16:creationId xmlns:a16="http://schemas.microsoft.com/office/drawing/2014/main" id="{5E35703F-572B-4508-B271-77D4242B1FAE}"/>
+                  </a:ext>
+                </a:extLst>
+              </p:cNvPr>
+              <p:cNvGrpSpPr/>
+              <p:nvPr/>
+            </p:nvGrpSpPr>
+            <p:grpSpPr>
+              <a:xfrm>
+                <a:off x="900440" y="4743744"/>
+                <a:ext cx="3292350" cy="2642726"/>
+                <a:chOff x="900440" y="4743744"/>
+                <a:chExt cx="3292350" cy="2642726"/>
+              </a:xfrm>
+            </p:grpSpPr>
+            <p:cxnSp>
+              <p:nvCxnSpPr>
+                <p:cNvPr id="64" name="Straight Arrow Connector 63">
+                  <a:extLst>
+                    <a:ext uri="{FF2B5EF4-FFF2-40B4-BE49-F238E27FC236}">
+                      <a16:creationId xmlns:a16="http://schemas.microsoft.com/office/drawing/2014/main" id="{68BD4270-1EDA-462F-AD18-D822BC61B6C4}"/>
+                    </a:ext>
+                  </a:extLst>
+                </p:cNvPr>
+                <p:cNvCxnSpPr>
+                  <a:cxnSpLocks/>
+                </p:cNvCxnSpPr>
+                <p:nvPr/>
+              </p:nvCxnSpPr>
+              <p:spPr>
+                <a:xfrm flipH="1" flipV="1">
+                  <a:off x="900440" y="6373248"/>
+                  <a:ext cx="1749525" cy="77059"/>
+                </a:xfrm>
+                <a:prstGeom prst="straightConnector1">
+                  <a:avLst/>
+                </a:prstGeom>
+                <a:ln w="38100">
+                  <a:solidFill>
+                    <a:schemeClr val="accent1"/>
+                  </a:solidFill>
+                  <a:tailEnd type="triangle"/>
+                </a:ln>
+              </p:spPr>
+              <p:style>
+                <a:lnRef idx="1">
+                  <a:schemeClr val="accent1"/>
+                </a:lnRef>
+                <a:fillRef idx="0">
+                  <a:schemeClr val="accent1"/>
+                </a:fillRef>
+                <a:effectRef idx="0">
+                  <a:schemeClr val="accent1"/>
+                </a:effectRef>
+                <a:fontRef idx="minor">
+                  <a:schemeClr val="tx1"/>
+                </a:fontRef>
+              </p:style>
+            </p:cxnSp>
+            <p:grpSp>
+              <p:nvGrpSpPr>
+                <p:cNvPr id="59" name="Group 58">
+                  <a:extLst>
+                    <a:ext uri="{FF2B5EF4-FFF2-40B4-BE49-F238E27FC236}">
+                      <a16:creationId xmlns:a16="http://schemas.microsoft.com/office/drawing/2014/main" id="{1EB1C305-8A50-4F04-A9CE-A80CD9641D4A}"/>
+                    </a:ext>
+                  </a:extLst>
+                </p:cNvPr>
+                <p:cNvGrpSpPr/>
+                <p:nvPr/>
+              </p:nvGrpSpPr>
+              <p:grpSpPr>
+                <a:xfrm>
+                  <a:off x="1126589" y="5187556"/>
+                  <a:ext cx="2628900" cy="2198914"/>
+                  <a:chOff x="1126589" y="1982563"/>
+                  <a:chExt cx="2628900" cy="2198914"/>
+                </a:xfrm>
+              </p:grpSpPr>
+              <p:sp>
+                <p:nvSpPr>
+                  <p:cNvPr id="60" name="Oval 4">
+                    <a:extLst>
+                      <a:ext uri="{FF2B5EF4-FFF2-40B4-BE49-F238E27FC236}">
+                        <a16:creationId xmlns:a16="http://schemas.microsoft.com/office/drawing/2014/main" id="{0E4CFBF7-BD7E-4D26-A7D0-3678D9FDC0E0}"/>
+                      </a:ext>
+                    </a:extLst>
+                  </p:cNvPr>
+                  <p:cNvSpPr/>
+                  <p:nvPr/>
+                </p:nvSpPr>
+                <p:spPr>
+                  <a:xfrm>
+                    <a:off x="1126589" y="3169809"/>
+                    <a:ext cx="2628900" cy="76200"/>
+                  </a:xfrm>
+                  <a:custGeom>
+                    <a:avLst/>
+                    <a:gdLst>
+                      <a:gd name="connsiteX0" fmla="*/ 0 w 2628900"/>
+                      <a:gd name="connsiteY0" fmla="*/ 122465 h 244929"/>
+                      <a:gd name="connsiteX1" fmla="*/ 1314450 w 2628900"/>
+                      <a:gd name="connsiteY1" fmla="*/ 0 h 244929"/>
+                      <a:gd name="connsiteX2" fmla="*/ 2628900 w 2628900"/>
+                      <a:gd name="connsiteY2" fmla="*/ 122465 h 244929"/>
+                      <a:gd name="connsiteX3" fmla="*/ 1314450 w 2628900"/>
+                      <a:gd name="connsiteY3" fmla="*/ 244930 h 244929"/>
+                      <a:gd name="connsiteX4" fmla="*/ 0 w 2628900"/>
+                      <a:gd name="connsiteY4" fmla="*/ 122465 h 244929"/>
+                      <a:gd name="connsiteX0" fmla="*/ 1314450 w 2628900"/>
+                      <a:gd name="connsiteY0" fmla="*/ 0 h 244930"/>
+                      <a:gd name="connsiteX1" fmla="*/ 2628900 w 2628900"/>
+                      <a:gd name="connsiteY1" fmla="*/ 122465 h 244930"/>
+                      <a:gd name="connsiteX2" fmla="*/ 1314450 w 2628900"/>
+                      <a:gd name="connsiteY2" fmla="*/ 244930 h 244930"/>
+                      <a:gd name="connsiteX3" fmla="*/ 0 w 2628900"/>
+                      <a:gd name="connsiteY3" fmla="*/ 122465 h 244930"/>
+                      <a:gd name="connsiteX4" fmla="*/ 1405890 w 2628900"/>
+                      <a:gd name="connsiteY4" fmla="*/ 91440 h 244930"/>
+                      <a:gd name="connsiteX0" fmla="*/ 1314450 w 2628900"/>
+                      <a:gd name="connsiteY0" fmla="*/ 0 h 244930"/>
+                      <a:gd name="connsiteX1" fmla="*/ 2628900 w 2628900"/>
+                      <a:gd name="connsiteY1" fmla="*/ 122465 h 244930"/>
+                      <a:gd name="connsiteX2" fmla="*/ 1314450 w 2628900"/>
+                      <a:gd name="connsiteY2" fmla="*/ 244930 h 244930"/>
+                      <a:gd name="connsiteX3" fmla="*/ 0 w 2628900"/>
+                      <a:gd name="connsiteY3" fmla="*/ 122465 h 244930"/>
+                      <a:gd name="connsiteX0" fmla="*/ 2628900 w 2628900"/>
+                      <a:gd name="connsiteY0" fmla="*/ 0 h 122465"/>
+                      <a:gd name="connsiteX1" fmla="*/ 1314450 w 2628900"/>
+                      <a:gd name="connsiteY1" fmla="*/ 122465 h 122465"/>
+                      <a:gd name="connsiteX2" fmla="*/ 0 w 2628900"/>
+                      <a:gd name="connsiteY2" fmla="*/ 0 h 122465"/>
+                    </a:gdLst>
+                    <a:ahLst/>
+                    <a:cxnLst>
+                      <a:cxn ang="0">
+                        <a:pos x="connsiteX0" y="connsiteY0"/>
+                      </a:cxn>
+                      <a:cxn ang="0">
+                        <a:pos x="connsiteX1" y="connsiteY1"/>
+                      </a:cxn>
+                      <a:cxn ang="0">
+                        <a:pos x="connsiteX2" y="connsiteY2"/>
+                      </a:cxn>
+                    </a:cxnLst>
+                    <a:rect l="l" t="t" r="r" b="b"/>
+                    <a:pathLst>
+                      <a:path w="2628900" h="122465">
+                        <a:moveTo>
+                          <a:pt x="2628900" y="0"/>
+                        </a:moveTo>
+                        <a:cubicBezTo>
+                          <a:pt x="2628900" y="67636"/>
+                          <a:pt x="2040401" y="122465"/>
+                          <a:pt x="1314450" y="122465"/>
+                        </a:cubicBezTo>
+                        <a:cubicBezTo>
+                          <a:pt x="588499" y="122465"/>
+                          <a:pt x="0" y="67636"/>
+                          <a:pt x="0" y="0"/>
+                        </a:cubicBezTo>
+                      </a:path>
+                    </a:pathLst>
+                  </a:custGeom>
+                  <a:noFill/>
+                  <a:ln w="28575">
+                    <a:solidFill>
+                      <a:schemeClr val="bg2">
+                        <a:lumMod val="50000"/>
+                      </a:schemeClr>
+                    </a:solidFill>
+                    <a:prstDash val="sysDash"/>
+                  </a:ln>
+                </p:spPr>
+                <p:style>
+                  <a:lnRef idx="2">
+                    <a:schemeClr val="accent1">
+                      <a:shade val="50000"/>
+                    </a:schemeClr>
+                  </a:lnRef>
+                  <a:fillRef idx="1">
+                    <a:schemeClr val="accent1"/>
+                  </a:fillRef>
+                  <a:effectRef idx="0">
+                    <a:schemeClr val="accent1"/>
+                  </a:effectRef>
+                  <a:fontRef idx="minor">
+                    <a:schemeClr val="lt1"/>
+                  </a:fontRef>
+                </p:style>
+                <p:txBody>
+                  <a:bodyPr rtlCol="0" anchor="ctr"/>
+                  <a:lstStyle/>
+                  <a:p>
+                    <a:pPr algn="ctr"/>
+                    <a:endParaRPr lang="en-US"/>
+                  </a:p>
+                </p:txBody>
+              </p:sp>
+              <p:sp>
+                <p:nvSpPr>
+                  <p:cNvPr id="61" name="Oval 5">
+                    <a:extLst>
+                      <a:ext uri="{FF2B5EF4-FFF2-40B4-BE49-F238E27FC236}">
+                        <a16:creationId xmlns:a16="http://schemas.microsoft.com/office/drawing/2014/main" id="{4DD65135-F972-402C-9896-45BEA3859E30}"/>
+                      </a:ext>
+                    </a:extLst>
+                  </p:cNvPr>
+                  <p:cNvSpPr/>
+                  <p:nvPr/>
+                </p:nvSpPr>
+                <p:spPr>
+                  <a:xfrm>
+                    <a:off x="2513214" y="1982563"/>
+                    <a:ext cx="136750" cy="2198914"/>
+                  </a:xfrm>
+                  <a:custGeom>
+                    <a:avLst/>
+                    <a:gdLst>
+                      <a:gd name="connsiteX0" fmla="*/ 0 w 344261"/>
+                      <a:gd name="connsiteY0" fmla="*/ 1032782 h 2065563"/>
+                      <a:gd name="connsiteX1" fmla="*/ 172131 w 344261"/>
+                      <a:gd name="connsiteY1" fmla="*/ 0 h 2065563"/>
+                      <a:gd name="connsiteX2" fmla="*/ 344262 w 344261"/>
+                      <a:gd name="connsiteY2" fmla="*/ 1032782 h 2065563"/>
+                      <a:gd name="connsiteX3" fmla="*/ 172131 w 344261"/>
+                      <a:gd name="connsiteY3" fmla="*/ 2065564 h 2065563"/>
+                      <a:gd name="connsiteX4" fmla="*/ 0 w 344261"/>
+                      <a:gd name="connsiteY4" fmla="*/ 1032782 h 2065563"/>
+                      <a:gd name="connsiteX0" fmla="*/ 0 w 344262"/>
+                      <a:gd name="connsiteY0" fmla="*/ 1032782 h 2065564"/>
+                      <a:gd name="connsiteX1" fmla="*/ 172131 w 344262"/>
+                      <a:gd name="connsiteY1" fmla="*/ 0 h 2065564"/>
+                      <a:gd name="connsiteX2" fmla="*/ 344262 w 344262"/>
+                      <a:gd name="connsiteY2" fmla="*/ 1032782 h 2065564"/>
+                      <a:gd name="connsiteX3" fmla="*/ 172131 w 344262"/>
+                      <a:gd name="connsiteY3" fmla="*/ 2065564 h 2065564"/>
+                      <a:gd name="connsiteX4" fmla="*/ 91440 w 344262"/>
+                      <a:gd name="connsiteY4" fmla="*/ 1124222 h 2065564"/>
+                      <a:gd name="connsiteX0" fmla="*/ 0 w 344262"/>
+                      <a:gd name="connsiteY0" fmla="*/ 1032782 h 2065564"/>
+                      <a:gd name="connsiteX1" fmla="*/ 172131 w 344262"/>
+                      <a:gd name="connsiteY1" fmla="*/ 0 h 2065564"/>
+                      <a:gd name="connsiteX2" fmla="*/ 344262 w 344262"/>
+                      <a:gd name="connsiteY2" fmla="*/ 1032782 h 2065564"/>
+                      <a:gd name="connsiteX3" fmla="*/ 172131 w 344262"/>
+                      <a:gd name="connsiteY3" fmla="*/ 2065564 h 2065564"/>
+                      <a:gd name="connsiteX0" fmla="*/ 0 w 172131"/>
+                      <a:gd name="connsiteY0" fmla="*/ 0 h 2065564"/>
+                      <a:gd name="connsiteX1" fmla="*/ 172131 w 172131"/>
+                      <a:gd name="connsiteY1" fmla="*/ 1032782 h 2065564"/>
+                      <a:gd name="connsiteX2" fmla="*/ 0 w 172131"/>
+                      <a:gd name="connsiteY2" fmla="*/ 2065564 h 2065564"/>
+                    </a:gdLst>
+                    <a:ahLst/>
+                    <a:cxnLst>
+                      <a:cxn ang="0">
+                        <a:pos x="connsiteX0" y="connsiteY0"/>
+                      </a:cxn>
+                      <a:cxn ang="0">
+                        <a:pos x="connsiteX1" y="connsiteY1"/>
+                      </a:cxn>
+                      <a:cxn ang="0">
+                        <a:pos x="connsiteX2" y="connsiteY2"/>
+                      </a:cxn>
+                    </a:cxnLst>
+                    <a:rect l="l" t="t" r="r" b="b"/>
+                    <a:pathLst>
+                      <a:path w="172131" h="2065564">
+                        <a:moveTo>
+                          <a:pt x="0" y="0"/>
+                        </a:moveTo>
+                        <a:cubicBezTo>
+                          <a:pt x="95065" y="0"/>
+                          <a:pt x="172131" y="462392"/>
+                          <a:pt x="172131" y="1032782"/>
+                        </a:cubicBezTo>
+                        <a:cubicBezTo>
+                          <a:pt x="172131" y="1603172"/>
+                          <a:pt x="95065" y="2065564"/>
+                          <a:pt x="0" y="2065564"/>
+                        </a:cubicBezTo>
+                      </a:path>
+                    </a:pathLst>
+                  </a:custGeom>
+                  <a:noFill/>
+                  <a:ln w="28575">
+                    <a:solidFill>
+                      <a:schemeClr val="bg2">
+                        <a:lumMod val="50000"/>
+                      </a:schemeClr>
+                    </a:solidFill>
+                    <a:prstDash val="sysDash"/>
+                  </a:ln>
+                </p:spPr>
+                <p:style>
+                  <a:lnRef idx="2">
+                    <a:schemeClr val="accent1">
+                      <a:shade val="50000"/>
+                    </a:schemeClr>
+                  </a:lnRef>
+                  <a:fillRef idx="1">
+                    <a:schemeClr val="accent1"/>
+                  </a:fillRef>
+                  <a:effectRef idx="0">
+                    <a:schemeClr val="accent1"/>
+                  </a:effectRef>
+                  <a:fontRef idx="minor">
+                    <a:schemeClr val="lt1"/>
+                  </a:fontRef>
+                </p:style>
+                <p:txBody>
+                  <a:bodyPr rtlCol="0" anchor="ctr"/>
+                  <a:lstStyle/>
+                  <a:p>
+                    <a:pPr algn="ctr"/>
+                    <a:endParaRPr lang="en-US"/>
+                  </a:p>
+                </p:txBody>
+              </p:sp>
+              <p:sp>
+                <p:nvSpPr>
+                  <p:cNvPr id="62" name="Oval 61">
+                    <a:extLst>
+                      <a:ext uri="{FF2B5EF4-FFF2-40B4-BE49-F238E27FC236}">
+                        <a16:creationId xmlns:a16="http://schemas.microsoft.com/office/drawing/2014/main" id="{08021AD5-374D-4072-A298-E4B7AA41147D}"/>
+                      </a:ext>
+                    </a:extLst>
+                  </p:cNvPr>
+                  <p:cNvSpPr/>
+                  <p:nvPr/>
+                </p:nvSpPr>
+                <p:spPr>
+                  <a:xfrm>
+                    <a:off x="1126589" y="1982563"/>
+                    <a:ext cx="2628900" cy="2198914"/>
+                  </a:xfrm>
+                  <a:prstGeom prst="ellipse">
+                    <a:avLst/>
+                  </a:prstGeom>
+                  <a:noFill/>
+                  <a:ln w="28575">
+                    <a:solidFill>
+                      <a:schemeClr val="tx1"/>
+                    </a:solidFill>
+                  </a:ln>
+                </p:spPr>
+                <p:style>
+                  <a:lnRef idx="2">
+                    <a:schemeClr val="accent1">
+                      <a:shade val="50000"/>
+                    </a:schemeClr>
+                  </a:lnRef>
+                  <a:fillRef idx="1">
+                    <a:schemeClr val="accent1"/>
+                  </a:fillRef>
+                  <a:effectRef idx="0">
+                    <a:schemeClr val="accent1"/>
+                  </a:effectRef>
+                  <a:fontRef idx="minor">
+                    <a:schemeClr val="lt1"/>
+                  </a:fontRef>
+                </p:style>
+                <p:txBody>
+                  <a:bodyPr rtlCol="0" anchor="ctr"/>
+                  <a:lstStyle/>
+                  <a:p>
+                    <a:pPr algn="ctr"/>
+                    <a:endParaRPr lang="en-US"/>
+                  </a:p>
+                </p:txBody>
+              </p:sp>
+            </p:grpSp>
+            <p:cxnSp>
+              <p:nvCxnSpPr>
+                <p:cNvPr id="63" name="Straight Arrow Connector 62">
+                  <a:extLst>
+                    <a:ext uri="{FF2B5EF4-FFF2-40B4-BE49-F238E27FC236}">
+                      <a16:creationId xmlns:a16="http://schemas.microsoft.com/office/drawing/2014/main" id="{7D6D1E0C-CB66-4115-B129-C9EABC1081B5}"/>
+                    </a:ext>
+                  </a:extLst>
+                </p:cNvPr>
+                <p:cNvCxnSpPr>
+                  <a:cxnSpLocks/>
+                </p:cNvCxnSpPr>
+                <p:nvPr/>
+              </p:nvCxnSpPr>
+              <p:spPr>
+                <a:xfrm>
+                  <a:off x="2649964" y="6450308"/>
+                  <a:ext cx="592574" cy="189973"/>
+                </a:xfrm>
+                <a:prstGeom prst="straightConnector1">
+                  <a:avLst/>
+                </a:prstGeom>
+                <a:ln w="38100">
+                  <a:solidFill>
+                    <a:schemeClr val="tx1"/>
+                  </a:solidFill>
+                  <a:tailEnd type="triangle"/>
+                </a:ln>
+              </p:spPr>
+              <p:style>
+                <a:lnRef idx="1">
+                  <a:schemeClr val="accent1"/>
+                </a:lnRef>
+                <a:fillRef idx="0">
+                  <a:schemeClr val="accent1"/>
+                </a:fillRef>
+                <a:effectRef idx="0">
+                  <a:schemeClr val="accent1"/>
+                </a:effectRef>
+                <a:fontRef idx="minor">
+                  <a:schemeClr val="tx1"/>
+                </a:fontRef>
+              </p:style>
+            </p:cxnSp>
+            <p:cxnSp>
+              <p:nvCxnSpPr>
+                <p:cNvPr id="65" name="Straight Arrow Connector 64">
+                  <a:extLst>
+                    <a:ext uri="{FF2B5EF4-FFF2-40B4-BE49-F238E27FC236}">
+                      <a16:creationId xmlns:a16="http://schemas.microsoft.com/office/drawing/2014/main" id="{5E3F66D1-B0DA-4474-BAF8-ADC0DB082C84}"/>
+                    </a:ext>
+                  </a:extLst>
+                </p:cNvPr>
+                <p:cNvCxnSpPr>
+                  <a:cxnSpLocks/>
+                </p:cNvCxnSpPr>
+                <p:nvPr/>
+              </p:nvCxnSpPr>
+              <p:spPr>
+                <a:xfrm>
+                  <a:off x="2649845" y="6449614"/>
+                  <a:ext cx="375255" cy="121117"/>
+                </a:xfrm>
+                <a:prstGeom prst="straightConnector1">
+                  <a:avLst/>
+                </a:prstGeom>
+                <a:ln w="38100">
+                  <a:solidFill>
+                    <a:schemeClr val="accent2"/>
+                  </a:solidFill>
+                  <a:tailEnd type="triangle"/>
+                </a:ln>
+              </p:spPr>
+              <p:style>
+                <a:lnRef idx="1">
+                  <a:schemeClr val="accent1"/>
+                </a:lnRef>
+                <a:fillRef idx="0">
+                  <a:schemeClr val="accent1"/>
+                </a:fillRef>
+                <a:effectRef idx="0">
+                  <a:schemeClr val="accent1"/>
+                </a:effectRef>
+                <a:fontRef idx="minor">
+                  <a:schemeClr val="tx1"/>
+                </a:fontRef>
+              </p:style>
+            </p:cxnSp>
+            <p:sp>
+              <p:nvSpPr>
+                <p:cNvPr id="66" name="Oval 65">
+                  <a:extLst>
+                    <a:ext uri="{FF2B5EF4-FFF2-40B4-BE49-F238E27FC236}">
+                      <a16:creationId xmlns:a16="http://schemas.microsoft.com/office/drawing/2014/main" id="{DF6C2A60-9D5B-4325-B832-012E3B9F9C84}"/>
+                    </a:ext>
+                  </a:extLst>
+                </p:cNvPr>
+                <p:cNvSpPr/>
+                <p:nvPr/>
+              </p:nvSpPr>
+              <p:spPr>
+                <a:xfrm>
+                  <a:off x="2593471" y="6393815"/>
+                  <a:ext cx="112986" cy="112986"/>
+                </a:xfrm>
+                <a:prstGeom prst="ellipse">
+                  <a:avLst/>
+                </a:prstGeom>
+                <a:solidFill>
+                  <a:schemeClr val="tx1"/>
+                </a:solidFill>
+                <a:ln>
+                  <a:solidFill>
+                    <a:schemeClr val="tx1"/>
+                  </a:solidFill>
+                </a:ln>
+              </p:spPr>
+              <p:style>
+                <a:lnRef idx="2">
+                  <a:schemeClr val="accent1">
+                    <a:shade val="50000"/>
+                  </a:schemeClr>
+                </a:lnRef>
+                <a:fillRef idx="1">
+                  <a:schemeClr val="accent1"/>
+                </a:fillRef>
+                <a:effectRef idx="0">
+                  <a:schemeClr val="accent1"/>
+                </a:effectRef>
+                <a:fontRef idx="minor">
+                  <a:schemeClr val="lt1"/>
+                </a:fontRef>
+              </p:style>
+              <p:txBody>
+                <a:bodyPr rtlCol="0" anchor="ctr"/>
+                <a:lstStyle/>
+                <a:p>
+                  <a:pPr algn="ctr"/>
+                  <a:endParaRPr lang="en-US"/>
+                </a:p>
+              </p:txBody>
+            </p:sp>
+            <p:sp>
+              <p:nvSpPr>
+                <p:cNvPr id="67" name="Sun 66">
+                  <a:extLst>
+                    <a:ext uri="{FF2B5EF4-FFF2-40B4-BE49-F238E27FC236}">
+                      <a16:creationId xmlns:a16="http://schemas.microsoft.com/office/drawing/2014/main" id="{224D5FAE-883C-4F7F-98E2-4D60F72AD3E8}"/>
+                    </a:ext>
+                  </a:extLst>
+                </p:cNvPr>
+                <p:cNvSpPr/>
+                <p:nvPr/>
+              </p:nvSpPr>
+              <p:spPr>
+                <a:xfrm>
+                  <a:off x="3639965" y="6659195"/>
+                  <a:ext cx="552825" cy="547943"/>
+                </a:xfrm>
+                <a:prstGeom prst="sun">
+                  <a:avLst/>
+                </a:prstGeom>
+                <a:noFill/>
+                <a:ln w="28575">
+                  <a:solidFill>
+                    <a:schemeClr val="tx1"/>
+                  </a:solidFill>
+                </a:ln>
+              </p:spPr>
+              <p:style>
+                <a:lnRef idx="2">
+                  <a:schemeClr val="accent1">
+                    <a:shade val="50000"/>
+                  </a:schemeClr>
+                </a:lnRef>
+                <a:fillRef idx="1">
+                  <a:schemeClr val="accent1"/>
+                </a:fillRef>
+                <a:effectRef idx="0">
+                  <a:schemeClr val="accent1"/>
+                </a:effectRef>
+                <a:fontRef idx="minor">
+                  <a:schemeClr val="lt1"/>
+                </a:fontRef>
+              </p:style>
+              <p:txBody>
+                <a:bodyPr rtlCol="0" anchor="ctr"/>
+                <a:lstStyle/>
+                <a:p>
+                  <a:pPr algn="ctr"/>
+                  <a:endParaRPr lang="en-US" sz="1014"/>
+                </a:p>
+              </p:txBody>
+            </p:sp>
+            <mc:AlternateContent xmlns:mc="http://schemas.openxmlformats.org/markup-compatibility/2006" xmlns:a14="http://schemas.microsoft.com/office/drawing/2010/main">
+              <mc:Choice Requires="a14">
+                <p:sp>
+                  <p:nvSpPr>
+                    <p:cNvPr id="113" name="TextBox 112">
+                      <a:extLst>
+                        <a:ext uri="{FF2B5EF4-FFF2-40B4-BE49-F238E27FC236}">
+                          <a16:creationId xmlns:a16="http://schemas.microsoft.com/office/drawing/2014/main" id="{1826AF49-0DA3-4B3E-AAF9-278ED8DE5D13}"/>
+                        </a:ext>
+                      </a:extLst>
+                    </p:cNvPr>
+                    <p:cNvSpPr txBox="1"/>
+                    <p:nvPr/>
+                  </p:nvSpPr>
+                  <p:spPr>
+                    <a:xfrm>
+                      <a:off x="1503237" y="4743744"/>
+                      <a:ext cx="2156701" cy="378693"/>
+                    </a:xfrm>
+                    <a:prstGeom prst="rect">
+                      <a:avLst/>
+                    </a:prstGeom>
+                    <a:noFill/>
+                    <a:ln w="19050">
+                      <a:solidFill>
+                        <a:schemeClr val="tx1"/>
+                      </a:solidFill>
+                    </a:ln>
+                  </p:spPr>
+                  <p:txBody>
+                    <a:bodyPr wrap="square" rtlCol="0">
+                      <a:spAutoFit/>
+                    </a:bodyPr>
+                    <a:lstStyle/>
+                    <a:p>
+                      <a14:m>
+                        <m:oMath xmlns:m="http://schemas.openxmlformats.org/officeDocument/2006/math">
+                          <m:acc>
+                            <m:accPr>
+                              <m:chr m:val="̂"/>
+                              <m:ctrlPr>
+                                <a:rPr lang="en-US" b="1" i="1" smtClean="0">
+                                  <a:latin typeface="Cambria Math" panose="02040503050406030204" pitchFamily="18" charset="0"/>
+                                </a:rPr>
+                              </m:ctrlPr>
+                            </m:accPr>
+                            <m:e>
+                              <m:r>
+                                <a:rPr lang="en-US" b="1" i="1" smtClean="0">
+                                  <a:latin typeface="Cambria Math" panose="02040503050406030204" pitchFamily="18" charset="0"/>
+                                </a:rPr>
+                                <m:t>𝒙</m:t>
+                              </m:r>
+                            </m:e>
+                          </m:acc>
+                          <m:r>
+                            <a:rPr lang="en-US" b="0" i="1" smtClean="0">
                               <a:latin typeface="Cambria Math" panose="02040503050406030204" pitchFamily="18" charset="0"/>
                             </a:rPr>
-                          </m:ctrlPr>
-                        </m:accPr>
-                        <m:e>
+                            <m:t>, </m:t>
+                          </m:r>
+                          <m:acc>
+                            <m:accPr>
+                              <m:chr m:val="̂"/>
+                              <m:ctrlPr>
+                                <a:rPr lang="en-US" b="0" i="1" smtClean="0">
+                                  <a:solidFill>
+                                    <a:schemeClr val="accent1"/>
+                                  </a:solidFill>
+                                  <a:latin typeface="Cambria Math" panose="02040503050406030204" pitchFamily="18" charset="0"/>
+                                </a:rPr>
+                              </m:ctrlPr>
+                            </m:accPr>
+                            <m:e>
+                              <m:r>
+                                <a:rPr lang="en-US" b="1" i="0" smtClean="0">
+                                  <a:solidFill>
+                                    <a:schemeClr val="accent1"/>
+                                  </a:solidFill>
+                                  <a:latin typeface="Cambria Math" panose="02040503050406030204" pitchFamily="18" charset="0"/>
+                                </a:rPr>
+                                <m:t>𝛀</m:t>
+                              </m:r>
+                            </m:e>
+                          </m:acc>
                           <m:r>
-                            <a:rPr lang="en-US" b="1" i="1" smtClean="0">
-                              <a:latin typeface="Cambria Math" panose="02040503050406030204" pitchFamily="18" charset="0"/>
-                            </a:rPr>
-                            <m:t>𝒙</m:t>
-                          </m:r>
-                        </m:e>
-                      </m:acc>
-                      <m:r>
-                        <a:rPr lang="en-US" b="0" i="1" smtClean="0">
-                          <a:latin typeface="Cambria Math" panose="02040503050406030204" pitchFamily="18" charset="0"/>
-                        </a:rPr>
-                        <m:t>, </m:t>
-                      </m:r>
-                      <m:acc>
-                        <m:accPr>
-                          <m:chr m:val="̂"/>
-                          <m:ctrlPr>
                             <a:rPr lang="en-US" b="0" i="1" smtClean="0">
                               <a:solidFill>
                                 <a:schemeClr val="accent1"/>
                               </a:solidFill>
                               <a:latin typeface="Cambria Math" panose="02040503050406030204" pitchFamily="18" charset="0"/>
                             </a:rPr>
-                          </m:ctrlPr>
-                        </m:accPr>
-                        <m:e>
+                            <m:t>=</m:t>
+                          </m:r>
+                          <m:acc>
+                            <m:accPr>
+                              <m:chr m:val="̂"/>
+                              <m:ctrlPr>
+                                <a:rPr lang="en-US" b="1" i="1" smtClean="0">
+                                  <a:solidFill>
+                                    <a:schemeClr val="accent1"/>
+                                  </a:solidFill>
+                                  <a:latin typeface="Cambria Math" panose="02040503050406030204" pitchFamily="18" charset="0"/>
+                                </a:rPr>
+                              </m:ctrlPr>
+                            </m:accPr>
+                            <m:e>
+                              <m:r>
+                                <a:rPr lang="en-US" b="1" i="1" smtClean="0">
+                                  <a:solidFill>
+                                    <a:schemeClr val="accent1"/>
+                                  </a:solidFill>
+                                  <a:latin typeface="Cambria Math" panose="02040503050406030204" pitchFamily="18" charset="0"/>
+                                </a:rPr>
+                                <m:t>𝒚</m:t>
+                              </m:r>
+                            </m:e>
+                          </m:acc>
                           <m:r>
-                            <a:rPr lang="en-US" b="1" i="0" smtClean="0">
-                              <a:solidFill>
-                                <a:schemeClr val="accent1"/>
-                              </a:solidFill>
+                            <a:rPr lang="en-US" b="0" i="1" smtClean="0">
                               <a:latin typeface="Cambria Math" panose="02040503050406030204" pitchFamily="18" charset="0"/>
                             </a:rPr>
-                            <m:t>𝛀</m:t>
+                            <m:t>, </m:t>
                           </m:r>
-                        </m:e>
-                      </m:acc>
-                      <m:r>
-                        <a:rPr lang="en-US" b="0" i="1" smtClean="0">
-                          <a:solidFill>
-                            <a:schemeClr val="accent1"/>
-                          </a:solidFill>
-                          <a:latin typeface="Cambria Math" panose="02040503050406030204" pitchFamily="18" charset="0"/>
-                        </a:rPr>
-                        <m:t>=</m:t>
-                      </m:r>
-                      <m:acc>
-                        <m:accPr>
-                          <m:chr m:val="̂"/>
-                          <m:ctrlPr>
-                            <a:rPr lang="en-US" b="1" i="1" smtClean="0">
-                              <a:solidFill>
-                                <a:schemeClr val="accent1"/>
-                              </a:solidFill>
-                              <a:latin typeface="Cambria Math" panose="02040503050406030204" pitchFamily="18" charset="0"/>
-                            </a:rPr>
-                          </m:ctrlPr>
-                        </m:accPr>
-                        <m:e>
-                          <m:r>
-                            <a:rPr lang="en-US" b="1" i="1" smtClean="0">
-                              <a:solidFill>
-                                <a:schemeClr val="accent1"/>
-                              </a:solidFill>
-                              <a:latin typeface="Cambria Math" panose="02040503050406030204" pitchFamily="18" charset="0"/>
-                            </a:rPr>
-                            <m:t>𝒙</m:t>
-                          </m:r>
-                        </m:e>
-                      </m:acc>
-                      <m:r>
-                        <a:rPr lang="en-US" b="0" i="1" smtClean="0">
-                          <a:latin typeface="Cambria Math" panose="02040503050406030204" pitchFamily="18" charset="0"/>
-                        </a:rPr>
-                        <m:t>, </m:t>
-                      </m:r>
-                      <m:acc>
-                        <m:accPr>
-                          <m:chr m:val="̂"/>
-                          <m:ctrlPr>
-                            <a:rPr lang="en-US" b="1" smtClean="0">
-                              <a:solidFill>
-                                <a:schemeClr val="accent2"/>
-                              </a:solidFill>
-                              <a:latin typeface="Cambria Math" panose="02040503050406030204" pitchFamily="18" charset="0"/>
-                            </a:rPr>
-                          </m:ctrlPr>
-                        </m:accPr>
-                        <m:e>
+                          <m:acc>
+                            <m:accPr>
+                              <m:chr m:val="̂"/>
+                              <m:ctrlPr>
+                                <a:rPr lang="en-US" b="1" i="1" smtClean="0">
+                                  <a:solidFill>
+                                    <a:schemeClr val="accent2"/>
+                                  </a:solidFill>
+                                  <a:latin typeface="Cambria Math" panose="02040503050406030204" pitchFamily="18" charset="0"/>
+                                </a:rPr>
+                              </m:ctrlPr>
+                            </m:accPr>
+                            <m:e>
+                              <m:r>
+                                <a:rPr lang="en-US" b="1" i="0" smtClean="0">
+                                  <a:solidFill>
+                                    <a:schemeClr val="accent2"/>
+                                  </a:solidFill>
+                                  <a:latin typeface="Cambria Math" panose="02040503050406030204" pitchFamily="18" charset="0"/>
+                                </a:rPr>
+                                <m:t>𝐚𝐬𝐲𝐦</m:t>
+                              </m:r>
+                            </m:e>
+                          </m:acc>
                           <m:r>
                             <a:rPr lang="en-US" b="1" i="0" smtClean="0">
                               <a:solidFill>
@@ -5638,295 +5458,890 @@
                               </a:solidFill>
                               <a:latin typeface="Cambria Math" panose="02040503050406030204" pitchFamily="18" charset="0"/>
                             </a:rPr>
-                            <m:t>𝐚𝐬𝐲𝐦</m:t>
+                            <m:t>=</m:t>
                           </m:r>
-                        </m:e>
-                      </m:acc>
-                      <m:r>
-                        <a:rPr lang="en-US" b="1" i="0" smtClean="0">
+                        </m:oMath>
+                      </a14:m>
+                      <a:r>
+                        <a:rPr lang="en-US" b="1" dirty="0">
                           <a:solidFill>
-                            <a:schemeClr val="accent2"/>
+                            <a:schemeClr val="accent1"/>
                           </a:solidFill>
-                          <a:latin typeface="Cambria Math" panose="02040503050406030204" pitchFamily="18" charset="0"/>
+                          <a:latin typeface="Times New Roman" panose="02020603050405020304" pitchFamily="18" charset="0"/>
+                          <a:cs typeface="Times New Roman" panose="02020603050405020304" pitchFamily="18" charset="0"/>
                         </a:rPr>
-                        <m:t>=</m:t>
-                      </m:r>
-                    </m:oMath>
-                  </a14:m>
-                  <a:r>
-                    <a:rPr lang="en-US" b="1" dirty="0">
+                        <a:t> </a:t>
+                      </a:r>
+                      <a14:m>
+                        <m:oMath xmlns:m="http://schemas.openxmlformats.org/officeDocument/2006/math">
+                          <m:acc>
+                            <m:accPr>
+                              <m:chr m:val="̂"/>
+                              <m:ctrlPr>
+                                <a:rPr lang="en-US" b="1" i="1" smtClean="0">
+                                  <a:solidFill>
+                                    <a:schemeClr val="accent2"/>
+                                  </a:solidFill>
+                                  <a:latin typeface="Cambria Math" panose="02040503050406030204" pitchFamily="18" charset="0"/>
+                                </a:rPr>
+                              </m:ctrlPr>
+                            </m:accPr>
+                            <m:e>
+                              <m:r>
+                                <a:rPr lang="en-US" b="1" i="1">
+                                  <a:solidFill>
+                                    <a:schemeClr val="accent2"/>
+                                  </a:solidFill>
+                                  <a:latin typeface="Cambria Math" panose="02040503050406030204" pitchFamily="18" charset="0"/>
+                                </a:rPr>
+                                <m:t>𝒙</m:t>
+                              </m:r>
+                            </m:e>
+                          </m:acc>
+                        </m:oMath>
+                      </a14:m>
+                      <a:endParaRPr lang="en-US" b="1" dirty="0">
+                        <a:latin typeface="Times New Roman" panose="02020603050405020304" pitchFamily="18" charset="0"/>
+                        <a:cs typeface="Times New Roman" panose="02020603050405020304" pitchFamily="18" charset="0"/>
+                      </a:endParaRPr>
+                    </a:p>
+                  </p:txBody>
+                </p:sp>
+              </mc:Choice>
+              <mc:Fallback xmlns="">
+                <p:sp>
+                  <p:nvSpPr>
+                    <p:cNvPr id="113" name="TextBox 112">
+                      <a:extLst>
+                        <a:ext uri="{FF2B5EF4-FFF2-40B4-BE49-F238E27FC236}">
+                          <a16:creationId xmlns:a16="http://schemas.microsoft.com/office/drawing/2014/main" id="{1826AF49-0DA3-4B3E-AAF9-278ED8DE5D13}"/>
+                        </a:ext>
+                      </a:extLst>
+                    </p:cNvPr>
+                    <p:cNvSpPr txBox="1">
+                      <a:spLocks noRot="1" noChangeAspect="1" noMove="1" noResize="1" noEditPoints="1" noAdjustHandles="1" noChangeArrowheads="1" noChangeShapeType="1" noTextEdit="1"/>
+                    </p:cNvSpPr>
+                    <p:nvPr/>
+                  </p:nvSpPr>
+                  <p:spPr>
+                    <a:xfrm>
+                      <a:off x="1503237" y="4743744"/>
+                      <a:ext cx="2156701" cy="378693"/>
+                    </a:xfrm>
+                    <a:prstGeom prst="rect">
+                      <a:avLst/>
+                    </a:prstGeom>
+                    <a:blipFill>
+                      <a:blip r:embed="rId4"/>
+                      <a:stretch>
+                        <a:fillRect t="-1538" r="-31180" b="-6154"/>
+                      </a:stretch>
+                    </a:blipFill>
+                    <a:ln w="19050">
                       <a:solidFill>
-                        <a:schemeClr val="accent1"/>
+                        <a:schemeClr val="tx1"/>
                       </a:solidFill>
-                      <a:latin typeface="Times New Roman" panose="02020603050405020304" pitchFamily="18" charset="0"/>
-                      <a:cs typeface="Times New Roman" panose="02020603050405020304" pitchFamily="18" charset="0"/>
-                    </a:rPr>
-                    <a:t> </a:t>
-                  </a:r>
-                  <a14:m>
-                    <m:oMath xmlns:m="http://schemas.openxmlformats.org/officeDocument/2006/math">
-                      <m:acc>
-                        <m:accPr>
-                          <m:chr m:val="̂"/>
-                          <m:ctrlPr>
-                            <a:rPr lang="en-US" b="1" i="1" smtClean="0">
-                              <a:solidFill>
-                                <a:schemeClr val="accent2"/>
-                              </a:solidFill>
-                              <a:latin typeface="Cambria Math" panose="02040503050406030204" pitchFamily="18" charset="0"/>
-                            </a:rPr>
-                          </m:ctrlPr>
-                        </m:accPr>
-                        <m:e>
-                          <m:r>
-                            <a:rPr lang="en-US" b="1" i="1" smtClean="0">
-                              <a:solidFill>
-                                <a:schemeClr val="accent2"/>
-                              </a:solidFill>
-                              <a:latin typeface="Cambria Math" panose="02040503050406030204" pitchFamily="18" charset="0"/>
-                            </a:rPr>
-                            <m:t>𝒚</m:t>
-                          </m:r>
-                        </m:e>
-                      </m:acc>
-                    </m:oMath>
-                  </a14:m>
-                  <a:endParaRPr lang="en-US" b="1" dirty="0">
+                    </a:ln>
+                  </p:spPr>
+                  <p:txBody>
+                    <a:bodyPr/>
+                    <a:lstStyle/>
+                    <a:p>
+                      <a:r>
+                        <a:rPr lang="en-US">
+                          <a:noFill/>
+                        </a:rPr>
+                        <a:t> </a:t>
+                      </a:r>
+                    </a:p>
+                  </p:txBody>
+                </p:sp>
+              </mc:Fallback>
+            </mc:AlternateContent>
+          </p:grpSp>
+          <p:sp>
+            <p:nvSpPr>
+              <p:cNvPr id="114" name="TextBox 113">
+                <a:extLst>
+                  <a:ext uri="{FF2B5EF4-FFF2-40B4-BE49-F238E27FC236}">
+                    <a16:creationId xmlns:a16="http://schemas.microsoft.com/office/drawing/2014/main" id="{14411F88-B7F8-4E2C-A403-1887ED9B589F}"/>
+                  </a:ext>
+                </a:extLst>
+              </p:cNvPr>
+              <p:cNvSpPr txBox="1"/>
+              <p:nvPr/>
+            </p:nvSpPr>
+            <p:spPr>
+              <a:xfrm>
+                <a:off x="1503236" y="4415716"/>
+                <a:ext cx="2156701" cy="369332"/>
+              </a:xfrm>
+              <a:prstGeom prst="rect">
+                <a:avLst/>
+              </a:prstGeom>
+              <a:noFill/>
+              <a:ln w="19050">
+                <a:noFill/>
+              </a:ln>
+            </p:spPr>
+            <p:txBody>
+              <a:bodyPr wrap="square" rtlCol="0">
+                <a:spAutoFit/>
+              </a:bodyPr>
+              <a:lstStyle/>
+              <a:p>
+                <a:r>
+                  <a:rPr lang="en-US" dirty="0">
                     <a:latin typeface="Times New Roman" panose="02020603050405020304" pitchFamily="18" charset="0"/>
                     <a:cs typeface="Times New Roman" panose="02020603050405020304" pitchFamily="18" charset="0"/>
-                  </a:endParaRPr>
-                </a:p>
-              </p:txBody>
-            </p:sp>
-          </mc:Choice>
-          <mc:Fallback>
-            <p:sp>
-              <p:nvSpPr>
-                <p:cNvPr id="111" name="TextBox 110">
+                  </a:rPr>
+                  <a:t>Class 3: Flipping</a:t>
+                </a:r>
+              </a:p>
+            </p:txBody>
+          </p:sp>
+        </p:grpSp>
+        <p:grpSp>
+          <p:nvGrpSpPr>
+            <p:cNvPr id="9" name="Group 8">
+              <a:extLst>
+                <a:ext uri="{FF2B5EF4-FFF2-40B4-BE49-F238E27FC236}">
+                  <a16:creationId xmlns:a16="http://schemas.microsoft.com/office/drawing/2014/main" id="{5DC915F9-73BD-437D-948A-D12154A70212}"/>
+                </a:ext>
+              </a:extLst>
+            </p:cNvPr>
+            <p:cNvGrpSpPr/>
+            <p:nvPr/>
+          </p:nvGrpSpPr>
+          <p:grpSpPr>
+            <a:xfrm>
+              <a:off x="1497377" y="10347198"/>
+              <a:ext cx="2384841" cy="2970754"/>
+              <a:chOff x="4757737" y="4415716"/>
+              <a:chExt cx="2384841" cy="2970754"/>
+            </a:xfrm>
+          </p:grpSpPr>
+          <p:grpSp>
+            <p:nvGrpSpPr>
+              <p:cNvPr id="7" name="Group 6">
+                <a:extLst>
+                  <a:ext uri="{FF2B5EF4-FFF2-40B4-BE49-F238E27FC236}">
+                    <a16:creationId xmlns:a16="http://schemas.microsoft.com/office/drawing/2014/main" id="{23803AC8-F9B3-45E6-B2F7-F48997C6FA46}"/>
+                  </a:ext>
+                </a:extLst>
+              </p:cNvPr>
+              <p:cNvGrpSpPr/>
+              <p:nvPr/>
+            </p:nvGrpSpPr>
+            <p:grpSpPr>
+              <a:xfrm>
+                <a:off x="4757738" y="4743744"/>
+                <a:ext cx="2384840" cy="2642726"/>
+                <a:chOff x="4757738" y="4743744"/>
+                <a:chExt cx="2384840" cy="2642726"/>
+              </a:xfrm>
+            </p:grpSpPr>
+            <p:cxnSp>
+              <p:nvCxnSpPr>
+                <p:cNvPr id="98" name="Straight Arrow Connector 97">
                   <a:extLst>
                     <a:ext uri="{FF2B5EF4-FFF2-40B4-BE49-F238E27FC236}">
-                      <a16:creationId xmlns:a16="http://schemas.microsoft.com/office/drawing/2014/main" id="{6F14B73A-1024-4CCF-A935-C23DFDBCBF52}"/>
+                      <a16:creationId xmlns:a16="http://schemas.microsoft.com/office/drawing/2014/main" id="{CD394B3B-3EBF-4ED8-9F21-BBA6C1C0E1D0}"/>
                     </a:ext>
                   </a:extLst>
                 </p:cNvPr>
-                <p:cNvSpPr txBox="1">
-                  <a:spLocks noRot="1" noChangeAspect="1" noMove="1" noResize="1" noEditPoints="1" noAdjustHandles="1" noChangeArrowheads="1" noChangeShapeType="1" noTextEdit="1"/>
-                </p:cNvSpPr>
+                <p:cNvCxnSpPr>
+                  <a:cxnSpLocks/>
+                </p:cNvCxnSpPr>
+                <p:nvPr/>
+              </p:nvCxnSpPr>
+              <p:spPr>
+                <a:xfrm flipH="1" flipV="1">
+                  <a:off x="4779373" y="6344007"/>
+                  <a:ext cx="1203718" cy="106994"/>
+                </a:xfrm>
+                <a:prstGeom prst="straightConnector1">
+                  <a:avLst/>
+                </a:prstGeom>
+                <a:ln w="38100">
+                  <a:solidFill>
+                    <a:schemeClr val="accent1"/>
+                  </a:solidFill>
+                  <a:tailEnd type="triangle"/>
+                </a:ln>
+              </p:spPr>
+              <p:style>
+                <a:lnRef idx="1">
+                  <a:schemeClr val="accent1"/>
+                </a:lnRef>
+                <a:fillRef idx="0">
+                  <a:schemeClr val="accent1"/>
+                </a:fillRef>
+                <a:effectRef idx="0">
+                  <a:schemeClr val="accent1"/>
+                </a:effectRef>
+                <a:fontRef idx="minor">
+                  <a:schemeClr val="tx1"/>
+                </a:fontRef>
+              </p:style>
+            </p:cxnSp>
+            <p:cxnSp>
+              <p:nvCxnSpPr>
+                <p:cNvPr id="92" name="Straight Arrow Connector 91">
+                  <a:extLst>
+                    <a:ext uri="{FF2B5EF4-FFF2-40B4-BE49-F238E27FC236}">
+                      <a16:creationId xmlns:a16="http://schemas.microsoft.com/office/drawing/2014/main" id="{27D493C6-C113-4DE8-8E8C-43E26E3A0A76}"/>
+                    </a:ext>
+                  </a:extLst>
+                </p:cNvPr>
+                <p:cNvCxnSpPr>
+                  <a:cxnSpLocks/>
+                </p:cNvCxnSpPr>
+                <p:nvPr/>
+              </p:nvCxnSpPr>
+              <p:spPr>
+                <a:xfrm flipH="1" flipV="1">
+                  <a:off x="4889597" y="6353734"/>
+                  <a:ext cx="1093376" cy="96575"/>
+                </a:xfrm>
+                <a:prstGeom prst="straightConnector1">
+                  <a:avLst/>
+                </a:prstGeom>
+                <a:ln w="38100">
+                  <a:solidFill>
+                    <a:schemeClr val="accent2"/>
+                  </a:solidFill>
+                  <a:tailEnd type="triangle"/>
+                </a:ln>
+              </p:spPr>
+              <p:style>
+                <a:lnRef idx="1">
+                  <a:schemeClr val="accent1"/>
+                </a:lnRef>
+                <a:fillRef idx="0">
+                  <a:schemeClr val="accent1"/>
+                </a:fillRef>
+                <a:effectRef idx="0">
+                  <a:schemeClr val="accent1"/>
+                </a:effectRef>
+                <a:fontRef idx="minor">
+                  <a:schemeClr val="tx1"/>
+                </a:fontRef>
+              </p:style>
+            </p:cxnSp>
+            <p:grpSp>
+              <p:nvGrpSpPr>
+                <p:cNvPr id="93" name="Group 92">
+                  <a:extLst>
+                    <a:ext uri="{FF2B5EF4-FFF2-40B4-BE49-F238E27FC236}">
+                      <a16:creationId xmlns:a16="http://schemas.microsoft.com/office/drawing/2014/main" id="{90E1444D-DD1C-466D-B4D9-D12C618D7AC6}"/>
+                    </a:ext>
+                  </a:extLst>
+                </p:cNvPr>
+                <p:cNvGrpSpPr/>
+                <p:nvPr/>
+              </p:nvGrpSpPr>
+              <p:grpSpPr>
+                <a:xfrm>
+                  <a:off x="5100636" y="5187556"/>
+                  <a:ext cx="1204232" cy="2198914"/>
+                  <a:chOff x="1126589" y="1982563"/>
+                  <a:chExt cx="2628900" cy="2198914"/>
+                </a:xfrm>
+              </p:grpSpPr>
+              <p:sp>
+                <p:nvSpPr>
+                  <p:cNvPr id="94" name="Oval 4">
+                    <a:extLst>
+                      <a:ext uri="{FF2B5EF4-FFF2-40B4-BE49-F238E27FC236}">
+                        <a16:creationId xmlns:a16="http://schemas.microsoft.com/office/drawing/2014/main" id="{A7CDCCAF-3276-44D5-9A2B-35C8A59D1413}"/>
+                      </a:ext>
+                    </a:extLst>
+                  </p:cNvPr>
+                  <p:cNvSpPr/>
+                  <p:nvPr/>
+                </p:nvSpPr>
+                <p:spPr>
+                  <a:xfrm>
+                    <a:off x="1126589" y="3169809"/>
+                    <a:ext cx="2628900" cy="76200"/>
+                  </a:xfrm>
+                  <a:custGeom>
+                    <a:avLst/>
+                    <a:gdLst>
+                      <a:gd name="connsiteX0" fmla="*/ 0 w 2628900"/>
+                      <a:gd name="connsiteY0" fmla="*/ 122465 h 244929"/>
+                      <a:gd name="connsiteX1" fmla="*/ 1314450 w 2628900"/>
+                      <a:gd name="connsiteY1" fmla="*/ 0 h 244929"/>
+                      <a:gd name="connsiteX2" fmla="*/ 2628900 w 2628900"/>
+                      <a:gd name="connsiteY2" fmla="*/ 122465 h 244929"/>
+                      <a:gd name="connsiteX3" fmla="*/ 1314450 w 2628900"/>
+                      <a:gd name="connsiteY3" fmla="*/ 244930 h 244929"/>
+                      <a:gd name="connsiteX4" fmla="*/ 0 w 2628900"/>
+                      <a:gd name="connsiteY4" fmla="*/ 122465 h 244929"/>
+                      <a:gd name="connsiteX0" fmla="*/ 1314450 w 2628900"/>
+                      <a:gd name="connsiteY0" fmla="*/ 0 h 244930"/>
+                      <a:gd name="connsiteX1" fmla="*/ 2628900 w 2628900"/>
+                      <a:gd name="connsiteY1" fmla="*/ 122465 h 244930"/>
+                      <a:gd name="connsiteX2" fmla="*/ 1314450 w 2628900"/>
+                      <a:gd name="connsiteY2" fmla="*/ 244930 h 244930"/>
+                      <a:gd name="connsiteX3" fmla="*/ 0 w 2628900"/>
+                      <a:gd name="connsiteY3" fmla="*/ 122465 h 244930"/>
+                      <a:gd name="connsiteX4" fmla="*/ 1405890 w 2628900"/>
+                      <a:gd name="connsiteY4" fmla="*/ 91440 h 244930"/>
+                      <a:gd name="connsiteX0" fmla="*/ 1314450 w 2628900"/>
+                      <a:gd name="connsiteY0" fmla="*/ 0 h 244930"/>
+                      <a:gd name="connsiteX1" fmla="*/ 2628900 w 2628900"/>
+                      <a:gd name="connsiteY1" fmla="*/ 122465 h 244930"/>
+                      <a:gd name="connsiteX2" fmla="*/ 1314450 w 2628900"/>
+                      <a:gd name="connsiteY2" fmla="*/ 244930 h 244930"/>
+                      <a:gd name="connsiteX3" fmla="*/ 0 w 2628900"/>
+                      <a:gd name="connsiteY3" fmla="*/ 122465 h 244930"/>
+                      <a:gd name="connsiteX0" fmla="*/ 2628900 w 2628900"/>
+                      <a:gd name="connsiteY0" fmla="*/ 0 h 122465"/>
+                      <a:gd name="connsiteX1" fmla="*/ 1314450 w 2628900"/>
+                      <a:gd name="connsiteY1" fmla="*/ 122465 h 122465"/>
+                      <a:gd name="connsiteX2" fmla="*/ 0 w 2628900"/>
+                      <a:gd name="connsiteY2" fmla="*/ 0 h 122465"/>
+                    </a:gdLst>
+                    <a:ahLst/>
+                    <a:cxnLst>
+                      <a:cxn ang="0">
+                        <a:pos x="connsiteX0" y="connsiteY0"/>
+                      </a:cxn>
+                      <a:cxn ang="0">
+                        <a:pos x="connsiteX1" y="connsiteY1"/>
+                      </a:cxn>
+                      <a:cxn ang="0">
+                        <a:pos x="connsiteX2" y="connsiteY2"/>
+                      </a:cxn>
+                    </a:cxnLst>
+                    <a:rect l="l" t="t" r="r" b="b"/>
+                    <a:pathLst>
+                      <a:path w="2628900" h="122465">
+                        <a:moveTo>
+                          <a:pt x="2628900" y="0"/>
+                        </a:moveTo>
+                        <a:cubicBezTo>
+                          <a:pt x="2628900" y="67636"/>
+                          <a:pt x="2040401" y="122465"/>
+                          <a:pt x="1314450" y="122465"/>
+                        </a:cubicBezTo>
+                        <a:cubicBezTo>
+                          <a:pt x="588499" y="122465"/>
+                          <a:pt x="0" y="67636"/>
+                          <a:pt x="0" y="0"/>
+                        </a:cubicBezTo>
+                      </a:path>
+                    </a:pathLst>
+                  </a:custGeom>
+                  <a:noFill/>
+                  <a:ln w="28575">
+                    <a:solidFill>
+                      <a:schemeClr val="bg2">
+                        <a:lumMod val="50000"/>
+                      </a:schemeClr>
+                    </a:solidFill>
+                    <a:prstDash val="sysDash"/>
+                  </a:ln>
+                </p:spPr>
+                <p:style>
+                  <a:lnRef idx="2">
+                    <a:schemeClr val="accent1">
+                      <a:shade val="50000"/>
+                    </a:schemeClr>
+                  </a:lnRef>
+                  <a:fillRef idx="1">
+                    <a:schemeClr val="accent1"/>
+                  </a:fillRef>
+                  <a:effectRef idx="0">
+                    <a:schemeClr val="accent1"/>
+                  </a:effectRef>
+                  <a:fontRef idx="minor">
+                    <a:schemeClr val="lt1"/>
+                  </a:fontRef>
+                </p:style>
+                <p:txBody>
+                  <a:bodyPr rtlCol="0" anchor="ctr"/>
+                  <a:lstStyle/>
+                  <a:p>
+                    <a:pPr algn="ctr"/>
+                    <a:endParaRPr lang="en-US"/>
+                  </a:p>
+                </p:txBody>
+              </p:sp>
+              <p:sp>
+                <p:nvSpPr>
+                  <p:cNvPr id="95" name="Oval 5">
+                    <a:extLst>
+                      <a:ext uri="{FF2B5EF4-FFF2-40B4-BE49-F238E27FC236}">
+                        <a16:creationId xmlns:a16="http://schemas.microsoft.com/office/drawing/2014/main" id="{CD4E80B3-4468-4FEF-A0E9-6E7F7A4B5E42}"/>
+                      </a:ext>
+                    </a:extLst>
+                  </p:cNvPr>
+                  <p:cNvSpPr/>
+                  <p:nvPr/>
+                </p:nvSpPr>
+                <p:spPr>
+                  <a:xfrm>
+                    <a:off x="2351933" y="1982563"/>
+                    <a:ext cx="701099" cy="2198914"/>
+                  </a:xfrm>
+                  <a:custGeom>
+                    <a:avLst/>
+                    <a:gdLst>
+                      <a:gd name="connsiteX0" fmla="*/ 0 w 344261"/>
+                      <a:gd name="connsiteY0" fmla="*/ 1032782 h 2065563"/>
+                      <a:gd name="connsiteX1" fmla="*/ 172131 w 344261"/>
+                      <a:gd name="connsiteY1" fmla="*/ 0 h 2065563"/>
+                      <a:gd name="connsiteX2" fmla="*/ 344262 w 344261"/>
+                      <a:gd name="connsiteY2" fmla="*/ 1032782 h 2065563"/>
+                      <a:gd name="connsiteX3" fmla="*/ 172131 w 344261"/>
+                      <a:gd name="connsiteY3" fmla="*/ 2065564 h 2065563"/>
+                      <a:gd name="connsiteX4" fmla="*/ 0 w 344261"/>
+                      <a:gd name="connsiteY4" fmla="*/ 1032782 h 2065563"/>
+                      <a:gd name="connsiteX0" fmla="*/ 0 w 344262"/>
+                      <a:gd name="connsiteY0" fmla="*/ 1032782 h 2065564"/>
+                      <a:gd name="connsiteX1" fmla="*/ 172131 w 344262"/>
+                      <a:gd name="connsiteY1" fmla="*/ 0 h 2065564"/>
+                      <a:gd name="connsiteX2" fmla="*/ 344262 w 344262"/>
+                      <a:gd name="connsiteY2" fmla="*/ 1032782 h 2065564"/>
+                      <a:gd name="connsiteX3" fmla="*/ 172131 w 344262"/>
+                      <a:gd name="connsiteY3" fmla="*/ 2065564 h 2065564"/>
+                      <a:gd name="connsiteX4" fmla="*/ 91440 w 344262"/>
+                      <a:gd name="connsiteY4" fmla="*/ 1124222 h 2065564"/>
+                      <a:gd name="connsiteX0" fmla="*/ 0 w 344262"/>
+                      <a:gd name="connsiteY0" fmla="*/ 1032782 h 2065564"/>
+                      <a:gd name="connsiteX1" fmla="*/ 172131 w 344262"/>
+                      <a:gd name="connsiteY1" fmla="*/ 0 h 2065564"/>
+                      <a:gd name="connsiteX2" fmla="*/ 344262 w 344262"/>
+                      <a:gd name="connsiteY2" fmla="*/ 1032782 h 2065564"/>
+                      <a:gd name="connsiteX3" fmla="*/ 172131 w 344262"/>
+                      <a:gd name="connsiteY3" fmla="*/ 2065564 h 2065564"/>
+                      <a:gd name="connsiteX0" fmla="*/ 0 w 172131"/>
+                      <a:gd name="connsiteY0" fmla="*/ 0 h 2065564"/>
+                      <a:gd name="connsiteX1" fmla="*/ 172131 w 172131"/>
+                      <a:gd name="connsiteY1" fmla="*/ 1032782 h 2065564"/>
+                      <a:gd name="connsiteX2" fmla="*/ 0 w 172131"/>
+                      <a:gd name="connsiteY2" fmla="*/ 2065564 h 2065564"/>
+                    </a:gdLst>
+                    <a:ahLst/>
+                    <a:cxnLst>
+                      <a:cxn ang="0">
+                        <a:pos x="connsiteX0" y="connsiteY0"/>
+                      </a:cxn>
+                      <a:cxn ang="0">
+                        <a:pos x="connsiteX1" y="connsiteY1"/>
+                      </a:cxn>
+                      <a:cxn ang="0">
+                        <a:pos x="connsiteX2" y="connsiteY2"/>
+                      </a:cxn>
+                    </a:cxnLst>
+                    <a:rect l="l" t="t" r="r" b="b"/>
+                    <a:pathLst>
+                      <a:path w="172131" h="2065564">
+                        <a:moveTo>
+                          <a:pt x="0" y="0"/>
+                        </a:moveTo>
+                        <a:cubicBezTo>
+                          <a:pt x="95065" y="0"/>
+                          <a:pt x="172131" y="462392"/>
+                          <a:pt x="172131" y="1032782"/>
+                        </a:cubicBezTo>
+                        <a:cubicBezTo>
+                          <a:pt x="172131" y="1603172"/>
+                          <a:pt x="95065" y="2065564"/>
+                          <a:pt x="0" y="2065564"/>
+                        </a:cubicBezTo>
+                      </a:path>
+                    </a:pathLst>
+                  </a:custGeom>
+                  <a:noFill/>
+                  <a:ln w="28575">
+                    <a:solidFill>
+                      <a:schemeClr val="bg2">
+                        <a:lumMod val="50000"/>
+                      </a:schemeClr>
+                    </a:solidFill>
+                    <a:prstDash val="sysDash"/>
+                  </a:ln>
+                </p:spPr>
+                <p:style>
+                  <a:lnRef idx="2">
+                    <a:schemeClr val="accent1">
+                      <a:shade val="50000"/>
+                    </a:schemeClr>
+                  </a:lnRef>
+                  <a:fillRef idx="1">
+                    <a:schemeClr val="accent1"/>
+                  </a:fillRef>
+                  <a:effectRef idx="0">
+                    <a:schemeClr val="accent1"/>
+                  </a:effectRef>
+                  <a:fontRef idx="minor">
+                    <a:schemeClr val="lt1"/>
+                  </a:fontRef>
+                </p:style>
+                <p:txBody>
+                  <a:bodyPr rtlCol="0" anchor="ctr"/>
+                  <a:lstStyle/>
+                  <a:p>
+                    <a:pPr algn="ctr"/>
+                    <a:endParaRPr lang="en-US"/>
+                  </a:p>
+                </p:txBody>
+              </p:sp>
+              <p:sp>
+                <p:nvSpPr>
+                  <p:cNvPr id="96" name="Oval 95">
+                    <a:extLst>
+                      <a:ext uri="{FF2B5EF4-FFF2-40B4-BE49-F238E27FC236}">
+                        <a16:creationId xmlns:a16="http://schemas.microsoft.com/office/drawing/2014/main" id="{94B8EDC7-5479-4B45-9D3C-8BCE37217C4C}"/>
+                      </a:ext>
+                    </a:extLst>
+                  </p:cNvPr>
+                  <p:cNvSpPr/>
+                  <p:nvPr/>
+                </p:nvSpPr>
+                <p:spPr>
+                  <a:xfrm>
+                    <a:off x="1126589" y="1982563"/>
+                    <a:ext cx="2628900" cy="2198914"/>
+                  </a:xfrm>
+                  <a:prstGeom prst="ellipse">
+                    <a:avLst/>
+                  </a:prstGeom>
+                  <a:noFill/>
+                  <a:ln w="28575">
+                    <a:solidFill>
+                      <a:schemeClr val="tx1"/>
+                    </a:solidFill>
+                  </a:ln>
+                </p:spPr>
+                <p:style>
+                  <a:lnRef idx="2">
+                    <a:schemeClr val="accent1">
+                      <a:shade val="50000"/>
+                    </a:schemeClr>
+                  </a:lnRef>
+                  <a:fillRef idx="1">
+                    <a:schemeClr val="accent1"/>
+                  </a:fillRef>
+                  <a:effectRef idx="0">
+                    <a:schemeClr val="accent1"/>
+                  </a:effectRef>
+                  <a:fontRef idx="minor">
+                    <a:schemeClr val="lt1"/>
+                  </a:fontRef>
+                </p:style>
+                <p:txBody>
+                  <a:bodyPr rtlCol="0" anchor="ctr"/>
+                  <a:lstStyle/>
+                  <a:p>
+                    <a:pPr algn="ctr"/>
+                    <a:endParaRPr lang="en-US"/>
+                  </a:p>
+                </p:txBody>
+              </p:sp>
+            </p:grpSp>
+            <p:cxnSp>
+              <p:nvCxnSpPr>
+                <p:cNvPr id="97" name="Straight Arrow Connector 96">
+                  <a:extLst>
+                    <a:ext uri="{FF2B5EF4-FFF2-40B4-BE49-F238E27FC236}">
+                      <a16:creationId xmlns:a16="http://schemas.microsoft.com/office/drawing/2014/main" id="{DC80562E-E47C-4CB9-BC4A-F9527A31B930}"/>
+                    </a:ext>
+                  </a:extLst>
+                </p:cNvPr>
+                <p:cNvCxnSpPr>
+                  <a:cxnSpLocks/>
+                </p:cNvCxnSpPr>
+                <p:nvPr/>
+              </p:nvCxnSpPr>
+              <p:spPr>
+                <a:xfrm>
+                  <a:off x="5983091" y="6451002"/>
+                  <a:ext cx="592574" cy="189973"/>
+                </a:xfrm>
+                <a:prstGeom prst="straightConnector1">
+                  <a:avLst/>
+                </a:prstGeom>
+                <a:ln w="38100">
+                  <a:solidFill>
+                    <a:schemeClr val="tx1"/>
+                  </a:solidFill>
+                  <a:tailEnd type="triangle"/>
+                </a:ln>
+              </p:spPr>
+              <p:style>
+                <a:lnRef idx="1">
+                  <a:schemeClr val="accent1"/>
+                </a:lnRef>
+                <a:fillRef idx="0">
+                  <a:schemeClr val="accent1"/>
+                </a:fillRef>
+                <a:effectRef idx="0">
+                  <a:schemeClr val="accent1"/>
+                </a:effectRef>
+                <a:fontRef idx="minor">
+                  <a:schemeClr val="tx1"/>
+                </a:fontRef>
+              </p:style>
+            </p:cxnSp>
+            <p:sp>
+              <p:nvSpPr>
+                <p:cNvPr id="99" name="Oval 98">
+                  <a:extLst>
+                    <a:ext uri="{FF2B5EF4-FFF2-40B4-BE49-F238E27FC236}">
+                      <a16:creationId xmlns:a16="http://schemas.microsoft.com/office/drawing/2014/main" id="{CC666492-C7CB-4450-AEB1-955FAB4E4F6B}"/>
+                    </a:ext>
+                  </a:extLst>
+                </p:cNvPr>
+                <p:cNvSpPr/>
                 <p:nvPr/>
               </p:nvSpPr>
               <p:spPr>
                 <a:xfrm>
-                  <a:off x="4757739" y="1527571"/>
-                  <a:ext cx="2156701" cy="378693"/>
+                  <a:off x="5926598" y="6394509"/>
+                  <a:ext cx="112986" cy="112986"/>
                 </a:xfrm>
-                <a:prstGeom prst="rect">
+                <a:prstGeom prst="ellipse">
                   <a:avLst/>
                 </a:prstGeom>
-                <a:blipFill>
-                  <a:blip r:embed="rId3"/>
-                  <a:stretch>
-                    <a:fillRect t="-1538" r="-30812" b="-6154"/>
-                  </a:stretch>
-                </a:blipFill>
-                <a:ln w="19050">
+                <a:solidFill>
+                  <a:schemeClr val="tx1"/>
+                </a:solidFill>
+                <a:ln>
                   <a:solidFill>
                     <a:schemeClr val="tx1"/>
                   </a:solidFill>
                 </a:ln>
               </p:spPr>
+              <p:style>
+                <a:lnRef idx="2">
+                  <a:schemeClr val="accent1">
+                    <a:shade val="50000"/>
+                  </a:schemeClr>
+                </a:lnRef>
+                <a:fillRef idx="1">
+                  <a:schemeClr val="accent1"/>
+                </a:fillRef>
+                <a:effectRef idx="0">
+                  <a:schemeClr val="accent1"/>
+                </a:effectRef>
+                <a:fontRef idx="minor">
+                  <a:schemeClr val="lt1"/>
+                </a:fontRef>
+              </p:style>
               <p:txBody>
-                <a:bodyPr/>
+                <a:bodyPr rtlCol="0" anchor="ctr"/>
                 <a:lstStyle/>
                 <a:p>
-                  <a:r>
-                    <a:rPr lang="en-US">
-                      <a:noFill/>
-                    </a:rPr>
-                    <a:t> </a:t>
-                  </a:r>
+                  <a:pPr algn="ctr"/>
+                  <a:endParaRPr lang="en-US"/>
                 </a:p>
               </p:txBody>
             </p:sp>
-          </mc:Fallback>
-        </mc:AlternateContent>
-        <p:sp>
-          <p:nvSpPr>
-            <p:cNvPr id="112" name="TextBox 111">
-              <a:extLst>
-                <a:ext uri="{FF2B5EF4-FFF2-40B4-BE49-F238E27FC236}">
-                  <a16:creationId xmlns:a16="http://schemas.microsoft.com/office/drawing/2014/main" id="{F947DCA0-1894-4073-B290-5DAE309A5893}"/>
-                </a:ext>
-              </a:extLst>
-            </p:cNvPr>
-            <p:cNvSpPr txBox="1"/>
-            <p:nvPr/>
-          </p:nvSpPr>
-          <p:spPr>
-            <a:xfrm>
-              <a:off x="4757738" y="1199543"/>
-              <a:ext cx="2156701" cy="378693"/>
-            </a:xfrm>
-            <a:prstGeom prst="rect">
-              <a:avLst/>
-            </a:prstGeom>
-            <a:noFill/>
-            <a:ln w="19050">
-              <a:noFill/>
-            </a:ln>
-          </p:spPr>
-          <p:txBody>
-            <a:bodyPr wrap="square" rtlCol="0">
-              <a:spAutoFit/>
-            </a:bodyPr>
-            <a:lstStyle/>
-            <a:p>
-              <a:r>
-                <a:rPr lang="en-US" dirty="0">
-                  <a:latin typeface="Times New Roman" panose="02020603050405020304" pitchFamily="18" charset="0"/>
-                  <a:cs typeface="Times New Roman" panose="02020603050405020304" pitchFamily="18" charset="0"/>
-                </a:rPr>
-                <a:t>Class 2</a:t>
-              </a:r>
-            </a:p>
-          </p:txBody>
-        </p:sp>
-        <mc:AlternateContent xmlns:mc="http://schemas.openxmlformats.org/markup-compatibility/2006">
-          <mc:Choice xmlns:a14="http://schemas.microsoft.com/office/drawing/2010/main" Requires="a14">
             <p:sp>
               <p:nvSpPr>
-                <p:cNvPr id="113" name="TextBox 112">
+                <p:cNvPr id="100" name="Sun 99">
                   <a:extLst>
                     <a:ext uri="{FF2B5EF4-FFF2-40B4-BE49-F238E27FC236}">
-                      <a16:creationId xmlns:a16="http://schemas.microsoft.com/office/drawing/2014/main" id="{1826AF49-0DA3-4B3E-AAF9-278ED8DE5D13}"/>
+                      <a16:creationId xmlns:a16="http://schemas.microsoft.com/office/drawing/2014/main" id="{6F73DC5E-B23C-4FCB-BDF6-CA29BEE35CA8}"/>
                     </a:ext>
                   </a:extLst>
                 </p:cNvPr>
-                <p:cNvSpPr txBox="1"/>
+                <p:cNvSpPr/>
                 <p:nvPr/>
               </p:nvSpPr>
               <p:spPr>
                 <a:xfrm>
-                  <a:off x="1503237" y="4743744"/>
-                  <a:ext cx="2156701" cy="378693"/>
+                  <a:off x="6589753" y="6506801"/>
+                  <a:ext cx="552825" cy="547943"/>
                 </a:xfrm>
-                <a:prstGeom prst="rect">
+                <a:prstGeom prst="sun">
                   <a:avLst/>
                 </a:prstGeom>
                 <a:noFill/>
-                <a:ln w="19050">
+                <a:ln w="28575">
                   <a:solidFill>
                     <a:schemeClr val="tx1"/>
                   </a:solidFill>
                 </a:ln>
               </p:spPr>
+              <p:style>
+                <a:lnRef idx="2">
+                  <a:schemeClr val="accent1">
+                    <a:shade val="50000"/>
+                  </a:schemeClr>
+                </a:lnRef>
+                <a:fillRef idx="1">
+                  <a:schemeClr val="accent1"/>
+                </a:fillRef>
+                <a:effectRef idx="0">
+                  <a:schemeClr val="accent1"/>
+                </a:effectRef>
+                <a:fontRef idx="minor">
+                  <a:schemeClr val="lt1"/>
+                </a:fontRef>
+              </p:style>
               <p:txBody>
-                <a:bodyPr wrap="square" rtlCol="0">
-                  <a:spAutoFit/>
-                </a:bodyPr>
+                <a:bodyPr rtlCol="0" anchor="ctr"/>
                 <a:lstStyle/>
                 <a:p>
-                  <a14:m>
-                    <m:oMath xmlns:m="http://schemas.openxmlformats.org/officeDocument/2006/math">
-                      <m:acc>
-                        <m:accPr>
-                          <m:chr m:val="̂"/>
-                          <m:ctrlPr>
-                            <a:rPr lang="en-US" b="1" i="1" smtClean="0">
+                  <a:pPr algn="ctr"/>
+                  <a:endParaRPr lang="en-US" sz="1014"/>
+                </a:p>
+              </p:txBody>
+            </p:sp>
+            <mc:AlternateContent xmlns:mc="http://schemas.openxmlformats.org/markup-compatibility/2006" xmlns:a14="http://schemas.microsoft.com/office/drawing/2010/main">
+              <mc:Choice Requires="a14">
+                <p:sp>
+                  <p:nvSpPr>
+                    <p:cNvPr id="115" name="TextBox 114">
+                      <a:extLst>
+                        <a:ext uri="{FF2B5EF4-FFF2-40B4-BE49-F238E27FC236}">
+                          <a16:creationId xmlns:a16="http://schemas.microsoft.com/office/drawing/2014/main" id="{D18586F8-7D10-406D-BA80-BE26145C35BC}"/>
+                        </a:ext>
+                      </a:extLst>
+                    </p:cNvPr>
+                    <p:cNvSpPr txBox="1"/>
+                    <p:nvPr/>
+                  </p:nvSpPr>
+                  <p:spPr>
+                    <a:xfrm>
+                      <a:off x="4757738" y="4743744"/>
+                      <a:ext cx="2156701" cy="378693"/>
+                    </a:xfrm>
+                    <a:prstGeom prst="rect">
+                      <a:avLst/>
+                    </a:prstGeom>
+                    <a:noFill/>
+                    <a:ln w="19050">
+                      <a:solidFill>
+                        <a:schemeClr val="tx1"/>
+                      </a:solidFill>
+                    </a:ln>
+                  </p:spPr>
+                  <p:txBody>
+                    <a:bodyPr wrap="square" rtlCol="0">
+                      <a:spAutoFit/>
+                    </a:bodyPr>
+                    <a:lstStyle/>
+                    <a:p>
+                      <a14:m>
+                        <m:oMath xmlns:m="http://schemas.openxmlformats.org/officeDocument/2006/math">
+                          <m:acc>
+                            <m:accPr>
+                              <m:chr m:val="̂"/>
+                              <m:ctrlPr>
+                                <a:rPr lang="en-US" b="1" i="1" smtClean="0">
+                                  <a:latin typeface="Cambria Math" panose="02040503050406030204" pitchFamily="18" charset="0"/>
+                                </a:rPr>
+                              </m:ctrlPr>
+                            </m:accPr>
+                            <m:e>
+                              <m:r>
+                                <a:rPr lang="en-US" b="1" i="1" smtClean="0">
+                                  <a:latin typeface="Cambria Math" panose="02040503050406030204" pitchFamily="18" charset="0"/>
+                                </a:rPr>
+                                <m:t>𝒙</m:t>
+                              </m:r>
+                            </m:e>
+                          </m:acc>
+                          <m:r>
+                            <a:rPr lang="en-US" b="0" i="1" smtClean="0">
                               <a:latin typeface="Cambria Math" panose="02040503050406030204" pitchFamily="18" charset="0"/>
                             </a:rPr>
-                          </m:ctrlPr>
-                        </m:accPr>
-                        <m:e>
+                            <m:t>, </m:t>
+                          </m:r>
+                          <m:acc>
+                            <m:accPr>
+                              <m:chr m:val="̂"/>
+                              <m:ctrlPr>
+                                <a:rPr lang="en-US" b="0" i="1" smtClean="0">
+                                  <a:solidFill>
+                                    <a:schemeClr val="accent1"/>
+                                  </a:solidFill>
+                                  <a:latin typeface="Cambria Math" panose="02040503050406030204" pitchFamily="18" charset="0"/>
+                                </a:rPr>
+                              </m:ctrlPr>
+                            </m:accPr>
+                            <m:e>
+                              <m:r>
+                                <a:rPr lang="en-US" b="1" i="0" smtClean="0">
+                                  <a:solidFill>
+                                    <a:schemeClr val="accent1"/>
+                                  </a:solidFill>
+                                  <a:latin typeface="Cambria Math" panose="02040503050406030204" pitchFamily="18" charset="0"/>
+                                </a:rPr>
+                                <m:t>𝛀</m:t>
+                              </m:r>
+                            </m:e>
+                          </m:acc>
                           <m:r>
-                            <a:rPr lang="en-US" b="1" i="1" smtClean="0">
-                              <a:latin typeface="Cambria Math" panose="02040503050406030204" pitchFamily="18" charset="0"/>
-                            </a:rPr>
-                            <m:t>𝒙</m:t>
-                          </m:r>
-                        </m:e>
-                      </m:acc>
-                      <m:r>
-                        <a:rPr lang="en-US" b="0" i="1" smtClean="0">
-                          <a:latin typeface="Cambria Math" panose="02040503050406030204" pitchFamily="18" charset="0"/>
-                        </a:rPr>
-                        <m:t>, </m:t>
-                      </m:r>
-                      <m:acc>
-                        <m:accPr>
-                          <m:chr m:val="̂"/>
-                          <m:ctrlPr>
                             <a:rPr lang="en-US" b="0" i="1" smtClean="0">
                               <a:solidFill>
                                 <a:schemeClr val="accent1"/>
                               </a:solidFill>
                               <a:latin typeface="Cambria Math" panose="02040503050406030204" pitchFamily="18" charset="0"/>
                             </a:rPr>
-                          </m:ctrlPr>
-                        </m:accPr>
-                        <m:e>
+                            <m:t>=</m:t>
+                          </m:r>
+                          <m:acc>
+                            <m:accPr>
+                              <m:chr m:val="̂"/>
+                              <m:ctrlPr>
+                                <a:rPr lang="en-US" b="1" i="1" smtClean="0">
+                                  <a:solidFill>
+                                    <a:schemeClr val="accent1"/>
+                                  </a:solidFill>
+                                  <a:latin typeface="Cambria Math" panose="02040503050406030204" pitchFamily="18" charset="0"/>
+                                </a:rPr>
+                              </m:ctrlPr>
+                            </m:accPr>
+                            <m:e>
+                              <m:r>
+                                <a:rPr lang="en-US" b="1" i="1" smtClean="0">
+                                  <a:solidFill>
+                                    <a:schemeClr val="accent1"/>
+                                  </a:solidFill>
+                                  <a:latin typeface="Cambria Math" panose="02040503050406030204" pitchFamily="18" charset="0"/>
+                                </a:rPr>
+                                <m:t>𝒚</m:t>
+                              </m:r>
+                            </m:e>
+                          </m:acc>
                           <m:r>
-                            <a:rPr lang="en-US" b="1" i="0" smtClean="0">
-                              <a:solidFill>
-                                <a:schemeClr val="accent1"/>
-                              </a:solidFill>
+                            <a:rPr lang="en-US" b="0" i="1" smtClean="0">
                               <a:latin typeface="Cambria Math" panose="02040503050406030204" pitchFamily="18" charset="0"/>
                             </a:rPr>
-                            <m:t>𝛀</m:t>
+                            <m:t>, </m:t>
                           </m:r>
-                        </m:e>
-                      </m:acc>
-                      <m:r>
-                        <a:rPr lang="en-US" b="0" i="1" smtClean="0">
-                          <a:solidFill>
-                            <a:schemeClr val="accent1"/>
-                          </a:solidFill>
-                          <a:latin typeface="Cambria Math" panose="02040503050406030204" pitchFamily="18" charset="0"/>
-                        </a:rPr>
-                        <m:t>=</m:t>
-                      </m:r>
-                      <m:acc>
-                        <m:accPr>
-                          <m:chr m:val="̂"/>
-                          <m:ctrlPr>
-                            <a:rPr lang="en-US" b="1" i="1" smtClean="0">
-                              <a:solidFill>
-                                <a:schemeClr val="accent1"/>
-                              </a:solidFill>
-                              <a:latin typeface="Cambria Math" panose="02040503050406030204" pitchFamily="18" charset="0"/>
-                            </a:rPr>
-                          </m:ctrlPr>
-                        </m:accPr>
-                        <m:e>
-                          <m:r>
-                            <a:rPr lang="en-US" b="1" i="1" smtClean="0">
-                              <a:solidFill>
-                                <a:schemeClr val="accent1"/>
-                              </a:solidFill>
-                              <a:latin typeface="Cambria Math" panose="02040503050406030204" pitchFamily="18" charset="0"/>
-                            </a:rPr>
-                            <m:t>𝒚</m:t>
-                          </m:r>
-                        </m:e>
-                      </m:acc>
-                      <m:r>
-                        <a:rPr lang="en-US" b="0" i="1" smtClean="0">
-                          <a:latin typeface="Cambria Math" panose="02040503050406030204" pitchFamily="18" charset="0"/>
-                        </a:rPr>
-                        <m:t>, </m:t>
-                      </m:r>
-                      <m:acc>
-                        <m:accPr>
-                          <m:chr m:val="̂"/>
-                          <m:ctrlPr>
-                            <a:rPr lang="en-US" b="1" smtClean="0">
-                              <a:solidFill>
-                                <a:schemeClr val="accent2"/>
-                              </a:solidFill>
-                              <a:latin typeface="Cambria Math" panose="02040503050406030204" pitchFamily="18" charset="0"/>
-                            </a:rPr>
-                          </m:ctrlPr>
-                        </m:accPr>
-                        <m:e>
+                          <m:acc>
+                            <m:accPr>
+                              <m:chr m:val="̂"/>
+                              <m:ctrlPr>
+                                <a:rPr lang="en-US" b="1" i="1" smtClean="0">
+                                  <a:solidFill>
+                                    <a:schemeClr val="accent2"/>
+                                  </a:solidFill>
+                                  <a:latin typeface="Cambria Math" panose="02040503050406030204" pitchFamily="18" charset="0"/>
+                                </a:rPr>
+                              </m:ctrlPr>
+                            </m:accPr>
+                            <m:e>
+                              <m:r>
+                                <a:rPr lang="en-US" b="1" i="0" smtClean="0">
+                                  <a:solidFill>
+                                    <a:schemeClr val="accent2"/>
+                                  </a:solidFill>
+                                  <a:latin typeface="Cambria Math" panose="02040503050406030204" pitchFamily="18" charset="0"/>
+                                </a:rPr>
+                                <m:t>𝐚𝐬𝐲𝐦</m:t>
+                              </m:r>
+                            </m:e>
+                          </m:acc>
                           <m:r>
                             <a:rPr lang="en-US" b="1" i="0" smtClean="0">
                               <a:solidFill>
@@ -5934,454 +6349,149 @@
                               </a:solidFill>
                               <a:latin typeface="Cambria Math" panose="02040503050406030204" pitchFamily="18" charset="0"/>
                             </a:rPr>
-                            <m:t>𝐚𝐬𝐲𝐦</m:t>
+                            <m:t>=</m:t>
                           </m:r>
-                        </m:e>
-                      </m:acc>
-                      <m:r>
-                        <a:rPr lang="en-US" b="1" i="0" smtClean="0">
-                          <a:solidFill>
-                            <a:schemeClr val="accent2"/>
-                          </a:solidFill>
-                          <a:latin typeface="Cambria Math" panose="02040503050406030204" pitchFamily="18" charset="0"/>
-                        </a:rPr>
-                        <m:t>=</m:t>
-                      </m:r>
-                    </m:oMath>
-                  </a14:m>
-                  <a:r>
-                    <a:rPr lang="en-US" b="1" dirty="0">
-                      <a:solidFill>
-                        <a:schemeClr val="accent1"/>
-                      </a:solidFill>
-                      <a:latin typeface="Times New Roman" panose="02020603050405020304" pitchFamily="18" charset="0"/>
-                      <a:cs typeface="Times New Roman" panose="02020603050405020304" pitchFamily="18" charset="0"/>
-                    </a:rPr>
-                    <a:t> </a:t>
-                  </a:r>
-                  <a14:m>
-                    <m:oMath xmlns:m="http://schemas.openxmlformats.org/officeDocument/2006/math">
-                      <m:acc>
-                        <m:accPr>
-                          <m:chr m:val="̂"/>
-                          <m:ctrlPr>
-                            <a:rPr lang="en-US" b="1" i="1" smtClean="0">
-                              <a:solidFill>
-                                <a:schemeClr val="accent2"/>
-                              </a:solidFill>
-                              <a:latin typeface="Cambria Math" panose="02040503050406030204" pitchFamily="18" charset="0"/>
-                            </a:rPr>
-                          </m:ctrlPr>
-                        </m:accPr>
-                        <m:e>
-                          <m:r>
-                            <a:rPr lang="en-US" b="1" i="1">
-                              <a:solidFill>
-                                <a:schemeClr val="accent2"/>
-                              </a:solidFill>
-                              <a:latin typeface="Cambria Math" panose="02040503050406030204" pitchFamily="18" charset="0"/>
-                            </a:rPr>
-                            <m:t>𝒙</m:t>
-                          </m:r>
-                        </m:e>
-                      </m:acc>
-                    </m:oMath>
-                  </a14:m>
-                  <a:endParaRPr lang="en-US" b="1" dirty="0">
-                    <a:latin typeface="Times New Roman" panose="02020603050405020304" pitchFamily="18" charset="0"/>
-                    <a:cs typeface="Times New Roman" panose="02020603050405020304" pitchFamily="18" charset="0"/>
-                  </a:endParaRPr>
-                </a:p>
-              </p:txBody>
-            </p:sp>
-          </mc:Choice>
-          <mc:Fallback>
-            <p:sp>
-              <p:nvSpPr>
-                <p:cNvPr id="113" name="TextBox 112">
-                  <a:extLst>
-                    <a:ext uri="{FF2B5EF4-FFF2-40B4-BE49-F238E27FC236}">
-                      <a16:creationId xmlns:a16="http://schemas.microsoft.com/office/drawing/2014/main" id="{1826AF49-0DA3-4B3E-AAF9-278ED8DE5D13}"/>
-                    </a:ext>
-                  </a:extLst>
-                </p:cNvPr>
-                <p:cNvSpPr txBox="1">
-                  <a:spLocks noRot="1" noChangeAspect="1" noMove="1" noResize="1" noEditPoints="1" noAdjustHandles="1" noChangeArrowheads="1" noChangeShapeType="1" noTextEdit="1"/>
-                </p:cNvSpPr>
-                <p:nvPr/>
-              </p:nvSpPr>
-              <p:spPr>
-                <a:xfrm>
-                  <a:off x="1503237" y="4743744"/>
-                  <a:ext cx="2156701" cy="378693"/>
-                </a:xfrm>
-                <a:prstGeom prst="rect">
-                  <a:avLst/>
-                </a:prstGeom>
-                <a:blipFill>
-                  <a:blip r:embed="rId4"/>
-                  <a:stretch>
-                    <a:fillRect t="-3077" r="-31180" b="-21538"/>
-                  </a:stretch>
-                </a:blipFill>
-                <a:ln w="19050">
-                  <a:solidFill>
-                    <a:schemeClr val="tx1"/>
-                  </a:solidFill>
-                </a:ln>
-              </p:spPr>
-              <p:txBody>
-                <a:bodyPr/>
-                <a:lstStyle/>
-                <a:p>
-                  <a:r>
-                    <a:rPr lang="en-US">
-                      <a:noFill/>
-                    </a:rPr>
-                    <a:t> </a:t>
-                  </a:r>
-                </a:p>
-              </p:txBody>
-            </p:sp>
-          </mc:Fallback>
-        </mc:AlternateContent>
-        <p:sp>
-          <p:nvSpPr>
-            <p:cNvPr id="114" name="TextBox 113">
-              <a:extLst>
-                <a:ext uri="{FF2B5EF4-FFF2-40B4-BE49-F238E27FC236}">
-                  <a16:creationId xmlns:a16="http://schemas.microsoft.com/office/drawing/2014/main" id="{14411F88-B7F8-4E2C-A403-1887ED9B589F}"/>
-                </a:ext>
-              </a:extLst>
-            </p:cNvPr>
-            <p:cNvSpPr txBox="1"/>
-            <p:nvPr/>
-          </p:nvSpPr>
-          <p:spPr>
-            <a:xfrm>
-              <a:off x="1503236" y="4415716"/>
-              <a:ext cx="2156701" cy="378693"/>
-            </a:xfrm>
-            <a:prstGeom prst="rect">
-              <a:avLst/>
-            </a:prstGeom>
-            <a:noFill/>
-            <a:ln w="19050">
-              <a:noFill/>
-            </a:ln>
-          </p:spPr>
-          <p:txBody>
-            <a:bodyPr wrap="square" rtlCol="0">
-              <a:spAutoFit/>
-            </a:bodyPr>
-            <a:lstStyle/>
-            <a:p>
-              <a:r>
-                <a:rPr lang="en-US" dirty="0">
-                  <a:latin typeface="Times New Roman" panose="02020603050405020304" pitchFamily="18" charset="0"/>
-                  <a:cs typeface="Times New Roman" panose="02020603050405020304" pitchFamily="18" charset="0"/>
-                </a:rPr>
-                <a:t>Class 3</a:t>
-              </a:r>
-            </a:p>
-          </p:txBody>
-        </p:sp>
-        <mc:AlternateContent xmlns:mc="http://schemas.openxmlformats.org/markup-compatibility/2006">
-          <mc:Choice xmlns:a14="http://schemas.microsoft.com/office/drawing/2010/main" Requires="a14">
-            <p:sp>
-              <p:nvSpPr>
-                <p:cNvPr id="115" name="TextBox 114">
-                  <a:extLst>
-                    <a:ext uri="{FF2B5EF4-FFF2-40B4-BE49-F238E27FC236}">
-                      <a16:creationId xmlns:a16="http://schemas.microsoft.com/office/drawing/2014/main" id="{D18586F8-7D10-406D-BA80-BE26145C35BC}"/>
-                    </a:ext>
-                  </a:extLst>
-                </p:cNvPr>
-                <p:cNvSpPr txBox="1"/>
-                <p:nvPr/>
-              </p:nvSpPr>
-              <p:spPr>
-                <a:xfrm>
-                  <a:off x="4757738" y="4743744"/>
-                  <a:ext cx="2156701" cy="378693"/>
-                </a:xfrm>
-                <a:prstGeom prst="rect">
-                  <a:avLst/>
-                </a:prstGeom>
-                <a:noFill/>
-                <a:ln w="19050">
-                  <a:solidFill>
-                    <a:schemeClr val="tx1"/>
-                  </a:solidFill>
-                </a:ln>
-              </p:spPr>
-              <p:txBody>
-                <a:bodyPr wrap="square" rtlCol="0">
-                  <a:spAutoFit/>
-                </a:bodyPr>
-                <a:lstStyle/>
-                <a:p>
-                  <a14:m>
-                    <m:oMath xmlns:m="http://schemas.openxmlformats.org/officeDocument/2006/math">
-                      <m:acc>
-                        <m:accPr>
-                          <m:chr m:val="̂"/>
-                          <m:ctrlPr>
-                            <a:rPr lang="en-US" b="1" i="1" smtClean="0">
-                              <a:latin typeface="Cambria Math" panose="02040503050406030204" pitchFamily="18" charset="0"/>
-                            </a:rPr>
-                          </m:ctrlPr>
-                        </m:accPr>
-                        <m:e>
-                          <m:r>
-                            <a:rPr lang="en-US" b="1" i="1" smtClean="0">
-                              <a:latin typeface="Cambria Math" panose="02040503050406030204" pitchFamily="18" charset="0"/>
-                            </a:rPr>
-                            <m:t>𝒙</m:t>
-                          </m:r>
-                        </m:e>
-                      </m:acc>
-                      <m:r>
-                        <a:rPr lang="en-US" b="0" i="1" smtClean="0">
-                          <a:latin typeface="Cambria Math" panose="02040503050406030204" pitchFamily="18" charset="0"/>
-                        </a:rPr>
-                        <m:t>, </m:t>
-                      </m:r>
-                      <m:acc>
-                        <m:accPr>
-                          <m:chr m:val="̂"/>
-                          <m:ctrlPr>
-                            <a:rPr lang="en-US" b="0" i="1" smtClean="0">
-                              <a:solidFill>
-                                <a:schemeClr val="accent1"/>
-                              </a:solidFill>
-                              <a:latin typeface="Cambria Math" panose="02040503050406030204" pitchFamily="18" charset="0"/>
-                            </a:rPr>
-                          </m:ctrlPr>
-                        </m:accPr>
-                        <m:e>
-                          <m:r>
-                            <a:rPr lang="en-US" b="1" i="0" smtClean="0">
-                              <a:solidFill>
-                                <a:schemeClr val="accent1"/>
-                              </a:solidFill>
-                              <a:latin typeface="Cambria Math" panose="02040503050406030204" pitchFamily="18" charset="0"/>
-                            </a:rPr>
-                            <m:t>𝛀</m:t>
-                          </m:r>
-                        </m:e>
-                      </m:acc>
-                      <m:r>
-                        <a:rPr lang="en-US" b="0" i="1" smtClean="0">
+                        </m:oMath>
+                      </a14:m>
+                      <a:r>
+                        <a:rPr lang="en-US" b="1" dirty="0">
                           <a:solidFill>
                             <a:schemeClr val="accent1"/>
                           </a:solidFill>
-                          <a:latin typeface="Cambria Math" panose="02040503050406030204" pitchFamily="18" charset="0"/>
+                          <a:latin typeface="Times New Roman" panose="02020603050405020304" pitchFamily="18" charset="0"/>
+                          <a:cs typeface="Times New Roman" panose="02020603050405020304" pitchFamily="18" charset="0"/>
                         </a:rPr>
-                        <m:t>=</m:t>
-                      </m:r>
-                      <m:acc>
-                        <m:accPr>
-                          <m:chr m:val="̂"/>
-                          <m:ctrlPr>
-                            <a:rPr lang="en-US" b="1" i="1" smtClean="0">
-                              <a:solidFill>
-                                <a:schemeClr val="accent1"/>
-                              </a:solidFill>
-                              <a:latin typeface="Cambria Math" panose="02040503050406030204" pitchFamily="18" charset="0"/>
-                            </a:rPr>
-                          </m:ctrlPr>
-                        </m:accPr>
-                        <m:e>
-                          <m:r>
-                            <a:rPr lang="en-US" b="1" i="1" smtClean="0">
-                              <a:solidFill>
-                                <a:schemeClr val="accent1"/>
-                              </a:solidFill>
-                              <a:latin typeface="Cambria Math" panose="02040503050406030204" pitchFamily="18" charset="0"/>
-                            </a:rPr>
-                            <m:t>𝒚</m:t>
-                          </m:r>
-                        </m:e>
-                      </m:acc>
-                      <m:r>
-                        <a:rPr lang="en-US" b="0" i="1" smtClean="0">
-                          <a:latin typeface="Cambria Math" panose="02040503050406030204" pitchFamily="18" charset="0"/>
+                        <a:t> </a:t>
+                      </a:r>
+                      <a14:m>
+                        <m:oMath xmlns:m="http://schemas.openxmlformats.org/officeDocument/2006/math">
+                          <m:acc>
+                            <m:accPr>
+                              <m:chr m:val="̂"/>
+                              <m:ctrlPr>
+                                <a:rPr lang="en-US" b="1" i="1" smtClean="0">
+                                  <a:solidFill>
+                                    <a:schemeClr val="accent2"/>
+                                  </a:solidFill>
+                                  <a:latin typeface="Cambria Math" panose="02040503050406030204" pitchFamily="18" charset="0"/>
+                                </a:rPr>
+                              </m:ctrlPr>
+                            </m:accPr>
+                            <m:e>
+                              <m:r>
+                                <a:rPr lang="en-US" b="1" i="1" smtClean="0">
+                                  <a:solidFill>
+                                    <a:schemeClr val="accent2"/>
+                                  </a:solidFill>
+                                  <a:latin typeface="Cambria Math" panose="02040503050406030204" pitchFamily="18" charset="0"/>
+                                </a:rPr>
+                                <m:t>𝒚</m:t>
+                              </m:r>
+                            </m:e>
+                          </m:acc>
+                        </m:oMath>
+                      </a14:m>
+                      <a:endParaRPr lang="en-US" b="1" dirty="0">
+                        <a:latin typeface="Times New Roman" panose="02020603050405020304" pitchFamily="18" charset="0"/>
+                        <a:cs typeface="Times New Roman" panose="02020603050405020304" pitchFamily="18" charset="0"/>
+                      </a:endParaRPr>
+                    </a:p>
+                  </p:txBody>
+                </p:sp>
+              </mc:Choice>
+              <mc:Fallback xmlns="">
+                <p:sp>
+                  <p:nvSpPr>
+                    <p:cNvPr id="115" name="TextBox 114">
+                      <a:extLst>
+                        <a:ext uri="{FF2B5EF4-FFF2-40B4-BE49-F238E27FC236}">
+                          <a16:creationId xmlns:a16="http://schemas.microsoft.com/office/drawing/2014/main" id="{D18586F8-7D10-406D-BA80-BE26145C35BC}"/>
+                        </a:ext>
+                      </a:extLst>
+                    </p:cNvPr>
+                    <p:cNvSpPr txBox="1">
+                      <a:spLocks noRot="1" noChangeAspect="1" noMove="1" noResize="1" noEditPoints="1" noAdjustHandles="1" noChangeArrowheads="1" noChangeShapeType="1" noTextEdit="1"/>
+                    </p:cNvSpPr>
+                    <p:nvPr/>
+                  </p:nvSpPr>
+                  <p:spPr>
+                    <a:xfrm>
+                      <a:off x="4757738" y="4743744"/>
+                      <a:ext cx="2156701" cy="378693"/>
+                    </a:xfrm>
+                    <a:prstGeom prst="rect">
+                      <a:avLst/>
+                    </a:prstGeom>
+                    <a:blipFill>
+                      <a:blip r:embed="rId5"/>
+                      <a:stretch>
+                        <a:fillRect t="-1538" r="-31180" b="-6154"/>
+                      </a:stretch>
+                    </a:blipFill>
+                    <a:ln w="19050">
+                      <a:solidFill>
+                        <a:schemeClr val="tx1"/>
+                      </a:solidFill>
+                    </a:ln>
+                  </p:spPr>
+                  <p:txBody>
+                    <a:bodyPr/>
+                    <a:lstStyle/>
+                    <a:p>
+                      <a:r>
+                        <a:rPr lang="en-US">
+                          <a:noFill/>
                         </a:rPr>
-                        <m:t>, </m:t>
-                      </m:r>
-                      <m:acc>
-                        <m:accPr>
-                          <m:chr m:val="̂"/>
-                          <m:ctrlPr>
-                            <a:rPr lang="en-US" b="1" smtClean="0">
-                              <a:solidFill>
-                                <a:schemeClr val="accent2"/>
-                              </a:solidFill>
-                              <a:latin typeface="Cambria Math" panose="02040503050406030204" pitchFamily="18" charset="0"/>
-                            </a:rPr>
-                          </m:ctrlPr>
-                        </m:accPr>
-                        <m:e>
-                          <m:r>
-                            <a:rPr lang="en-US" b="1" i="0" smtClean="0">
-                              <a:solidFill>
-                                <a:schemeClr val="accent2"/>
-                              </a:solidFill>
-                              <a:latin typeface="Cambria Math" panose="02040503050406030204" pitchFamily="18" charset="0"/>
-                            </a:rPr>
-                            <m:t>𝐚𝐬𝐲𝐦</m:t>
-                          </m:r>
-                        </m:e>
-                      </m:acc>
-                      <m:r>
-                        <a:rPr lang="en-US" b="1" i="0" smtClean="0">
-                          <a:solidFill>
-                            <a:schemeClr val="accent2"/>
-                          </a:solidFill>
-                          <a:latin typeface="Cambria Math" panose="02040503050406030204" pitchFamily="18" charset="0"/>
-                        </a:rPr>
-                        <m:t>=</m:t>
-                      </m:r>
-                    </m:oMath>
-                  </a14:m>
-                  <a:r>
-                    <a:rPr lang="en-US" b="1" dirty="0">
-                      <a:solidFill>
-                        <a:schemeClr val="accent1"/>
-                      </a:solidFill>
-                      <a:latin typeface="Times New Roman" panose="02020603050405020304" pitchFamily="18" charset="0"/>
-                      <a:cs typeface="Times New Roman" panose="02020603050405020304" pitchFamily="18" charset="0"/>
-                    </a:rPr>
-                    <a:t> </a:t>
-                  </a:r>
-                  <a14:m>
-                    <m:oMath xmlns:m="http://schemas.openxmlformats.org/officeDocument/2006/math">
-                      <m:acc>
-                        <m:accPr>
-                          <m:chr m:val="̂"/>
-                          <m:ctrlPr>
-                            <a:rPr lang="en-US" b="1" i="1" smtClean="0">
-                              <a:solidFill>
-                                <a:schemeClr val="accent2"/>
-                              </a:solidFill>
-                              <a:latin typeface="Cambria Math" panose="02040503050406030204" pitchFamily="18" charset="0"/>
-                            </a:rPr>
-                          </m:ctrlPr>
-                        </m:accPr>
-                        <m:e>
-                          <m:r>
-                            <a:rPr lang="en-US" b="1" i="1" smtClean="0">
-                              <a:solidFill>
-                                <a:schemeClr val="accent2"/>
-                              </a:solidFill>
-                              <a:latin typeface="Cambria Math" panose="02040503050406030204" pitchFamily="18" charset="0"/>
-                            </a:rPr>
-                            <m:t>𝒚</m:t>
-                          </m:r>
-                        </m:e>
-                      </m:acc>
-                    </m:oMath>
-                  </a14:m>
-                  <a:endParaRPr lang="en-US" b="1" dirty="0">
+                        <a:t> </a:t>
+                      </a:r>
+                    </a:p>
+                  </p:txBody>
+                </p:sp>
+              </mc:Fallback>
+            </mc:AlternateContent>
+          </p:grpSp>
+          <p:sp>
+            <p:nvSpPr>
+              <p:cNvPr id="116" name="TextBox 115">
+                <a:extLst>
+                  <a:ext uri="{FF2B5EF4-FFF2-40B4-BE49-F238E27FC236}">
+                    <a16:creationId xmlns:a16="http://schemas.microsoft.com/office/drawing/2014/main" id="{D773ECAC-11F3-4BF3-88CF-8F3354AA0ADE}"/>
+                  </a:ext>
+                </a:extLst>
+              </p:cNvPr>
+              <p:cNvSpPr txBox="1"/>
+              <p:nvPr/>
+            </p:nvSpPr>
+            <p:spPr>
+              <a:xfrm>
+                <a:off x="4757737" y="4415716"/>
+                <a:ext cx="2156701" cy="369332"/>
+              </a:xfrm>
+              <a:prstGeom prst="rect">
+                <a:avLst/>
+              </a:prstGeom>
+              <a:noFill/>
+              <a:ln w="19050">
+                <a:noFill/>
+              </a:ln>
+            </p:spPr>
+            <p:txBody>
+              <a:bodyPr wrap="square" rtlCol="0">
+                <a:spAutoFit/>
+              </a:bodyPr>
+              <a:lstStyle/>
+              <a:p>
+                <a:r>
+                  <a:rPr lang="en-US" dirty="0">
                     <a:latin typeface="Times New Roman" panose="02020603050405020304" pitchFamily="18" charset="0"/>
                     <a:cs typeface="Times New Roman" panose="02020603050405020304" pitchFamily="18" charset="0"/>
-                  </a:endParaRPr>
-                </a:p>
-              </p:txBody>
-            </p:sp>
-          </mc:Choice>
-          <mc:Fallback>
-            <p:sp>
-              <p:nvSpPr>
-                <p:cNvPr id="115" name="TextBox 114">
-                  <a:extLst>
-                    <a:ext uri="{FF2B5EF4-FFF2-40B4-BE49-F238E27FC236}">
-                      <a16:creationId xmlns:a16="http://schemas.microsoft.com/office/drawing/2014/main" id="{D18586F8-7D10-406D-BA80-BE26145C35BC}"/>
-                    </a:ext>
-                  </a:extLst>
-                </p:cNvPr>
-                <p:cNvSpPr txBox="1">
-                  <a:spLocks noRot="1" noChangeAspect="1" noMove="1" noResize="1" noEditPoints="1" noAdjustHandles="1" noChangeArrowheads="1" noChangeShapeType="1" noTextEdit="1"/>
-                </p:cNvSpPr>
-                <p:nvPr/>
-              </p:nvSpPr>
-              <p:spPr>
-                <a:xfrm>
-                  <a:off x="4757738" y="4743744"/>
-                  <a:ext cx="2156701" cy="378693"/>
-                </a:xfrm>
-                <a:prstGeom prst="rect">
-                  <a:avLst/>
-                </a:prstGeom>
-                <a:blipFill>
-                  <a:blip r:embed="rId5"/>
-                  <a:stretch>
-                    <a:fillRect t="-1538" r="-31092" b="-6154"/>
-                  </a:stretch>
-                </a:blipFill>
-                <a:ln w="19050">
-                  <a:solidFill>
-                    <a:schemeClr val="tx1"/>
-                  </a:solidFill>
-                </a:ln>
-              </p:spPr>
-              <p:txBody>
-                <a:bodyPr/>
-                <a:lstStyle/>
-                <a:p>
-                  <a:r>
-                    <a:rPr lang="en-US">
-                      <a:noFill/>
-                    </a:rPr>
-                    <a:t> </a:t>
-                  </a:r>
-                </a:p>
-              </p:txBody>
-            </p:sp>
-          </mc:Fallback>
-        </mc:AlternateContent>
-        <p:sp>
-          <p:nvSpPr>
-            <p:cNvPr id="116" name="TextBox 115">
-              <a:extLst>
-                <a:ext uri="{FF2B5EF4-FFF2-40B4-BE49-F238E27FC236}">
-                  <a16:creationId xmlns:a16="http://schemas.microsoft.com/office/drawing/2014/main" id="{D773ECAC-11F3-4BF3-88CF-8F3354AA0ADE}"/>
-                </a:ext>
-              </a:extLst>
-            </p:cNvPr>
-            <p:cNvSpPr txBox="1"/>
-            <p:nvPr/>
-          </p:nvSpPr>
-          <p:spPr>
-            <a:xfrm>
-              <a:off x="4757737" y="4415716"/>
-              <a:ext cx="2156701" cy="378693"/>
-            </a:xfrm>
-            <a:prstGeom prst="rect">
-              <a:avLst/>
-            </a:prstGeom>
-            <a:noFill/>
-            <a:ln w="19050">
-              <a:noFill/>
-            </a:ln>
-          </p:spPr>
-          <p:txBody>
-            <a:bodyPr wrap="square" rtlCol="0">
-              <a:spAutoFit/>
-            </a:bodyPr>
-            <a:lstStyle/>
-            <a:p>
-              <a:r>
-                <a:rPr lang="en-US" dirty="0">
-                  <a:latin typeface="Times New Roman" panose="02020603050405020304" pitchFamily="18" charset="0"/>
-                  <a:cs typeface="Times New Roman" panose="02020603050405020304" pitchFamily="18" charset="0"/>
-                </a:rPr>
-                <a:t>Class 4</a:t>
-              </a:r>
-            </a:p>
-          </p:txBody>
-        </p:sp>
+                  </a:rPr>
+                  <a:t>Class 4: Rolling</a:t>
+                </a:r>
+              </a:p>
+            </p:txBody>
+          </p:sp>
+        </p:grpSp>
       </p:grpSp>
     </p:spTree>
     <p:extLst>
